--- a/98_plan/DMC.pptx
+++ b/98_plan/DMC.pptx
@@ -3646,10 +3646,10 @@
       </p:grpSpPr>
       <p:pic>
         <p:nvPicPr>
-          <p:cNvPr id="18" name="図 17">
-            <a:extLst>
-              <a:ext uri="{FF2B5EF4-FFF2-40B4-BE49-F238E27FC236}">
-                <a16:creationId xmlns:a16="http://schemas.microsoft.com/office/drawing/2014/main" id="{4ABFBE0B-1FB5-4842-BEDD-3698AE84FA8E}"/>
+          <p:cNvPr id="1035" name="図 1034" descr="スポーツゲーム が含まれている画像&#10;&#10;自動的に生成された説明">
+            <a:extLst>
+              <a:ext uri="{FF2B5EF4-FFF2-40B4-BE49-F238E27FC236}">
+                <a16:creationId xmlns:a16="http://schemas.microsoft.com/office/drawing/2014/main" id="{94C919BC-283E-FA8B-1E31-851088556381}"/>
               </a:ext>
             </a:extLst>
           </p:cNvPr>
@@ -3671,9 +3671,174 @@
           </a:stretch>
         </p:blipFill>
         <p:spPr>
+          <a:xfrm rot="878471" flipH="1">
+            <a:off x="5432996" y="3647841"/>
+            <a:ext cx="1269020" cy="1269020"/>
+          </a:xfrm>
+          <a:prstGeom prst="rect">
+            <a:avLst/>
+          </a:prstGeom>
+          <a:effectLst>
+            <a:glow rad="101600">
+              <a:schemeClr val="bg1">
+                <a:alpha val="80000"/>
+              </a:schemeClr>
+            </a:glow>
+          </a:effectLst>
+        </p:spPr>
+      </p:pic>
+      <p:pic>
+        <p:nvPicPr>
+          <p:cNvPr id="33" name="図 32">
+            <a:extLst>
+              <a:ext uri="{FF2B5EF4-FFF2-40B4-BE49-F238E27FC236}">
+                <a16:creationId xmlns:a16="http://schemas.microsoft.com/office/drawing/2014/main" id="{8454615C-0831-47FD-B08C-5840D9FAACD3}"/>
+              </a:ext>
+            </a:extLst>
+          </p:cNvPr>
+          <p:cNvPicPr>
+            <a:picLocks noChangeAspect="1"/>
+          </p:cNvPicPr>
+          <p:nvPr/>
+        </p:nvPicPr>
+        <p:blipFill>
+          <a:blip r:embed="rId3">
+            <a:extLst>
+              <a:ext uri="{28A0092B-C50C-407E-A947-70E740481C1C}">
+                <a14:useLocalDpi xmlns:a14="http://schemas.microsoft.com/office/drawing/2010/main" val="0"/>
+              </a:ext>
+            </a:extLst>
+          </a:blip>
+          <a:stretch>
+            <a:fillRect/>
+          </a:stretch>
+        </p:blipFill>
+        <p:spPr>
+          <a:xfrm flipH="1">
+            <a:off x="8606665" y="2525164"/>
+            <a:ext cx="1116084" cy="1116084"/>
+          </a:xfrm>
+          <a:prstGeom prst="rect">
+            <a:avLst/>
+          </a:prstGeom>
+          <a:effectLst>
+            <a:glow rad="825500">
+              <a:schemeClr val="bg2">
+                <a:alpha val="40000"/>
+              </a:schemeClr>
+            </a:glow>
+          </a:effectLst>
+        </p:spPr>
+      </p:pic>
+      <p:pic>
+        <p:nvPicPr>
+          <p:cNvPr id="1033" name="図 1032" descr="矢印 が含まれている画像&#10;&#10;自動的に生成された説明">
+            <a:extLst>
+              <a:ext uri="{FF2B5EF4-FFF2-40B4-BE49-F238E27FC236}">
+                <a16:creationId xmlns:a16="http://schemas.microsoft.com/office/drawing/2014/main" id="{155DDDE1-D762-C282-6881-235665877A2C}"/>
+              </a:ext>
+            </a:extLst>
+          </p:cNvPr>
+          <p:cNvPicPr>
+            <a:picLocks noChangeAspect="1"/>
+          </p:cNvPicPr>
+          <p:nvPr/>
+        </p:nvPicPr>
+        <p:blipFill>
+          <a:blip r:embed="rId4">
+            <a:extLst>
+              <a:ext uri="{28A0092B-C50C-407E-A947-70E740481C1C}">
+                <a14:useLocalDpi xmlns:a14="http://schemas.microsoft.com/office/drawing/2010/main" val="0"/>
+              </a:ext>
+            </a:extLst>
+          </a:blip>
+          <a:stretch>
+            <a:fillRect/>
+          </a:stretch>
+        </p:blipFill>
+        <p:spPr>
+          <a:xfrm rot="14682065">
+            <a:off x="1393035" y="1494724"/>
+            <a:ext cx="913004" cy="913004"/>
+          </a:xfrm>
+          <a:prstGeom prst="rect">
+            <a:avLst/>
+          </a:prstGeom>
+        </p:spPr>
+      </p:pic>
+      <p:pic>
+        <p:nvPicPr>
+          <p:cNvPr id="60" name="図 59" descr="ヘルメット, フラグ, 帽子 が含まれている画像&#10;&#10;自動的に生成された説明">
+            <a:extLst>
+              <a:ext uri="{FF2B5EF4-FFF2-40B4-BE49-F238E27FC236}">
+                <a16:creationId xmlns:a16="http://schemas.microsoft.com/office/drawing/2014/main" id="{B0E2B7C0-7A20-5ABD-93C6-4FF56989E3AC}"/>
+              </a:ext>
+            </a:extLst>
+          </p:cNvPr>
+          <p:cNvPicPr>
+            <a:picLocks noChangeAspect="1"/>
+          </p:cNvPicPr>
+          <p:nvPr/>
+        </p:nvPicPr>
+        <p:blipFill>
+          <a:blip r:embed="rId5">
+            <a:extLst>
+              <a:ext uri="{28A0092B-C50C-407E-A947-70E740481C1C}">
+                <a14:useLocalDpi xmlns:a14="http://schemas.microsoft.com/office/drawing/2010/main" val="0"/>
+              </a:ext>
+            </a:extLst>
+          </a:blip>
+          <a:stretch>
+            <a:fillRect/>
+          </a:stretch>
+        </p:blipFill>
+        <p:spPr>
           <a:xfrm>
-            <a:off x="1056289" y="1518017"/>
-            <a:ext cx="2896924" cy="2051511"/>
+            <a:off x="9537139" y="2097263"/>
+            <a:ext cx="2171867" cy="1648272"/>
+          </a:xfrm>
+          <a:prstGeom prst="rect">
+            <a:avLst/>
+          </a:prstGeom>
+          <a:effectLst>
+            <a:glow rad="76200">
+              <a:schemeClr val="bg1">
+                <a:alpha val="62000"/>
+              </a:schemeClr>
+            </a:glow>
+          </a:effectLst>
+        </p:spPr>
+      </p:pic>
+      <p:pic>
+        <p:nvPicPr>
+          <p:cNvPr id="18" name="図 17">
+            <a:extLst>
+              <a:ext uri="{FF2B5EF4-FFF2-40B4-BE49-F238E27FC236}">
+                <a16:creationId xmlns:a16="http://schemas.microsoft.com/office/drawing/2014/main" id="{4ABFBE0B-1FB5-4842-BEDD-3698AE84FA8E}"/>
+              </a:ext>
+            </a:extLst>
+          </p:cNvPr>
+          <p:cNvPicPr>
+            <a:picLocks noChangeAspect="1"/>
+          </p:cNvPicPr>
+          <p:nvPr/>
+        </p:nvPicPr>
+        <p:blipFill>
+          <a:blip r:embed="rId6">
+            <a:extLst>
+              <a:ext uri="{28A0092B-C50C-407E-A947-70E740481C1C}">
+                <a14:useLocalDpi xmlns:a14="http://schemas.microsoft.com/office/drawing/2010/main" val="0"/>
+              </a:ext>
+            </a:extLst>
+          </a:blip>
+          <a:stretch>
+            <a:fillRect/>
+          </a:stretch>
+        </p:blipFill>
+        <p:spPr>
+          <a:xfrm>
+            <a:off x="255836" y="3056998"/>
+            <a:ext cx="2013244" cy="1425716"/>
           </a:xfrm>
           <a:prstGeom prst="rect">
             <a:avLst/>
@@ -3689,10 +3854,10 @@
       </p:pic>
       <p:pic>
         <p:nvPicPr>
-          <p:cNvPr id="33" name="図 32">
-            <a:extLst>
-              <a:ext uri="{FF2B5EF4-FFF2-40B4-BE49-F238E27FC236}">
-                <a16:creationId xmlns:a16="http://schemas.microsoft.com/office/drawing/2014/main" id="{8454615C-0831-47FD-B08C-5840D9FAACD3}"/>
+          <p:cNvPr id="14" name="図 13">
+            <a:extLst>
+              <a:ext uri="{FF2B5EF4-FFF2-40B4-BE49-F238E27FC236}">
+                <a16:creationId xmlns:a16="http://schemas.microsoft.com/office/drawing/2014/main" id="{4C7457C3-8A97-448E-988E-564FD8D21DFD}"/>
               </a:ext>
             </a:extLst>
           </p:cNvPr>
@@ -3702,7 +3867,7 @@
           <p:nvPr/>
         </p:nvPicPr>
         <p:blipFill>
-          <a:blip r:embed="rId3">
+          <a:blip r:embed="rId7">
             <a:extLst>
               <a:ext uri="{28A0092B-C50C-407E-A947-70E740481C1C}">
                 <a14:useLocalDpi xmlns:a14="http://schemas.microsoft.com/office/drawing/2010/main" val="0"/>
@@ -3714,52 +3879,9 @@
           </a:stretch>
         </p:blipFill>
         <p:spPr>
-          <a:xfrm>
-            <a:off x="171780" y="1122002"/>
-            <a:ext cx="2298984" cy="2298984"/>
-          </a:xfrm>
-          <a:prstGeom prst="rect">
-            <a:avLst/>
-          </a:prstGeom>
-          <a:effectLst>
-            <a:glow rad="901700">
-              <a:schemeClr val="bg2">
-                <a:alpha val="18000"/>
-              </a:schemeClr>
-            </a:glow>
-          </a:effectLst>
-        </p:spPr>
-      </p:pic>
-      <p:pic>
-        <p:nvPicPr>
-          <p:cNvPr id="14" name="図 13">
-            <a:extLst>
-              <a:ext uri="{FF2B5EF4-FFF2-40B4-BE49-F238E27FC236}">
-                <a16:creationId xmlns:a16="http://schemas.microsoft.com/office/drawing/2014/main" id="{4C7457C3-8A97-448E-988E-564FD8D21DFD}"/>
-              </a:ext>
-            </a:extLst>
-          </p:cNvPr>
-          <p:cNvPicPr>
-            <a:picLocks noChangeAspect="1"/>
-          </p:cNvPicPr>
-          <p:nvPr/>
-        </p:nvPicPr>
-        <p:blipFill>
-          <a:blip r:embed="rId4">
-            <a:extLst>
-              <a:ext uri="{28A0092B-C50C-407E-A947-70E740481C1C}">
-                <a14:useLocalDpi xmlns:a14="http://schemas.microsoft.com/office/drawing/2010/main" val="0"/>
-              </a:ext>
-            </a:extLst>
-          </a:blip>
-          <a:stretch>
-            <a:fillRect/>
-          </a:stretch>
-        </p:blipFill>
-        <p:spPr>
-          <a:xfrm>
-            <a:off x="4221480" y="0"/>
-            <a:ext cx="3749040" cy="6858000"/>
+          <a:xfrm flipH="1">
+            <a:off x="4398320" y="1911861"/>
+            <a:ext cx="829597" cy="1517555"/>
           </a:xfrm>
           <a:prstGeom prst="rect">
             <a:avLst/>
@@ -3797,7 +3919,7 @@
           <p:nvPr/>
         </p:nvPicPr>
         <p:blipFill>
-          <a:blip r:embed="rId5">
+          <a:blip r:embed="rId8">
             <a:extLst>
               <a:ext uri="{28A0092B-C50C-407E-A947-70E740481C1C}">
                 <a14:useLocalDpi xmlns:a14="http://schemas.microsoft.com/office/drawing/2010/main" val="0"/>
@@ -3810,8 +3932,8 @@
         </p:blipFill>
         <p:spPr>
           <a:xfrm>
-            <a:off x="5930295" y="2131569"/>
-            <a:ext cx="1755829" cy="1326113"/>
+            <a:off x="4619786" y="4907457"/>
+            <a:ext cx="2522482" cy="1905137"/>
           </a:xfrm>
           <a:prstGeom prst="rect">
             <a:avLst/>
@@ -3833,7 +3955,7 @@
           <p:nvPr/>
         </p:nvPicPr>
         <p:blipFill>
-          <a:blip r:embed="rId6">
+          <a:blip r:embed="rId9">
             <a:extLst>
               <a:ext uri="{28A0092B-C50C-407E-A947-70E740481C1C}">
                 <a14:useLocalDpi xmlns:a14="http://schemas.microsoft.com/office/drawing/2010/main" val="0"/>
@@ -3846,9 +3968,9 @@
           </a:stretch>
         </p:blipFill>
         <p:spPr bwMode="auto">
-          <a:xfrm rot="831673">
-            <a:off x="-73949" y="3936177"/>
-            <a:ext cx="4544793" cy="2556446"/>
+          <a:xfrm rot="319766">
+            <a:off x="151078" y="4759022"/>
+            <a:ext cx="3220773" cy="1811685"/>
           </a:xfrm>
           <a:prstGeom prst="rect">
             <a:avLst/>
@@ -3889,7 +4011,7 @@
           <p:nvPr/>
         </p:nvPicPr>
         <p:blipFill>
-          <a:blip r:embed="rId7">
+          <a:blip r:embed="rId10">
             <a:extLst>
               <a:ext uri="{28A0092B-C50C-407E-A947-70E740481C1C}">
                 <a14:useLocalDpi xmlns:a14="http://schemas.microsoft.com/office/drawing/2010/main" val="0"/>
@@ -3903,8 +4025,8 @@
         </p:blipFill>
         <p:spPr bwMode="auto">
           <a:xfrm rot="442292">
-            <a:off x="8733541" y="4096812"/>
-            <a:ext cx="3244695" cy="1825141"/>
+            <a:off x="8279386" y="4453405"/>
+            <a:ext cx="3681040" cy="2070585"/>
           </a:xfrm>
           <a:prstGeom prst="rect">
             <a:avLst/>
@@ -3913,277 +4035,10 @@
             <a:noFill/>
           </a:ln>
           <a:effectLst>
-            <a:outerShdw blurRad="190500" algn="tl" rotWithShape="0">
-              <a:srgbClr val="000000">
-                <a:alpha val="70000"/>
-              </a:srgbClr>
-            </a:outerShdw>
-          </a:effectLst>
-          <a:extLst>
-            <a:ext uri="{909E8E84-426E-40DD-AFC4-6F175D3DCCD1}">
-              <a14:hiddenFill xmlns:a14="http://schemas.microsoft.com/office/drawing/2010/main">
-                <a:solidFill>
-                  <a:srgbClr val="FFFFFF"/>
-                </a:solidFill>
-              </a14:hiddenFill>
-            </a:ext>
-          </a:extLst>
-        </p:spPr>
-      </p:pic>
-      <p:grpSp>
-        <p:nvGrpSpPr>
-          <p:cNvPr id="7" name="グループ化 6">
-            <a:extLst>
-              <a:ext uri="{FF2B5EF4-FFF2-40B4-BE49-F238E27FC236}">
-                <a16:creationId xmlns:a16="http://schemas.microsoft.com/office/drawing/2014/main" id="{3183BAF5-74FC-4A6C-A29A-6C4C6108A2F0}"/>
-              </a:ext>
-            </a:extLst>
-          </p:cNvPr>
-          <p:cNvGrpSpPr/>
-          <p:nvPr/>
-        </p:nvGrpSpPr>
-        <p:grpSpPr>
-          <a:xfrm>
-            <a:off x="4996921" y="3262243"/>
-            <a:ext cx="1832852" cy="1395685"/>
-            <a:chOff x="2479756" y="4747846"/>
-            <a:chExt cx="2138984" cy="1448439"/>
-          </a:xfrm>
-        </p:grpSpPr>
-        <p:pic>
-          <p:nvPicPr>
-            <p:cNvPr id="6" name="図 5">
-              <a:extLst>
-                <a:ext uri="{FF2B5EF4-FFF2-40B4-BE49-F238E27FC236}">
-                  <a16:creationId xmlns:a16="http://schemas.microsoft.com/office/drawing/2014/main" id="{EC802E8F-E0F6-4004-A2C8-EFD30D642F64}"/>
-                </a:ext>
-              </a:extLst>
-            </p:cNvPr>
-            <p:cNvPicPr>
-              <a:picLocks noChangeAspect="1"/>
-            </p:cNvPicPr>
-            <p:nvPr/>
-          </p:nvPicPr>
-          <p:blipFill>
-            <a:blip r:embed="rId8">
-              <a:extLst>
-                <a:ext uri="{28A0092B-C50C-407E-A947-70E740481C1C}">
-                  <a14:useLocalDpi xmlns:a14="http://schemas.microsoft.com/office/drawing/2010/main" val="0"/>
-                </a:ext>
-              </a:extLst>
-            </a:blip>
-            <a:stretch>
-              <a:fillRect/>
-            </a:stretch>
-          </p:blipFill>
-          <p:spPr>
-            <a:xfrm>
-              <a:off x="3105906" y="4747846"/>
-              <a:ext cx="1252299" cy="950394"/>
-            </a:xfrm>
-            <a:prstGeom prst="rect">
-              <a:avLst/>
-            </a:prstGeom>
-          </p:spPr>
-        </p:pic>
-        <p:pic>
-          <p:nvPicPr>
-            <p:cNvPr id="26" name="図 25">
-              <a:extLst>
-                <a:ext uri="{FF2B5EF4-FFF2-40B4-BE49-F238E27FC236}">
-                  <a16:creationId xmlns:a16="http://schemas.microsoft.com/office/drawing/2014/main" id="{2E8FE039-378B-488B-8373-41DA8FF08C7B}"/>
-                </a:ext>
-              </a:extLst>
-            </p:cNvPr>
-            <p:cNvPicPr>
-              <a:picLocks noChangeAspect="1"/>
-            </p:cNvPicPr>
-            <p:nvPr/>
-          </p:nvPicPr>
-          <p:blipFill>
-            <a:blip r:embed="rId8">
-              <a:extLst>
-                <a:ext uri="{28A0092B-C50C-407E-A947-70E740481C1C}">
-                  <a14:useLocalDpi xmlns:a14="http://schemas.microsoft.com/office/drawing/2010/main" val="0"/>
-                </a:ext>
-              </a:extLst>
-            </a:blip>
-            <a:stretch>
-              <a:fillRect/>
-            </a:stretch>
-          </p:blipFill>
-          <p:spPr>
-            <a:xfrm>
-              <a:off x="2479756" y="4747846"/>
-              <a:ext cx="1252299" cy="950394"/>
-            </a:xfrm>
-            <a:prstGeom prst="rect">
-              <a:avLst/>
-            </a:prstGeom>
-          </p:spPr>
-        </p:pic>
-        <p:pic>
-          <p:nvPicPr>
-            <p:cNvPr id="28" name="図 27">
-              <a:extLst>
-                <a:ext uri="{FF2B5EF4-FFF2-40B4-BE49-F238E27FC236}">
-                  <a16:creationId xmlns:a16="http://schemas.microsoft.com/office/drawing/2014/main" id="{2738EBEC-BF57-4D74-9E5C-F1F264F34B3A}"/>
-                </a:ext>
-              </a:extLst>
-            </p:cNvPr>
-            <p:cNvPicPr>
-              <a:picLocks noChangeAspect="1"/>
-            </p:cNvPicPr>
-            <p:nvPr/>
-          </p:nvPicPr>
-          <p:blipFill>
-            <a:blip r:embed="rId8">
-              <a:extLst>
-                <a:ext uri="{28A0092B-C50C-407E-A947-70E740481C1C}">
-                  <a14:useLocalDpi xmlns:a14="http://schemas.microsoft.com/office/drawing/2010/main" val="0"/>
-                </a:ext>
-              </a:extLst>
-            </a:blip>
-            <a:stretch>
-              <a:fillRect/>
-            </a:stretch>
-          </p:blipFill>
-          <p:spPr>
-            <a:xfrm>
-              <a:off x="3366441" y="5207108"/>
-              <a:ext cx="1252299" cy="950394"/>
-            </a:xfrm>
-            <a:prstGeom prst="rect">
-              <a:avLst/>
-            </a:prstGeom>
-          </p:spPr>
-        </p:pic>
-        <p:pic>
-          <p:nvPicPr>
-            <p:cNvPr id="32" name="図 31">
-              <a:extLst>
-                <a:ext uri="{FF2B5EF4-FFF2-40B4-BE49-F238E27FC236}">
-                  <a16:creationId xmlns:a16="http://schemas.microsoft.com/office/drawing/2014/main" id="{BEA036AC-7271-4314-AE93-F057A9F7B288}"/>
-                </a:ext>
-              </a:extLst>
-            </p:cNvPr>
-            <p:cNvPicPr>
-              <a:picLocks noChangeAspect="1"/>
-            </p:cNvPicPr>
-            <p:nvPr/>
-          </p:nvPicPr>
-          <p:blipFill>
-            <a:blip r:embed="rId8">
-              <a:extLst>
-                <a:ext uri="{28A0092B-C50C-407E-A947-70E740481C1C}">
-                  <a14:useLocalDpi xmlns:a14="http://schemas.microsoft.com/office/drawing/2010/main" val="0"/>
-                </a:ext>
-              </a:extLst>
-            </a:blip>
-            <a:stretch>
-              <a:fillRect/>
-            </a:stretch>
-          </p:blipFill>
-          <p:spPr>
-            <a:xfrm>
-              <a:off x="2666624" y="5245891"/>
-              <a:ext cx="1252299" cy="950394"/>
-            </a:xfrm>
-            <a:prstGeom prst="rect">
-              <a:avLst/>
-            </a:prstGeom>
-          </p:spPr>
-        </p:pic>
-      </p:grpSp>
-      <p:pic>
-        <p:nvPicPr>
-          <p:cNvPr id="4" name="図 3">
-            <a:extLst>
-              <a:ext uri="{FF2B5EF4-FFF2-40B4-BE49-F238E27FC236}">
-                <a16:creationId xmlns:a16="http://schemas.microsoft.com/office/drawing/2014/main" id="{3B12150A-A794-4BD4-8C0C-25B3BB15EE23}"/>
-              </a:ext>
-            </a:extLst>
-          </p:cNvPr>
-          <p:cNvPicPr>
-            <a:picLocks noChangeAspect="1"/>
-          </p:cNvPicPr>
-          <p:nvPr/>
-        </p:nvPicPr>
-        <p:blipFill>
-          <a:blip r:embed="rId9">
-            <a:extLst>
-              <a:ext uri="{28A0092B-C50C-407E-A947-70E740481C1C}">
-                <a14:useLocalDpi xmlns:a14="http://schemas.microsoft.com/office/drawing/2010/main" val="0"/>
-              </a:ext>
-            </a:extLst>
-          </a:blip>
-          <a:stretch>
-            <a:fillRect/>
-          </a:stretch>
-        </p:blipFill>
-        <p:spPr>
-          <a:xfrm rot="20755550">
-            <a:off x="8005719" y="1342434"/>
-            <a:ext cx="3974123" cy="2235444"/>
-          </a:xfrm>
-          <a:prstGeom prst="rect">
-            <a:avLst/>
-          </a:prstGeom>
-          <a:ln>
-            <a:noFill/>
-          </a:ln>
-          <a:effectLst>
-            <a:outerShdw blurRad="190500" algn="tl" rotWithShape="0">
-              <a:srgbClr val="000000">
-                <a:alpha val="70000"/>
-              </a:srgbClr>
-            </a:outerShdw>
-          </a:effectLst>
-        </p:spPr>
-      </p:pic>
-      <p:pic>
-        <p:nvPicPr>
-          <p:cNvPr id="1026" name="Picture 2">
-            <a:extLst>
-              <a:ext uri="{FF2B5EF4-FFF2-40B4-BE49-F238E27FC236}">
-                <a16:creationId xmlns:a16="http://schemas.microsoft.com/office/drawing/2014/main" id="{2AB5222D-3A4B-916D-8F0F-76F42F2BB704}"/>
-              </a:ext>
-            </a:extLst>
-          </p:cNvPr>
-          <p:cNvPicPr>
-            <a:picLocks noChangeAspect="1" noChangeArrowheads="1"/>
-          </p:cNvPicPr>
-          <p:nvPr/>
-        </p:nvPicPr>
-        <p:blipFill>
-          <a:blip r:embed="rId10">
-            <a:extLst>
-              <a:ext uri="{28A0092B-C50C-407E-A947-70E740481C1C}">
-                <a14:useLocalDpi xmlns:a14="http://schemas.microsoft.com/office/drawing/2010/main" val="0"/>
-              </a:ext>
-            </a:extLst>
-          </a:blip>
-          <a:srcRect/>
-          <a:stretch>
-            <a:fillRect/>
-          </a:stretch>
-        </p:blipFill>
-        <p:spPr bwMode="auto">
-          <a:xfrm rot="20955864">
-            <a:off x="5189429" y="4682274"/>
-            <a:ext cx="3296576" cy="1854321"/>
-          </a:xfrm>
-          <a:prstGeom prst="rect">
-            <a:avLst/>
-          </a:prstGeom>
-          <a:ln>
-            <a:noFill/>
-          </a:ln>
-          <a:effectLst>
-            <a:outerShdw blurRad="190500" algn="tl" rotWithShape="0">
-              <a:srgbClr val="000000">
-                <a:alpha val="70000"/>
-              </a:srgbClr>
+            <a:outerShdw blurRad="50800" dist="38100" dir="8100000" algn="tr" rotWithShape="0">
+              <a:prstClr val="black">
+                <a:alpha val="40000"/>
+              </a:prstClr>
             </a:outerShdw>
           </a:effectLst>
           <a:extLst>
@@ -4495,8 +4350,8 @@
           <p:nvPr/>
         </p:nvSpPr>
         <p:spPr>
-          <a:xfrm rot="21310436">
-            <a:off x="3686205" y="1052892"/>
+          <a:xfrm rot="21480000">
+            <a:off x="3437885" y="980254"/>
             <a:ext cx="5118709" cy="646331"/>
           </a:xfrm>
           <a:prstGeom prst="rect">
@@ -4525,7 +4380,7 @@
                 <a:latin typeface="HGP行書体" panose="03000600000000000000" pitchFamily="66" charset="-128"/>
                 <a:ea typeface="HGP行書体" panose="03000600000000000000" pitchFamily="66" charset="-128"/>
               </a:rPr>
-              <a:t>多彩な道具で爽快コンボ</a:t>
+              <a:t>多彩な忍具で爽快コンボ</a:t>
             </a:r>
             <a:r>
               <a:rPr kumimoji="1" lang="en-US" altLang="ja-JP" sz="3600" dirty="0">
@@ -4563,10 +4418,10 @@
       </p:sp>
       <p:sp>
         <p:nvSpPr>
-          <p:cNvPr id="20" name="テキスト ボックス 19">
-            <a:extLst>
-              <a:ext uri="{FF2B5EF4-FFF2-40B4-BE49-F238E27FC236}">
-                <a16:creationId xmlns:a16="http://schemas.microsoft.com/office/drawing/2014/main" id="{CE04F9F5-2FB2-7E98-651F-0F61B491E11F}"/>
+          <p:cNvPr id="22" name="テキスト ボックス 21">
+            <a:extLst>
+              <a:ext uri="{FF2B5EF4-FFF2-40B4-BE49-F238E27FC236}">
+                <a16:creationId xmlns:a16="http://schemas.microsoft.com/office/drawing/2014/main" id="{E431F1DA-0464-6A6B-F297-D3EA2B3AFFFF}"/>
               </a:ext>
             </a:extLst>
           </p:cNvPr>
@@ -4574,9 +4429,9 @@
           <p:nvPr/>
         </p:nvSpPr>
         <p:spPr>
-          <a:xfrm rot="20839544">
-            <a:off x="8457443" y="2642065"/>
-            <a:ext cx="3337773" cy="954107"/>
+          <a:xfrm rot="21243675">
+            <a:off x="7425030" y="1454350"/>
+            <a:ext cx="1848809" cy="338554"/>
           </a:xfrm>
           <a:prstGeom prst="rect">
             <a:avLst/>
@@ -4584,13 +4439,13 @@
           <a:noFill/>
         </p:spPr>
         <p:txBody>
-          <a:bodyPr wrap="none" rtlCol="0">
+          <a:bodyPr wrap="square" rtlCol="0">
             <a:spAutoFit/>
           </a:bodyPr>
           <a:lstStyle/>
           <a:p>
             <a:r>
-              <a:rPr kumimoji="1" lang="ja-JP" altLang="en-US" sz="2800" dirty="0">
+              <a:rPr kumimoji="1" lang="ja-JP" altLang="en-US" sz="1600" dirty="0">
                 <a:solidFill>
                   <a:srgbClr val="FF0D0D"/>
                 </a:solidFill>
@@ -4604,9 +4459,26 @@
                 <a:latin typeface="HGP行書体" panose="03000600000000000000" pitchFamily="66" charset="-128"/>
                 <a:ea typeface="HGP行書体" panose="03000600000000000000" pitchFamily="66" charset="-128"/>
               </a:rPr>
-              <a:t>鉤縄ワイヤーアクション</a:t>
-            </a:r>
-            <a:endParaRPr lang="en-US" altLang="ja-JP" sz="2800" dirty="0">
+              <a:t>地形も利用</a:t>
+            </a:r>
+            <a:r>
+              <a:rPr lang="ja-JP" altLang="en-US" sz="1600" dirty="0">
+                <a:solidFill>
+                  <a:srgbClr val="FF0D0D"/>
+                </a:solidFill>
+                <a:effectLst>
+                  <a:glow rad="381000">
+                    <a:schemeClr val="bg1">
+                      <a:alpha val="80000"/>
+                    </a:schemeClr>
+                  </a:glow>
+                </a:effectLst>
+                <a:latin typeface="HGP行書体" panose="03000600000000000000" pitchFamily="66" charset="-128"/>
+                <a:ea typeface="HGP行書体" panose="03000600000000000000" pitchFamily="66" charset="-128"/>
+              </a:rPr>
+              <a:t>するべし</a:t>
+            </a:r>
+            <a:endParaRPr kumimoji="1" lang="ja-JP" altLang="en-US" sz="1600" dirty="0">
               <a:solidFill>
                 <a:srgbClr val="FF0D0D"/>
               </a:solidFill>
@@ -4621,64 +4493,14 @@
               <a:ea typeface="HGP行書体" panose="03000600000000000000" pitchFamily="66" charset="-128"/>
             </a:endParaRPr>
           </a:p>
-          <a:p>
-            <a:r>
-              <a:rPr kumimoji="1" lang="ja-JP" altLang="en-US" sz="2800" dirty="0">
-                <a:solidFill>
-                  <a:srgbClr val="FF0D0D"/>
-                </a:solidFill>
-                <a:effectLst>
-                  <a:glow rad="381000">
-                    <a:schemeClr val="bg1">
-                      <a:alpha val="80000"/>
-                    </a:schemeClr>
-                  </a:glow>
-                </a:effectLst>
-                <a:latin typeface="HGP行書体" panose="03000600000000000000" pitchFamily="66" charset="-128"/>
-                <a:ea typeface="HGP行書体" panose="03000600000000000000" pitchFamily="66" charset="-128"/>
-              </a:rPr>
-              <a:t>　　　　</a:t>
-            </a:r>
-            <a:r>
-              <a:rPr kumimoji="1" lang="ja-JP" altLang="en-US" sz="2000" dirty="0">
-                <a:solidFill>
-                  <a:srgbClr val="FF0D0D"/>
-                </a:solidFill>
-                <a:effectLst>
-                  <a:glow rad="381000">
-                    <a:schemeClr val="bg1">
-                      <a:alpha val="80000"/>
-                    </a:schemeClr>
-                  </a:glow>
-                </a:effectLst>
-                <a:latin typeface="HGP行書体" panose="03000600000000000000" pitchFamily="66" charset="-128"/>
-                <a:ea typeface="HGP行書体" panose="03000600000000000000" pitchFamily="66" charset="-128"/>
-              </a:rPr>
-              <a:t>鉤縄による引き寄せ</a:t>
-            </a:r>
-            <a:endParaRPr kumimoji="1" lang="ja-JP" altLang="en-US" sz="2800" dirty="0">
-              <a:solidFill>
-                <a:srgbClr val="FF0D0D"/>
-              </a:solidFill>
-              <a:effectLst>
-                <a:glow rad="381000">
-                  <a:schemeClr val="bg1">
-                    <a:alpha val="80000"/>
-                  </a:schemeClr>
-                </a:glow>
-              </a:effectLst>
-              <a:latin typeface="HGP行書体" panose="03000600000000000000" pitchFamily="66" charset="-128"/>
-              <a:ea typeface="HGP行書体" panose="03000600000000000000" pitchFamily="66" charset="-128"/>
-            </a:endParaRPr>
-          </a:p>
-        </p:txBody>
-      </p:sp>
-      <p:sp>
-        <p:nvSpPr>
-          <p:cNvPr id="21" name="テキスト ボックス 20">
-            <a:extLst>
-              <a:ext uri="{FF2B5EF4-FFF2-40B4-BE49-F238E27FC236}">
-                <a16:creationId xmlns:a16="http://schemas.microsoft.com/office/drawing/2014/main" id="{CF62DE6E-AC4B-5B41-68C2-3895DE783A20}"/>
+        </p:txBody>
+      </p:sp>
+      <p:sp>
+        <p:nvSpPr>
+          <p:cNvPr id="23" name="テキスト ボックス 22">
+            <a:extLst>
+              <a:ext uri="{FF2B5EF4-FFF2-40B4-BE49-F238E27FC236}">
+                <a16:creationId xmlns:a16="http://schemas.microsoft.com/office/drawing/2014/main" id="{9C9BE3AF-BB35-9F59-C665-DDA903C98A05}"/>
               </a:ext>
             </a:extLst>
           </p:cNvPr>
@@ -4686,153 +4508,9 @@
           <p:nvPr/>
         </p:nvSpPr>
         <p:spPr>
-          <a:xfrm rot="21196850">
-            <a:off x="4633829" y="3653995"/>
-            <a:ext cx="2310248" cy="523220"/>
-          </a:xfrm>
-          <a:prstGeom prst="rect">
-            <a:avLst/>
-          </a:prstGeom>
-          <a:noFill/>
-        </p:spPr>
-        <p:txBody>
-          <a:bodyPr wrap="none" rtlCol="0">
-            <a:spAutoFit/>
-          </a:bodyPr>
-          <a:lstStyle/>
-          <a:p>
-            <a:r>
-              <a:rPr kumimoji="1" lang="ja-JP" altLang="en-US" sz="2800" dirty="0" err="1">
-                <a:solidFill>
-                  <a:srgbClr val="FF0D0D"/>
-                </a:solidFill>
-                <a:effectLst>
-                  <a:glow rad="381000">
-                    <a:schemeClr val="bg1">
-                      <a:alpha val="80000"/>
-                    </a:schemeClr>
-                  </a:glow>
-                </a:effectLst>
-                <a:latin typeface="HGP行書体" panose="03000600000000000000" pitchFamily="66" charset="-128"/>
-                <a:ea typeface="HGP行書体" panose="03000600000000000000" pitchFamily="66" charset="-128"/>
-              </a:rPr>
-              <a:t>まきびし</a:t>
-            </a:r>
-            <a:r>
-              <a:rPr lang="ja-JP" altLang="en-US" sz="2400" dirty="0" err="1">
-                <a:solidFill>
-                  <a:srgbClr val="FF0D0D"/>
-                </a:solidFill>
-                <a:effectLst>
-                  <a:glow rad="381000">
-                    <a:schemeClr val="bg1">
-                      <a:alpha val="80000"/>
-                    </a:schemeClr>
-                  </a:glow>
-                </a:effectLst>
-                <a:latin typeface="HGP行書体" panose="03000600000000000000" pitchFamily="66" charset="-128"/>
-                <a:ea typeface="HGP行書体" panose="03000600000000000000" pitchFamily="66" charset="-128"/>
-              </a:rPr>
-              <a:t>を</a:t>
-            </a:r>
-            <a:r>
-              <a:rPr lang="ja-JP" altLang="en-US" sz="2400" dirty="0">
-                <a:solidFill>
-                  <a:srgbClr val="FF0D0D"/>
-                </a:solidFill>
-                <a:effectLst>
-                  <a:glow rad="381000">
-                    <a:schemeClr val="bg1">
-                      <a:alpha val="80000"/>
-                    </a:schemeClr>
-                  </a:glow>
-                </a:effectLst>
-                <a:latin typeface="HGP行書体" panose="03000600000000000000" pitchFamily="66" charset="-128"/>
-                <a:ea typeface="HGP行書体" panose="03000600000000000000" pitchFamily="66" charset="-128"/>
-              </a:rPr>
-              <a:t>踏ませる</a:t>
-            </a:r>
-            <a:endParaRPr kumimoji="1" lang="ja-JP" altLang="en-US" sz="2400" dirty="0">
-              <a:solidFill>
-                <a:srgbClr val="FF0D0D"/>
-              </a:solidFill>
-              <a:effectLst>
-                <a:glow rad="381000">
-                  <a:schemeClr val="bg1">
-                    <a:alpha val="80000"/>
-                  </a:schemeClr>
-                </a:glow>
-              </a:effectLst>
-              <a:latin typeface="HGP行書体" panose="03000600000000000000" pitchFamily="66" charset="-128"/>
-              <a:ea typeface="HGP行書体" panose="03000600000000000000" pitchFamily="66" charset="-128"/>
-            </a:endParaRPr>
-          </a:p>
-        </p:txBody>
-      </p:sp>
-      <p:sp>
-        <p:nvSpPr>
-          <p:cNvPr id="22" name="テキスト ボックス 21">
-            <a:extLst>
-              <a:ext uri="{FF2B5EF4-FFF2-40B4-BE49-F238E27FC236}">
-                <a16:creationId xmlns:a16="http://schemas.microsoft.com/office/drawing/2014/main" id="{E431F1DA-0464-6A6B-F297-D3EA2B3AFFFF}"/>
-              </a:ext>
-            </a:extLst>
-          </p:cNvPr>
-          <p:cNvSpPr txBox="1"/>
-          <p:nvPr/>
-        </p:nvSpPr>
-        <p:spPr>
-          <a:xfrm rot="287939">
-            <a:off x="4789953" y="4481983"/>
-            <a:ext cx="2612092" cy="461665"/>
-          </a:xfrm>
-          <a:prstGeom prst="rect">
-            <a:avLst/>
-          </a:prstGeom>
-          <a:noFill/>
-        </p:spPr>
-        <p:txBody>
-          <a:bodyPr wrap="square" rtlCol="0">
-            <a:spAutoFit/>
-          </a:bodyPr>
-          <a:lstStyle/>
-          <a:p>
-            <a:r>
-              <a:rPr kumimoji="1" lang="ja-JP" altLang="en-US" sz="2400" dirty="0">
-                <a:solidFill>
-                  <a:srgbClr val="FF0D0D"/>
-                </a:solidFill>
-                <a:effectLst>
-                  <a:glow rad="381000">
-                    <a:schemeClr val="bg1">
-                      <a:alpha val="80000"/>
-                    </a:schemeClr>
-                  </a:glow>
-                </a:effectLst>
-                <a:latin typeface="HGP行書体" panose="03000600000000000000" pitchFamily="66" charset="-128"/>
-                <a:ea typeface="HGP行書体" panose="03000600000000000000" pitchFamily="66" charset="-128"/>
-              </a:rPr>
-              <a:t>地形を利用して</a:t>
-            </a:r>
-          </a:p>
-        </p:txBody>
-      </p:sp>
-      <p:sp>
-        <p:nvSpPr>
-          <p:cNvPr id="23" name="テキスト ボックス 22">
-            <a:extLst>
-              <a:ext uri="{FF2B5EF4-FFF2-40B4-BE49-F238E27FC236}">
-                <a16:creationId xmlns:a16="http://schemas.microsoft.com/office/drawing/2014/main" id="{9C9BE3AF-BB35-9F59-C665-DDA903C98A05}"/>
-              </a:ext>
-            </a:extLst>
-          </p:cNvPr>
-          <p:cNvSpPr txBox="1"/>
-          <p:nvPr/>
-        </p:nvSpPr>
-        <p:spPr>
-          <a:xfrm rot="466622">
-            <a:off x="8123875" y="5347823"/>
-            <a:ext cx="3252814" cy="523220"/>
+          <a:xfrm rot="21380619">
+            <a:off x="8163779" y="6099698"/>
+            <a:ext cx="3446777" cy="584775"/>
           </a:xfrm>
           <a:prstGeom prst="rect">
             <a:avLst/>
@@ -4863,7 +4541,7 @@
               <a:t>未発見の敵には</a:t>
             </a:r>
             <a:r>
-              <a:rPr kumimoji="1" lang="ja-JP" altLang="en-US" sz="2800" dirty="0">
+              <a:rPr kumimoji="1" lang="ja-JP" altLang="en-US" sz="3200" dirty="0">
                 <a:solidFill>
                   <a:srgbClr val="FF0D0D"/>
                 </a:solidFill>
@@ -4894,7 +4572,7 @@
                 <a:latin typeface="HGP行書体" panose="03000600000000000000" pitchFamily="66" charset="-128"/>
                 <a:ea typeface="HGP行書体" panose="03000600000000000000" pitchFamily="66" charset="-128"/>
               </a:rPr>
-              <a:t>攻撃</a:t>
+              <a:t>コンボ</a:t>
             </a:r>
             <a:r>
               <a:rPr kumimoji="1" lang="en-US" altLang="ja-JP" sz="2000" dirty="0">
@@ -4913,7 +4591,7 @@
               </a:rPr>
               <a:t>!!</a:t>
             </a:r>
-            <a:endParaRPr kumimoji="1" lang="ja-JP" altLang="en-US" sz="2400" dirty="0">
+            <a:endParaRPr kumimoji="1" lang="ja-JP" altLang="en-US" sz="2000" dirty="0">
               <a:solidFill>
                 <a:srgbClr val="FF0D0D"/>
               </a:solidFill>
@@ -4932,10 +4610,10 @@
       </p:sp>
       <p:sp>
         <p:nvSpPr>
-          <p:cNvPr id="24" name="テキスト ボックス 23">
-            <a:extLst>
-              <a:ext uri="{FF2B5EF4-FFF2-40B4-BE49-F238E27FC236}">
-                <a16:creationId xmlns:a16="http://schemas.microsoft.com/office/drawing/2014/main" id="{2AFE7543-EC60-1EC4-7268-C2AFCF13FCAC}"/>
+          <p:cNvPr id="27" name="テキスト ボックス 26">
+            <a:extLst>
+              <a:ext uri="{FF2B5EF4-FFF2-40B4-BE49-F238E27FC236}">
+                <a16:creationId xmlns:a16="http://schemas.microsoft.com/office/drawing/2014/main" id="{47810971-60E2-15DA-C340-EB8725E04771}"/>
               </a:ext>
             </a:extLst>
           </p:cNvPr>
@@ -4943,9 +4621,9 @@
           <p:nvPr/>
         </p:nvSpPr>
         <p:spPr>
-          <a:xfrm rot="1126710">
-            <a:off x="5380422" y="5690983"/>
-            <a:ext cx="1250596" cy="461665"/>
+          <a:xfrm rot="421644">
+            <a:off x="4324653" y="4820904"/>
+            <a:ext cx="3983783" cy="1077218"/>
           </a:xfrm>
           <a:prstGeom prst="rect">
             <a:avLst/>
@@ -4953,109 +4631,13 @@
           <a:noFill/>
         </p:spPr>
         <p:txBody>
-          <a:bodyPr wrap="square" rtlCol="0">
-            <a:spAutoFit/>
-          </a:bodyPr>
-          <a:lstStyle/>
-          <a:p>
-            <a:r>
-              <a:rPr kumimoji="1" lang="ja-JP" altLang="en-US" sz="2400" dirty="0">
-                <a:solidFill>
-                  <a:srgbClr val="FF0D0D"/>
-                </a:solidFill>
-                <a:effectLst>
-                  <a:glow rad="381000">
-                    <a:schemeClr val="bg1">
-                      <a:alpha val="80000"/>
-                    </a:schemeClr>
-                  </a:glow>
-                </a:effectLst>
-                <a:latin typeface="HGP行書体" panose="03000600000000000000" pitchFamily="66" charset="-128"/>
-                <a:ea typeface="HGP行書体" panose="03000600000000000000" pitchFamily="66" charset="-128"/>
-              </a:rPr>
-              <a:t>壁走る</a:t>
-            </a:r>
-          </a:p>
-        </p:txBody>
-      </p:sp>
-      <p:sp>
-        <p:nvSpPr>
-          <p:cNvPr id="25" name="テキスト ボックス 24">
-            <a:extLst>
-              <a:ext uri="{FF2B5EF4-FFF2-40B4-BE49-F238E27FC236}">
-                <a16:creationId xmlns:a16="http://schemas.microsoft.com/office/drawing/2014/main" id="{D566A454-1A98-21BB-46B7-39F15F413BE4}"/>
-              </a:ext>
-            </a:extLst>
-          </p:cNvPr>
-          <p:cNvSpPr txBox="1"/>
-          <p:nvPr/>
-        </p:nvSpPr>
-        <p:spPr>
-          <a:xfrm rot="20818456">
-            <a:off x="4706937" y="5146992"/>
-            <a:ext cx="1409024" cy="461665"/>
-          </a:xfrm>
-          <a:prstGeom prst="rect">
-            <a:avLst/>
-          </a:prstGeom>
-          <a:noFill/>
-        </p:spPr>
-        <p:txBody>
-          <a:bodyPr wrap="square" rtlCol="0">
-            <a:spAutoFit/>
-          </a:bodyPr>
-          <a:lstStyle/>
-          <a:p>
-            <a:r>
-              <a:rPr kumimoji="1" lang="ja-JP" altLang="en-US" sz="2400" dirty="0">
-                <a:solidFill>
-                  <a:srgbClr val="FF0D0D"/>
-                </a:solidFill>
-                <a:effectLst>
-                  <a:glow rad="381000">
-                    <a:schemeClr val="bg1">
-                      <a:alpha val="80000"/>
-                    </a:schemeClr>
-                  </a:glow>
-                </a:effectLst>
-                <a:latin typeface="HGP行書体" panose="03000600000000000000" pitchFamily="66" charset="-128"/>
-                <a:ea typeface="HGP行書体" panose="03000600000000000000" pitchFamily="66" charset="-128"/>
-              </a:rPr>
-              <a:t>壁キック</a:t>
-            </a:r>
-          </a:p>
-        </p:txBody>
-      </p:sp>
-      <p:sp>
-        <p:nvSpPr>
-          <p:cNvPr id="27" name="テキスト ボックス 26">
-            <a:extLst>
-              <a:ext uri="{FF2B5EF4-FFF2-40B4-BE49-F238E27FC236}">
-                <a16:creationId xmlns:a16="http://schemas.microsoft.com/office/drawing/2014/main" id="{47810971-60E2-15DA-C340-EB8725E04771}"/>
-              </a:ext>
-            </a:extLst>
-          </p:cNvPr>
-          <p:cNvSpPr txBox="1"/>
-          <p:nvPr/>
-        </p:nvSpPr>
-        <p:spPr>
-          <a:xfrm rot="678750">
-            <a:off x="5646191" y="1938102"/>
-            <a:ext cx="2638864" cy="830997"/>
-          </a:xfrm>
-          <a:prstGeom prst="rect">
-            <a:avLst/>
-          </a:prstGeom>
-          <a:noFill/>
-        </p:spPr>
-        <p:txBody>
           <a:bodyPr wrap="none" rtlCol="0">
             <a:spAutoFit/>
           </a:bodyPr>
           <a:lstStyle/>
           <a:p>
             <a:r>
-              <a:rPr lang="ja-JP" altLang="en-US" sz="2800" dirty="0">
+              <a:rPr lang="ja-JP" altLang="en-US" sz="3200" dirty="0">
                 <a:solidFill>
                   <a:srgbClr val="FF0D0D"/>
                 </a:solidFill>
@@ -5105,6 +4687,57 @@
           </a:p>
           <a:p>
             <a:r>
+              <a:rPr lang="ja-JP" altLang="en-US" sz="2000" dirty="0">
+                <a:solidFill>
+                  <a:srgbClr val="FF0D0D"/>
+                </a:solidFill>
+                <a:effectLst>
+                  <a:glow rad="381000">
+                    <a:schemeClr val="bg1">
+                      <a:alpha val="80000"/>
+                    </a:schemeClr>
+                  </a:glow>
+                </a:effectLst>
+                <a:latin typeface="HGP行書体" panose="03000600000000000000" pitchFamily="66" charset="-128"/>
+                <a:ea typeface="HGP行書体" panose="03000600000000000000" pitchFamily="66" charset="-128"/>
+              </a:rPr>
+              <a:t>　　　　</a:t>
+            </a:r>
+            <a:r>
+              <a:rPr lang="ja-JP" altLang="en-US" sz="3200" dirty="0">
+                <a:solidFill>
+                  <a:srgbClr val="FF0D0D"/>
+                </a:solidFill>
+                <a:effectLst>
+                  <a:glow rad="381000">
+                    <a:schemeClr val="bg1">
+                      <a:alpha val="80000"/>
+                    </a:schemeClr>
+                  </a:glow>
+                </a:effectLst>
+                <a:latin typeface="HGP行書体" panose="03000600000000000000" pitchFamily="66" charset="-128"/>
+                <a:ea typeface="HGP行書体" panose="03000600000000000000" pitchFamily="66" charset="-128"/>
+              </a:rPr>
+              <a:t>コンボ続行</a:t>
+            </a:r>
+            <a:r>
+              <a:rPr lang="ja-JP" altLang="en-US" sz="2000" dirty="0">
+                <a:solidFill>
+                  <a:srgbClr val="FF0D0D"/>
+                </a:solidFill>
+                <a:effectLst>
+                  <a:glow rad="381000">
+                    <a:schemeClr val="bg1">
+                      <a:alpha val="80000"/>
+                    </a:schemeClr>
+                  </a:glow>
+                </a:effectLst>
+                <a:latin typeface="HGP行書体" panose="03000600000000000000" pitchFamily="66" charset="-128"/>
+                <a:ea typeface="HGP行書体" panose="03000600000000000000" pitchFamily="66" charset="-128"/>
+              </a:rPr>
+              <a:t>のチャンス</a:t>
+            </a:r>
+            <a:r>
               <a:rPr lang="en-US" altLang="ja-JP" sz="2000" dirty="0">
                 <a:solidFill>
                   <a:srgbClr val="FF0D0D"/>
@@ -5119,39 +4752,8 @@
                 <a:latin typeface="HGP行書体" panose="03000600000000000000" pitchFamily="66" charset="-128"/>
                 <a:ea typeface="HGP行書体" panose="03000600000000000000" pitchFamily="66" charset="-128"/>
               </a:rPr>
-              <a:t>	</a:t>
-            </a:r>
-            <a:r>
-              <a:rPr lang="ja-JP" altLang="en-US" sz="2000" dirty="0">
-                <a:solidFill>
-                  <a:srgbClr val="FF0D0D"/>
-                </a:solidFill>
-                <a:effectLst>
-                  <a:glow rad="381000">
-                    <a:schemeClr val="bg1">
-                      <a:alpha val="80000"/>
-                    </a:schemeClr>
-                  </a:glow>
-                </a:effectLst>
-                <a:latin typeface="HGP行書体" panose="03000600000000000000" pitchFamily="66" charset="-128"/>
-                <a:ea typeface="HGP行書体" panose="03000600000000000000" pitchFamily="66" charset="-128"/>
-              </a:rPr>
-              <a:t>カウンター！！</a:t>
-            </a:r>
-            <a:endParaRPr kumimoji="1" lang="ja-JP" altLang="en-US" sz="2000" dirty="0">
-              <a:solidFill>
-                <a:srgbClr val="FF0D0D"/>
-              </a:solidFill>
-              <a:effectLst>
-                <a:glow rad="381000">
-                  <a:schemeClr val="bg1">
-                    <a:alpha val="80000"/>
-                  </a:schemeClr>
-                </a:glow>
-              </a:effectLst>
-              <a:latin typeface="HGP行書体" panose="03000600000000000000" pitchFamily="66" charset="-128"/>
-              <a:ea typeface="HGP行書体" panose="03000600000000000000" pitchFamily="66" charset="-128"/>
-            </a:endParaRPr>
+              <a:t>!!?</a:t>
+            </a:r>
           </a:p>
         </p:txBody>
       </p:sp>
@@ -5168,8 +4770,8 @@
           <p:nvPr/>
         </p:nvSpPr>
         <p:spPr>
-          <a:xfrm rot="358706">
-            <a:off x="3576578" y="912404"/>
+          <a:xfrm rot="255006">
+            <a:off x="3388501" y="817303"/>
             <a:ext cx="2103461" cy="369332"/>
           </a:xfrm>
           <a:prstGeom prst="rect">
@@ -5216,8 +4818,8 @@
           <p:nvPr/>
         </p:nvSpPr>
         <p:spPr>
-          <a:xfrm>
-            <a:off x="330032" y="3492473"/>
+          <a:xfrm rot="20958421">
+            <a:off x="40147" y="5340029"/>
             <a:ext cx="4479111" cy="1200329"/>
           </a:xfrm>
           <a:prstGeom prst="rect">
@@ -5263,7 +4865,7 @@
                 <a:latin typeface="HGP行書体" panose="03000600000000000000" pitchFamily="66" charset="-128"/>
                 <a:ea typeface="HGP行書体" panose="03000600000000000000" pitchFamily="66" charset="-128"/>
               </a:rPr>
-              <a:t>を決めまくると</a:t>
+              <a:t>を繋ぐと</a:t>
             </a:r>
             <a:endParaRPr lang="en-US" altLang="ja-JP" sz="2800" dirty="0">
               <a:solidFill>
@@ -5349,12 +4951,287 @@
           </a:p>
         </p:txBody>
       </p:sp>
-      <p:sp>
-        <p:nvSpPr>
-          <p:cNvPr id="31" name="テキスト ボックス 30">
-            <a:extLst>
-              <a:ext uri="{FF2B5EF4-FFF2-40B4-BE49-F238E27FC236}">
-                <a16:creationId xmlns:a16="http://schemas.microsoft.com/office/drawing/2014/main" id="{A7A11F9D-D25E-5FD4-6764-2AC50A2FCBB8}"/>
+      <p:grpSp>
+        <p:nvGrpSpPr>
+          <p:cNvPr id="38" name="グループ化 37">
+            <a:extLst>
+              <a:ext uri="{FF2B5EF4-FFF2-40B4-BE49-F238E27FC236}">
+                <a16:creationId xmlns:a16="http://schemas.microsoft.com/office/drawing/2014/main" id="{E7F0EA83-8F15-0C7F-E18C-2437122C6845}"/>
+              </a:ext>
+            </a:extLst>
+          </p:cNvPr>
+          <p:cNvGrpSpPr/>
+          <p:nvPr/>
+        </p:nvGrpSpPr>
+        <p:grpSpPr>
+          <a:xfrm>
+            <a:off x="-49240" y="1784940"/>
+            <a:ext cx="2722559" cy="1138725"/>
+            <a:chOff x="10647606" y="10423"/>
+            <a:chExt cx="2722559" cy="1138725"/>
+          </a:xfrm>
+        </p:grpSpPr>
+        <p:sp>
+          <p:nvSpPr>
+            <p:cNvPr id="5" name="テキスト ボックス 4">
+              <a:extLst>
+                <a:ext uri="{FF2B5EF4-FFF2-40B4-BE49-F238E27FC236}">
+                  <a16:creationId xmlns:a16="http://schemas.microsoft.com/office/drawing/2014/main" id="{9F7FC36F-48E7-4C68-9E41-E6421F9C7EED}"/>
+                </a:ext>
+              </a:extLst>
+            </p:cNvPr>
+            <p:cNvSpPr txBox="1"/>
+            <p:nvPr/>
+          </p:nvSpPr>
+          <p:spPr>
+            <a:xfrm rot="21355279">
+              <a:off x="11064699" y="10423"/>
+              <a:ext cx="1308371" cy="369332"/>
+            </a:xfrm>
+            <a:prstGeom prst="rect">
+              <a:avLst/>
+            </a:prstGeom>
+            <a:noFill/>
+          </p:spPr>
+          <p:txBody>
+            <a:bodyPr wrap="none" rtlCol="0">
+              <a:spAutoFit/>
+            </a:bodyPr>
+            <a:lstStyle/>
+            <a:p>
+              <a:r>
+                <a:rPr kumimoji="1" lang="ja-JP" altLang="en-US" dirty="0">
+                  <a:solidFill>
+                    <a:srgbClr val="FF0D0D"/>
+                  </a:solidFill>
+                  <a:effectLst>
+                    <a:glow rad="127000">
+                      <a:schemeClr val="bg1">
+                        <a:alpha val="90000"/>
+                      </a:schemeClr>
+                    </a:glow>
+                  </a:effectLst>
+                  <a:latin typeface="HGP行書体" panose="03000600000000000000" pitchFamily="66" charset="-128"/>
+                  <a:ea typeface="HGP行書体" panose="03000600000000000000" pitchFamily="66" charset="-128"/>
+                </a:rPr>
+                <a:t>クナイ投げ</a:t>
+              </a:r>
+              <a:r>
+                <a:rPr kumimoji="1" lang="en-US" altLang="ja-JP" dirty="0">
+                  <a:solidFill>
+                    <a:srgbClr val="FF0D0D"/>
+                  </a:solidFill>
+                  <a:effectLst>
+                    <a:glow rad="127000">
+                      <a:schemeClr val="bg1">
+                        <a:alpha val="90000"/>
+                      </a:schemeClr>
+                    </a:glow>
+                  </a:effectLst>
+                  <a:latin typeface="HGP行書体" panose="03000600000000000000" pitchFamily="66" charset="-128"/>
+                  <a:ea typeface="HGP行書体" panose="03000600000000000000" pitchFamily="66" charset="-128"/>
+                </a:rPr>
+                <a:t>!!</a:t>
+              </a:r>
+              <a:endParaRPr kumimoji="1" lang="ja-JP" altLang="en-US" dirty="0">
+                <a:solidFill>
+                  <a:srgbClr val="FF0D0D"/>
+                </a:solidFill>
+                <a:effectLst>
+                  <a:glow rad="127000">
+                    <a:schemeClr val="bg1">
+                      <a:alpha val="90000"/>
+                    </a:schemeClr>
+                  </a:glow>
+                </a:effectLst>
+                <a:latin typeface="HGP行書体" panose="03000600000000000000" pitchFamily="66" charset="-128"/>
+                <a:ea typeface="HGP行書体" panose="03000600000000000000" pitchFamily="66" charset="-128"/>
+              </a:endParaRPr>
+            </a:p>
+          </p:txBody>
+        </p:sp>
+        <p:sp>
+          <p:nvSpPr>
+            <p:cNvPr id="15" name="テキスト ボックス 14">
+              <a:extLst>
+                <a:ext uri="{FF2B5EF4-FFF2-40B4-BE49-F238E27FC236}">
+                  <a16:creationId xmlns:a16="http://schemas.microsoft.com/office/drawing/2014/main" id="{91AE3370-908D-BD55-0760-CC23D0321F2A}"/>
+                </a:ext>
+              </a:extLst>
+            </p:cNvPr>
+            <p:cNvSpPr txBox="1"/>
+            <p:nvPr/>
+          </p:nvSpPr>
+          <p:spPr>
+            <a:xfrm rot="274479">
+              <a:off x="11443034" y="240708"/>
+              <a:ext cx="1927131" cy="523220"/>
+            </a:xfrm>
+            <a:prstGeom prst="rect">
+              <a:avLst/>
+            </a:prstGeom>
+            <a:noFill/>
+          </p:spPr>
+          <p:txBody>
+            <a:bodyPr wrap="none" rtlCol="0">
+              <a:spAutoFit/>
+            </a:bodyPr>
+            <a:lstStyle/>
+            <a:p>
+              <a:r>
+                <a:rPr kumimoji="1" lang="ja-JP" altLang="en-US" sz="2800" dirty="0">
+                  <a:solidFill>
+                    <a:srgbClr val="FF0D0D"/>
+                  </a:solidFill>
+                  <a:effectLst>
+                    <a:glow rad="254000">
+                      <a:schemeClr val="bg1">
+                        <a:alpha val="90000"/>
+                      </a:schemeClr>
+                    </a:glow>
+                  </a:effectLst>
+                  <a:latin typeface="HGP行書体" panose="03000600000000000000" pitchFamily="66" charset="-128"/>
+                  <a:ea typeface="HGP行書体" panose="03000600000000000000" pitchFamily="66" charset="-128"/>
+                </a:rPr>
+                <a:t>忍者キック</a:t>
+              </a:r>
+              <a:r>
+                <a:rPr kumimoji="1" lang="en-US" altLang="ja-JP" sz="2800" dirty="0">
+                  <a:solidFill>
+                    <a:srgbClr val="FF0D0D"/>
+                  </a:solidFill>
+                  <a:effectLst>
+                    <a:glow rad="254000">
+                      <a:schemeClr val="bg1">
+                        <a:alpha val="90000"/>
+                      </a:schemeClr>
+                    </a:glow>
+                  </a:effectLst>
+                  <a:latin typeface="HGP行書体" panose="03000600000000000000" pitchFamily="66" charset="-128"/>
+                  <a:ea typeface="HGP行書体" panose="03000600000000000000" pitchFamily="66" charset="-128"/>
+                </a:rPr>
+                <a:t>!!</a:t>
+              </a:r>
+              <a:endParaRPr kumimoji="1" lang="ja-JP" altLang="en-US" sz="2800" dirty="0">
+                <a:solidFill>
+                  <a:srgbClr val="FF0D0D"/>
+                </a:solidFill>
+                <a:effectLst>
+                  <a:glow rad="254000">
+                    <a:schemeClr val="bg1">
+                      <a:alpha val="90000"/>
+                    </a:schemeClr>
+                  </a:glow>
+                </a:effectLst>
+                <a:latin typeface="HGP行書体" panose="03000600000000000000" pitchFamily="66" charset="-128"/>
+                <a:ea typeface="HGP行書体" panose="03000600000000000000" pitchFamily="66" charset="-128"/>
+              </a:endParaRPr>
+            </a:p>
+          </p:txBody>
+        </p:sp>
+        <p:sp>
+          <p:nvSpPr>
+            <p:cNvPr id="17" name="テキスト ボックス 16">
+              <a:extLst>
+                <a:ext uri="{FF2B5EF4-FFF2-40B4-BE49-F238E27FC236}">
+                  <a16:creationId xmlns:a16="http://schemas.microsoft.com/office/drawing/2014/main" id="{340B4153-BDCA-79D7-DAA9-D3B80987AA43}"/>
+                </a:ext>
+              </a:extLst>
+            </p:cNvPr>
+            <p:cNvSpPr txBox="1"/>
+            <p:nvPr/>
+          </p:nvSpPr>
+          <p:spPr>
+            <a:xfrm rot="21427107">
+              <a:off x="10647606" y="595150"/>
+              <a:ext cx="2408032" cy="553998"/>
+            </a:xfrm>
+            <a:prstGeom prst="rect">
+              <a:avLst/>
+            </a:prstGeom>
+            <a:noFill/>
+          </p:spPr>
+          <p:txBody>
+            <a:bodyPr wrap="none" rtlCol="0">
+              <a:spAutoFit/>
+            </a:bodyPr>
+            <a:lstStyle/>
+            <a:p>
+              <a:r>
+                <a:rPr lang="ja-JP" altLang="en-US" sz="3000" dirty="0">
+                  <a:solidFill>
+                    <a:srgbClr val="FF0D0D"/>
+                  </a:solidFill>
+                  <a:effectLst>
+                    <a:glow rad="254000">
+                      <a:schemeClr val="bg1">
+                        <a:alpha val="90000"/>
+                      </a:schemeClr>
+                    </a:glow>
+                  </a:effectLst>
+                  <a:latin typeface="HGP行書体" panose="03000600000000000000" pitchFamily="66" charset="-128"/>
+                  <a:ea typeface="HGP行書体" panose="03000600000000000000" pitchFamily="66" charset="-128"/>
+                </a:rPr>
+                <a:t>忍刀</a:t>
+              </a:r>
+              <a:r>
+                <a:rPr kumimoji="1" lang="ja-JP" altLang="en-US" sz="3000" dirty="0">
+                  <a:solidFill>
+                    <a:srgbClr val="FF0D0D"/>
+                  </a:solidFill>
+                  <a:effectLst>
+                    <a:glow rad="254000">
+                      <a:schemeClr val="bg1">
+                        <a:alpha val="90000"/>
+                      </a:schemeClr>
+                    </a:glow>
+                  </a:effectLst>
+                  <a:latin typeface="HGP行書体" panose="03000600000000000000" pitchFamily="66" charset="-128"/>
+                  <a:ea typeface="HGP行書体" panose="03000600000000000000" pitchFamily="66" charset="-128"/>
+                </a:rPr>
+                <a:t>でとどめ</a:t>
+              </a:r>
+              <a:r>
+                <a:rPr kumimoji="1" lang="en-US" altLang="ja-JP" sz="3000" dirty="0">
+                  <a:solidFill>
+                    <a:srgbClr val="FF0D0D"/>
+                  </a:solidFill>
+                  <a:effectLst>
+                    <a:glow rad="254000">
+                      <a:schemeClr val="bg1">
+                        <a:alpha val="90000"/>
+                      </a:schemeClr>
+                    </a:glow>
+                  </a:effectLst>
+                  <a:latin typeface="HGP行書体" panose="03000600000000000000" pitchFamily="66" charset="-128"/>
+                  <a:ea typeface="HGP行書体" panose="03000600000000000000" pitchFamily="66" charset="-128"/>
+                </a:rPr>
+                <a:t>!!</a:t>
+              </a:r>
+              <a:endParaRPr kumimoji="1" lang="ja-JP" altLang="en-US" sz="3000" dirty="0">
+                <a:solidFill>
+                  <a:srgbClr val="FF0D0D"/>
+                </a:solidFill>
+                <a:effectLst>
+                  <a:glow rad="254000">
+                    <a:schemeClr val="bg1">
+                      <a:alpha val="90000"/>
+                    </a:schemeClr>
+                  </a:glow>
+                </a:effectLst>
+                <a:latin typeface="HGP行書体" panose="03000600000000000000" pitchFamily="66" charset="-128"/>
+                <a:ea typeface="HGP行書体" panose="03000600000000000000" pitchFamily="66" charset="-128"/>
+              </a:endParaRPr>
+            </a:p>
+          </p:txBody>
+        </p:sp>
+      </p:grpSp>
+      <p:sp>
+        <p:nvSpPr>
+          <p:cNvPr id="42" name="テキスト ボックス 41">
+            <a:extLst>
+              <a:ext uri="{FF2B5EF4-FFF2-40B4-BE49-F238E27FC236}">
+                <a16:creationId xmlns:a16="http://schemas.microsoft.com/office/drawing/2014/main" id="{0DB36F1D-7BDC-B53A-B2F8-985A5B82B4D0}"/>
               </a:ext>
             </a:extLst>
           </p:cNvPr>
@@ -5362,9 +5239,9 @@
           <p:nvPr/>
         </p:nvSpPr>
         <p:spPr>
-          <a:xfrm rot="358706">
-            <a:off x="1716835" y="2261649"/>
-            <a:ext cx="1351652" cy="646331"/>
+          <a:xfrm>
+            <a:off x="-70471" y="1337190"/>
+            <a:ext cx="2557110" cy="523220"/>
           </a:xfrm>
           <a:prstGeom prst="rect">
             <a:avLst/>
@@ -5378,7 +5255,915 @@
           <a:lstStyle/>
           <a:p>
             <a:r>
-              <a:rPr lang="ja-JP" altLang="en-US" sz="3600" dirty="0">
+              <a:rPr lang="ja-JP" altLang="en-US" sz="2800" dirty="0">
+                <a:solidFill>
+                  <a:srgbClr val="FF0D0D"/>
+                </a:solidFill>
+                <a:effectLst>
+                  <a:glow rad="127000">
+                    <a:schemeClr val="bg1"/>
+                  </a:glow>
+                </a:effectLst>
+                <a:latin typeface="HGP行書体" panose="03000600000000000000" pitchFamily="66" charset="-128"/>
+                <a:ea typeface="HGP行書体" panose="03000600000000000000" pitchFamily="66" charset="-128"/>
+              </a:rPr>
+              <a:t>中距離</a:t>
+            </a:r>
+            <a:r>
+              <a:rPr kumimoji="1" lang="ja-JP" altLang="en-US" sz="2800" dirty="0">
+                <a:solidFill>
+                  <a:srgbClr val="FF0D0D"/>
+                </a:solidFill>
+                <a:effectLst>
+                  <a:glow rad="127000">
+                    <a:schemeClr val="bg1"/>
+                  </a:glow>
+                </a:effectLst>
+                <a:latin typeface="HGP行書体" panose="03000600000000000000" pitchFamily="66" charset="-128"/>
+                <a:ea typeface="HGP行書体" panose="03000600000000000000" pitchFamily="66" charset="-128"/>
+              </a:rPr>
+              <a:t>の敵に</a:t>
+            </a:r>
+            <a:r>
+              <a:rPr kumimoji="1" lang="en-US" altLang="ja-JP" sz="2800" dirty="0">
+                <a:solidFill>
+                  <a:srgbClr val="FF0D0D"/>
+                </a:solidFill>
+                <a:effectLst>
+                  <a:glow rad="127000">
+                    <a:schemeClr val="bg1"/>
+                  </a:glow>
+                </a:effectLst>
+                <a:latin typeface="HGP行書体" panose="03000600000000000000" pitchFamily="66" charset="-128"/>
+                <a:ea typeface="HGP行書体" panose="03000600000000000000" pitchFamily="66" charset="-128"/>
+              </a:rPr>
+              <a:t>…</a:t>
+            </a:r>
+            <a:endParaRPr kumimoji="1" lang="ja-JP" altLang="en-US" sz="2800" dirty="0">
+              <a:solidFill>
+                <a:srgbClr val="FF0D0D"/>
+              </a:solidFill>
+              <a:effectLst>
+                <a:glow rad="127000">
+                  <a:schemeClr val="bg1"/>
+                </a:glow>
+              </a:effectLst>
+              <a:latin typeface="HGP行書体" panose="03000600000000000000" pitchFamily="66" charset="-128"/>
+              <a:ea typeface="HGP行書体" panose="03000600000000000000" pitchFamily="66" charset="-128"/>
+            </a:endParaRPr>
+          </a:p>
+        </p:txBody>
+      </p:sp>
+      <p:sp>
+        <p:nvSpPr>
+          <p:cNvPr id="43" name="テキスト ボックス 42">
+            <a:extLst>
+              <a:ext uri="{FF2B5EF4-FFF2-40B4-BE49-F238E27FC236}">
+                <a16:creationId xmlns:a16="http://schemas.microsoft.com/office/drawing/2014/main" id="{4EDBAA23-B094-B781-425E-2F5BC74E10F1}"/>
+              </a:ext>
+            </a:extLst>
+          </p:cNvPr>
+          <p:cNvSpPr txBox="1"/>
+          <p:nvPr/>
+        </p:nvSpPr>
+        <p:spPr>
+          <a:xfrm>
+            <a:off x="5434337" y="1833541"/>
+            <a:ext cx="2364750" cy="523220"/>
+          </a:xfrm>
+          <a:prstGeom prst="rect">
+            <a:avLst/>
+          </a:prstGeom>
+          <a:noFill/>
+        </p:spPr>
+        <p:txBody>
+          <a:bodyPr wrap="none" rtlCol="0">
+            <a:spAutoFit/>
+          </a:bodyPr>
+          <a:lstStyle/>
+          <a:p>
+            <a:r>
+              <a:rPr lang="ja-JP" altLang="en-US" sz="2800" dirty="0">
+                <a:solidFill>
+                  <a:srgbClr val="FF0D0D"/>
+                </a:solidFill>
+                <a:effectLst>
+                  <a:glow rad="127000">
+                    <a:schemeClr val="bg1"/>
+                  </a:glow>
+                </a:effectLst>
+                <a:latin typeface="HGP行書体" panose="03000600000000000000" pitchFamily="66" charset="-128"/>
+                <a:ea typeface="HGP行書体" panose="03000600000000000000" pitchFamily="66" charset="-128"/>
+              </a:rPr>
+              <a:t>攻撃されても</a:t>
+            </a:r>
+            <a:r>
+              <a:rPr kumimoji="1" lang="en-US" altLang="ja-JP" sz="2800" dirty="0">
+                <a:solidFill>
+                  <a:srgbClr val="FF0D0D"/>
+                </a:solidFill>
+                <a:effectLst>
+                  <a:glow rad="127000">
+                    <a:schemeClr val="bg1"/>
+                  </a:glow>
+                </a:effectLst>
+                <a:latin typeface="HGP行書体" panose="03000600000000000000" pitchFamily="66" charset="-128"/>
+                <a:ea typeface="HGP行書体" panose="03000600000000000000" pitchFamily="66" charset="-128"/>
+              </a:rPr>
+              <a:t>…</a:t>
+            </a:r>
+            <a:endParaRPr kumimoji="1" lang="ja-JP" altLang="en-US" sz="2800" dirty="0">
+              <a:solidFill>
+                <a:srgbClr val="FF0D0D"/>
+              </a:solidFill>
+              <a:effectLst>
+                <a:glow rad="127000">
+                  <a:schemeClr val="bg1"/>
+                </a:glow>
+              </a:effectLst>
+              <a:latin typeface="HGP行書体" panose="03000600000000000000" pitchFamily="66" charset="-128"/>
+              <a:ea typeface="HGP行書体" panose="03000600000000000000" pitchFamily="66" charset="-128"/>
+            </a:endParaRPr>
+          </a:p>
+        </p:txBody>
+      </p:sp>
+      <p:grpSp>
+        <p:nvGrpSpPr>
+          <p:cNvPr id="44" name="グループ化 43">
+            <a:extLst>
+              <a:ext uri="{FF2B5EF4-FFF2-40B4-BE49-F238E27FC236}">
+                <a16:creationId xmlns:a16="http://schemas.microsoft.com/office/drawing/2014/main" id="{65702D33-5D67-42A7-9C5F-D246C78E6816}"/>
+              </a:ext>
+            </a:extLst>
+          </p:cNvPr>
+          <p:cNvGrpSpPr/>
+          <p:nvPr/>
+        </p:nvGrpSpPr>
+        <p:grpSpPr>
+          <a:xfrm>
+            <a:off x="5100977" y="2260254"/>
+            <a:ext cx="3865486" cy="1667446"/>
+            <a:chOff x="10006920" y="10423"/>
+            <a:chExt cx="3865486" cy="1667446"/>
+          </a:xfrm>
+        </p:grpSpPr>
+        <p:sp>
+          <p:nvSpPr>
+            <p:cNvPr id="45" name="テキスト ボックス 44">
+              <a:extLst>
+                <a:ext uri="{FF2B5EF4-FFF2-40B4-BE49-F238E27FC236}">
+                  <a16:creationId xmlns:a16="http://schemas.microsoft.com/office/drawing/2014/main" id="{9D2582FF-5803-F5E9-F503-FE3E42D6CD03}"/>
+                </a:ext>
+              </a:extLst>
+            </p:cNvPr>
+            <p:cNvSpPr txBox="1"/>
+            <p:nvPr/>
+          </p:nvSpPr>
+          <p:spPr>
+            <a:xfrm rot="21355279">
+              <a:off x="10716850" y="10423"/>
+              <a:ext cx="2004075" cy="369332"/>
+            </a:xfrm>
+            <a:prstGeom prst="rect">
+              <a:avLst/>
+            </a:prstGeom>
+            <a:noFill/>
+          </p:spPr>
+          <p:txBody>
+            <a:bodyPr wrap="none" rtlCol="0">
+              <a:spAutoFit/>
+            </a:bodyPr>
+            <a:lstStyle/>
+            <a:p>
+              <a:r>
+                <a:rPr kumimoji="1" lang="ja-JP" altLang="en-US" dirty="0">
+                  <a:solidFill>
+                    <a:srgbClr val="FF0D0D"/>
+                  </a:solidFill>
+                  <a:effectLst>
+                    <a:glow rad="127000">
+                      <a:schemeClr val="bg1">
+                        <a:alpha val="90000"/>
+                      </a:schemeClr>
+                    </a:glow>
+                  </a:effectLst>
+                  <a:latin typeface="HGP行書体" panose="03000600000000000000" pitchFamily="66" charset="-128"/>
+                  <a:ea typeface="HGP行書体" panose="03000600000000000000" pitchFamily="66" charset="-128"/>
+                </a:rPr>
+                <a:t>煙玉で視界を遮る</a:t>
+              </a:r>
+              <a:r>
+                <a:rPr kumimoji="1" lang="en-US" altLang="ja-JP" dirty="0">
+                  <a:solidFill>
+                    <a:srgbClr val="FF0D0D"/>
+                  </a:solidFill>
+                  <a:effectLst>
+                    <a:glow rad="127000">
+                      <a:schemeClr val="bg1">
+                        <a:alpha val="90000"/>
+                      </a:schemeClr>
+                    </a:glow>
+                  </a:effectLst>
+                  <a:latin typeface="HGP行書体" panose="03000600000000000000" pitchFamily="66" charset="-128"/>
+                  <a:ea typeface="HGP行書体" panose="03000600000000000000" pitchFamily="66" charset="-128"/>
+                </a:rPr>
+                <a:t>!!</a:t>
+              </a:r>
+              <a:endParaRPr kumimoji="1" lang="ja-JP" altLang="en-US" dirty="0">
+                <a:solidFill>
+                  <a:srgbClr val="FF0D0D"/>
+                </a:solidFill>
+                <a:effectLst>
+                  <a:glow rad="127000">
+                    <a:schemeClr val="bg1">
+                      <a:alpha val="90000"/>
+                    </a:schemeClr>
+                  </a:glow>
+                </a:effectLst>
+                <a:latin typeface="HGP行書体" panose="03000600000000000000" pitchFamily="66" charset="-128"/>
+                <a:ea typeface="HGP行書体" panose="03000600000000000000" pitchFamily="66" charset="-128"/>
+              </a:endParaRPr>
+            </a:p>
+          </p:txBody>
+        </p:sp>
+        <p:sp>
+          <p:nvSpPr>
+            <p:cNvPr id="46" name="テキスト ボックス 45">
+              <a:extLst>
+                <a:ext uri="{FF2B5EF4-FFF2-40B4-BE49-F238E27FC236}">
+                  <a16:creationId xmlns:a16="http://schemas.microsoft.com/office/drawing/2014/main" id="{9731AFD0-E7DB-0104-F0E9-1A712E8DE435}"/>
+                </a:ext>
+              </a:extLst>
+            </p:cNvPr>
+            <p:cNvSpPr txBox="1"/>
+            <p:nvPr/>
+          </p:nvSpPr>
+          <p:spPr>
+            <a:xfrm rot="378995">
+              <a:off x="11850876" y="290128"/>
+              <a:ext cx="1858201" cy="400110"/>
+            </a:xfrm>
+            <a:prstGeom prst="rect">
+              <a:avLst/>
+            </a:prstGeom>
+            <a:noFill/>
+          </p:spPr>
+          <p:txBody>
+            <a:bodyPr wrap="none" rtlCol="0">
+              <a:spAutoFit/>
+            </a:bodyPr>
+            <a:lstStyle/>
+            <a:p>
+              <a:r>
+                <a:rPr kumimoji="1" lang="ja-JP" altLang="en-US" sz="2000" dirty="0">
+                  <a:solidFill>
+                    <a:srgbClr val="FF0D0D"/>
+                  </a:solidFill>
+                  <a:effectLst>
+                    <a:glow rad="190500">
+                      <a:schemeClr val="bg1">
+                        <a:alpha val="90000"/>
+                      </a:schemeClr>
+                    </a:glow>
+                  </a:effectLst>
+                  <a:latin typeface="HGP行書体" panose="03000600000000000000" pitchFamily="66" charset="-128"/>
+                  <a:ea typeface="HGP行書体" panose="03000600000000000000" pitchFamily="66" charset="-128"/>
+                </a:rPr>
+                <a:t>その隙に壁走り</a:t>
+              </a:r>
+              <a:r>
+                <a:rPr kumimoji="1" lang="en-US" altLang="ja-JP" sz="2000" dirty="0">
+                  <a:solidFill>
+                    <a:srgbClr val="FF0D0D"/>
+                  </a:solidFill>
+                  <a:effectLst>
+                    <a:glow rad="190500">
+                      <a:schemeClr val="bg1">
+                        <a:alpha val="90000"/>
+                      </a:schemeClr>
+                    </a:glow>
+                  </a:effectLst>
+                  <a:latin typeface="HGP行書体" panose="03000600000000000000" pitchFamily="66" charset="-128"/>
+                  <a:ea typeface="HGP行書体" panose="03000600000000000000" pitchFamily="66" charset="-128"/>
+                </a:rPr>
+                <a:t>!!</a:t>
+              </a:r>
+              <a:endParaRPr kumimoji="1" lang="ja-JP" altLang="en-US" sz="2000" dirty="0">
+                <a:solidFill>
+                  <a:srgbClr val="FF0D0D"/>
+                </a:solidFill>
+                <a:effectLst>
+                  <a:glow rad="190500">
+                    <a:schemeClr val="bg1">
+                      <a:alpha val="90000"/>
+                    </a:schemeClr>
+                  </a:glow>
+                </a:effectLst>
+                <a:latin typeface="HGP行書体" panose="03000600000000000000" pitchFamily="66" charset="-128"/>
+                <a:ea typeface="HGP行書体" panose="03000600000000000000" pitchFamily="66" charset="-128"/>
+              </a:endParaRPr>
+            </a:p>
+          </p:txBody>
+        </p:sp>
+        <p:sp>
+          <p:nvSpPr>
+            <p:cNvPr id="47" name="テキスト ボックス 46">
+              <a:extLst>
+                <a:ext uri="{FF2B5EF4-FFF2-40B4-BE49-F238E27FC236}">
+                  <a16:creationId xmlns:a16="http://schemas.microsoft.com/office/drawing/2014/main" id="{D36AB033-5178-5E0B-80AE-804DCC9BEA9A}"/>
+                </a:ext>
+              </a:extLst>
+            </p:cNvPr>
+            <p:cNvSpPr txBox="1"/>
+            <p:nvPr/>
+          </p:nvSpPr>
+          <p:spPr>
+            <a:xfrm rot="21244796">
+              <a:off x="10152216" y="562343"/>
+              <a:ext cx="2257349" cy="461665"/>
+            </a:xfrm>
+            <a:prstGeom prst="rect">
+              <a:avLst/>
+            </a:prstGeom>
+            <a:noFill/>
+          </p:spPr>
+          <p:txBody>
+            <a:bodyPr wrap="none" rtlCol="0">
+              <a:spAutoFit/>
+            </a:bodyPr>
+            <a:lstStyle/>
+            <a:p>
+              <a:r>
+                <a:rPr kumimoji="1" lang="ja-JP" altLang="en-US" sz="2400" dirty="0">
+                  <a:solidFill>
+                    <a:srgbClr val="FF0D0D"/>
+                  </a:solidFill>
+                  <a:effectLst>
+                    <a:glow rad="190500">
+                      <a:schemeClr val="bg1">
+                        <a:alpha val="90000"/>
+                      </a:schemeClr>
+                    </a:glow>
+                  </a:effectLst>
+                  <a:latin typeface="HGP行書体" panose="03000600000000000000" pitchFamily="66" charset="-128"/>
+                  <a:ea typeface="HGP行書体" panose="03000600000000000000" pitchFamily="66" charset="-128"/>
+                </a:rPr>
+                <a:t>天井に張り付き</a:t>
+              </a:r>
+              <a:r>
+                <a:rPr kumimoji="1" lang="en-US" altLang="ja-JP" sz="2400" dirty="0">
+                  <a:solidFill>
+                    <a:srgbClr val="FF0D0D"/>
+                  </a:solidFill>
+                  <a:effectLst>
+                    <a:glow rad="190500">
+                      <a:schemeClr val="bg1">
+                        <a:alpha val="90000"/>
+                      </a:schemeClr>
+                    </a:glow>
+                  </a:effectLst>
+                  <a:latin typeface="HGP行書体" panose="03000600000000000000" pitchFamily="66" charset="-128"/>
+                  <a:ea typeface="HGP行書体" panose="03000600000000000000" pitchFamily="66" charset="-128"/>
+                </a:rPr>
+                <a:t>!!</a:t>
+              </a:r>
+              <a:endParaRPr kumimoji="1" lang="ja-JP" altLang="en-US" sz="2400" dirty="0">
+                <a:solidFill>
+                  <a:srgbClr val="FF0D0D"/>
+                </a:solidFill>
+                <a:effectLst>
+                  <a:glow rad="190500">
+                    <a:schemeClr val="bg1">
+                      <a:alpha val="90000"/>
+                    </a:schemeClr>
+                  </a:glow>
+                </a:effectLst>
+                <a:latin typeface="HGP行書体" panose="03000600000000000000" pitchFamily="66" charset="-128"/>
+                <a:ea typeface="HGP行書体" panose="03000600000000000000" pitchFamily="66" charset="-128"/>
+              </a:endParaRPr>
+            </a:p>
+          </p:txBody>
+        </p:sp>
+        <p:sp>
+          <p:nvSpPr>
+            <p:cNvPr id="48" name="テキスト ボックス 47">
+              <a:extLst>
+                <a:ext uri="{FF2B5EF4-FFF2-40B4-BE49-F238E27FC236}">
+                  <a16:creationId xmlns:a16="http://schemas.microsoft.com/office/drawing/2014/main" id="{43AFF3B9-27AC-D016-BAB3-EF14B836D95D}"/>
+                </a:ext>
+              </a:extLst>
+            </p:cNvPr>
+            <p:cNvSpPr txBox="1"/>
+            <p:nvPr/>
+          </p:nvSpPr>
+          <p:spPr>
+            <a:xfrm rot="194019">
+              <a:off x="11435520" y="818786"/>
+              <a:ext cx="2436886" cy="523220"/>
+            </a:xfrm>
+            <a:prstGeom prst="rect">
+              <a:avLst/>
+            </a:prstGeom>
+            <a:noFill/>
+          </p:spPr>
+          <p:txBody>
+            <a:bodyPr wrap="none" rtlCol="0">
+              <a:spAutoFit/>
+            </a:bodyPr>
+            <a:lstStyle/>
+            <a:p>
+              <a:r>
+                <a:rPr kumimoji="1" lang="ja-JP" altLang="en-US" sz="2800" dirty="0">
+                  <a:solidFill>
+                    <a:srgbClr val="FF0D0D"/>
+                  </a:solidFill>
+                  <a:effectLst>
+                    <a:glow rad="254000">
+                      <a:schemeClr val="bg1">
+                        <a:alpha val="90000"/>
+                      </a:schemeClr>
+                    </a:glow>
+                  </a:effectLst>
+                  <a:latin typeface="HGP行書体" panose="03000600000000000000" pitchFamily="66" charset="-128"/>
+                  <a:ea typeface="HGP行書体" panose="03000600000000000000" pitchFamily="66" charset="-128"/>
+                </a:rPr>
+                <a:t>クナイを投げて</a:t>
+              </a:r>
+              <a:r>
+                <a:rPr kumimoji="1" lang="en-US" altLang="ja-JP" sz="2800" dirty="0">
+                  <a:solidFill>
+                    <a:srgbClr val="FF0D0D"/>
+                  </a:solidFill>
+                  <a:effectLst>
+                    <a:glow rad="254000">
+                      <a:schemeClr val="bg1">
+                        <a:alpha val="90000"/>
+                      </a:schemeClr>
+                    </a:glow>
+                  </a:effectLst>
+                  <a:latin typeface="HGP行書体" panose="03000600000000000000" pitchFamily="66" charset="-128"/>
+                  <a:ea typeface="HGP行書体" panose="03000600000000000000" pitchFamily="66" charset="-128"/>
+                </a:rPr>
+                <a:t>!!</a:t>
+              </a:r>
+              <a:endParaRPr kumimoji="1" lang="ja-JP" altLang="en-US" sz="2800" dirty="0">
+                <a:solidFill>
+                  <a:srgbClr val="FF0D0D"/>
+                </a:solidFill>
+                <a:effectLst>
+                  <a:glow rad="254000">
+                    <a:schemeClr val="bg1">
+                      <a:alpha val="90000"/>
+                    </a:schemeClr>
+                  </a:glow>
+                </a:effectLst>
+                <a:latin typeface="HGP行書体" panose="03000600000000000000" pitchFamily="66" charset="-128"/>
+                <a:ea typeface="HGP行書体" panose="03000600000000000000" pitchFamily="66" charset="-128"/>
+              </a:endParaRPr>
+            </a:p>
+          </p:txBody>
+        </p:sp>
+        <p:sp>
+          <p:nvSpPr>
+            <p:cNvPr id="49" name="テキスト ボックス 48">
+              <a:extLst>
+                <a:ext uri="{FF2B5EF4-FFF2-40B4-BE49-F238E27FC236}">
+                  <a16:creationId xmlns:a16="http://schemas.microsoft.com/office/drawing/2014/main" id="{DBF35DEC-3DF7-D695-1369-82880A743E7C}"/>
+                </a:ext>
+              </a:extLst>
+            </p:cNvPr>
+            <p:cNvSpPr txBox="1"/>
+            <p:nvPr/>
+          </p:nvSpPr>
+          <p:spPr>
+            <a:xfrm rot="21427107">
+              <a:off x="10006920" y="1123871"/>
+              <a:ext cx="2299027" cy="553998"/>
+            </a:xfrm>
+            <a:prstGeom prst="rect">
+              <a:avLst/>
+            </a:prstGeom>
+            <a:noFill/>
+          </p:spPr>
+          <p:txBody>
+            <a:bodyPr wrap="none" rtlCol="0">
+              <a:spAutoFit/>
+            </a:bodyPr>
+            <a:lstStyle/>
+            <a:p>
+              <a:r>
+                <a:rPr lang="ja-JP" altLang="en-US" sz="3000" dirty="0">
+                  <a:solidFill>
+                    <a:srgbClr val="FF0D0D"/>
+                  </a:solidFill>
+                  <a:effectLst>
+                    <a:glow rad="254000">
+                      <a:schemeClr val="bg1">
+                        <a:alpha val="90000"/>
+                      </a:schemeClr>
+                    </a:glow>
+                  </a:effectLst>
+                  <a:latin typeface="HGP行書体" panose="03000600000000000000" pitchFamily="66" charset="-128"/>
+                  <a:ea typeface="HGP行書体" panose="03000600000000000000" pitchFamily="66" charset="-128"/>
+                </a:rPr>
+                <a:t>鎖鎌で急襲</a:t>
+              </a:r>
+              <a:r>
+                <a:rPr kumimoji="1" lang="en-US" altLang="ja-JP" sz="3000" dirty="0">
+                  <a:solidFill>
+                    <a:srgbClr val="FF0D0D"/>
+                  </a:solidFill>
+                  <a:effectLst>
+                    <a:glow rad="254000">
+                      <a:schemeClr val="bg1">
+                        <a:alpha val="90000"/>
+                      </a:schemeClr>
+                    </a:glow>
+                  </a:effectLst>
+                  <a:latin typeface="HGP行書体" panose="03000600000000000000" pitchFamily="66" charset="-128"/>
+                  <a:ea typeface="HGP行書体" panose="03000600000000000000" pitchFamily="66" charset="-128"/>
+                </a:rPr>
+                <a:t>!!</a:t>
+              </a:r>
+              <a:endParaRPr kumimoji="1" lang="ja-JP" altLang="en-US" sz="3000" dirty="0">
+                <a:solidFill>
+                  <a:srgbClr val="FF0D0D"/>
+                </a:solidFill>
+                <a:effectLst>
+                  <a:glow rad="254000">
+                    <a:schemeClr val="bg1">
+                      <a:alpha val="90000"/>
+                    </a:schemeClr>
+                  </a:glow>
+                </a:effectLst>
+                <a:latin typeface="HGP行書体" panose="03000600000000000000" pitchFamily="66" charset="-128"/>
+                <a:ea typeface="HGP行書体" panose="03000600000000000000" pitchFamily="66" charset="-128"/>
+              </a:endParaRPr>
+            </a:p>
+          </p:txBody>
+        </p:sp>
+      </p:grpSp>
+      <p:sp>
+        <p:nvSpPr>
+          <p:cNvPr id="52" name="テキスト ボックス 51">
+            <a:extLst>
+              <a:ext uri="{FF2B5EF4-FFF2-40B4-BE49-F238E27FC236}">
+                <a16:creationId xmlns:a16="http://schemas.microsoft.com/office/drawing/2014/main" id="{4C0BB3A9-C8A9-21D4-AB85-90DB63EB3C27}"/>
+              </a:ext>
+            </a:extLst>
+          </p:cNvPr>
+          <p:cNvSpPr txBox="1"/>
+          <p:nvPr/>
+        </p:nvSpPr>
+        <p:spPr>
+          <a:xfrm rot="213198">
+            <a:off x="9152535" y="665044"/>
+            <a:ext cx="2462534" cy="523220"/>
+          </a:xfrm>
+          <a:prstGeom prst="rect">
+            <a:avLst/>
+          </a:prstGeom>
+          <a:noFill/>
+        </p:spPr>
+        <p:txBody>
+          <a:bodyPr wrap="none" rtlCol="0">
+            <a:spAutoFit/>
+          </a:bodyPr>
+          <a:lstStyle/>
+          <a:p>
+            <a:r>
+              <a:rPr lang="ja-JP" altLang="en-US" sz="2800" dirty="0">
+                <a:solidFill>
+                  <a:srgbClr val="FF0D0D"/>
+                </a:solidFill>
+                <a:effectLst>
+                  <a:glow rad="127000">
+                    <a:schemeClr val="bg1"/>
+                  </a:glow>
+                </a:effectLst>
+                <a:latin typeface="HGP行書体" panose="03000600000000000000" pitchFamily="66" charset="-128"/>
+                <a:ea typeface="HGP行書体" panose="03000600000000000000" pitchFamily="66" charset="-128"/>
+              </a:rPr>
+              <a:t>多人数にも</a:t>
+            </a:r>
+            <a:r>
+              <a:rPr kumimoji="1" lang="en-US" altLang="ja-JP" sz="2800" dirty="0">
+                <a:solidFill>
+                  <a:srgbClr val="FF0D0D"/>
+                </a:solidFill>
+                <a:effectLst>
+                  <a:glow rad="127000">
+                    <a:schemeClr val="bg1"/>
+                  </a:glow>
+                </a:effectLst>
+                <a:latin typeface="HGP行書体" panose="03000600000000000000" pitchFamily="66" charset="-128"/>
+                <a:ea typeface="HGP行書体" panose="03000600000000000000" pitchFamily="66" charset="-128"/>
+              </a:rPr>
+              <a:t>…!?</a:t>
+            </a:r>
+            <a:endParaRPr kumimoji="1" lang="ja-JP" altLang="en-US" sz="2800" dirty="0">
+              <a:solidFill>
+                <a:srgbClr val="FF0D0D"/>
+              </a:solidFill>
+              <a:effectLst>
+                <a:glow rad="127000">
+                  <a:schemeClr val="bg1"/>
+                </a:glow>
+              </a:effectLst>
+              <a:latin typeface="HGP行書体" panose="03000600000000000000" pitchFamily="66" charset="-128"/>
+              <a:ea typeface="HGP行書体" panose="03000600000000000000" pitchFamily="66" charset="-128"/>
+            </a:endParaRPr>
+          </a:p>
+        </p:txBody>
+      </p:sp>
+      <p:grpSp>
+        <p:nvGrpSpPr>
+          <p:cNvPr id="53" name="グループ化 52">
+            <a:extLst>
+              <a:ext uri="{FF2B5EF4-FFF2-40B4-BE49-F238E27FC236}">
+                <a16:creationId xmlns:a16="http://schemas.microsoft.com/office/drawing/2014/main" id="{385FE635-192B-6914-42E5-1495FDBA1335}"/>
+              </a:ext>
+            </a:extLst>
+          </p:cNvPr>
+          <p:cNvGrpSpPr/>
+          <p:nvPr/>
+        </p:nvGrpSpPr>
+        <p:grpSpPr>
+          <a:xfrm>
+            <a:off x="7926534" y="1110299"/>
+            <a:ext cx="3921266" cy="1321822"/>
+            <a:chOff x="10084254" y="-47409"/>
+            <a:chExt cx="3921266" cy="1321822"/>
+          </a:xfrm>
+        </p:grpSpPr>
+        <p:sp>
+          <p:nvSpPr>
+            <p:cNvPr id="54" name="テキスト ボックス 53">
+              <a:extLst>
+                <a:ext uri="{FF2B5EF4-FFF2-40B4-BE49-F238E27FC236}">
+                  <a16:creationId xmlns:a16="http://schemas.microsoft.com/office/drawing/2014/main" id="{BCF1C7CB-820B-8E2F-FE5E-9CE5081A594A}"/>
+                </a:ext>
+              </a:extLst>
+            </p:cNvPr>
+            <p:cNvSpPr txBox="1"/>
+            <p:nvPr/>
+          </p:nvSpPr>
+          <p:spPr>
+            <a:xfrm rot="21355279">
+              <a:off x="11185746" y="-47409"/>
+              <a:ext cx="1018227" cy="461665"/>
+            </a:xfrm>
+            <a:prstGeom prst="rect">
+              <a:avLst/>
+            </a:prstGeom>
+            <a:noFill/>
+          </p:spPr>
+          <p:txBody>
+            <a:bodyPr wrap="none" rtlCol="0">
+              <a:spAutoFit/>
+            </a:bodyPr>
+            <a:lstStyle/>
+            <a:p>
+              <a:r>
+                <a:rPr lang="ja-JP" altLang="en-US" sz="2400" dirty="0">
+                  <a:solidFill>
+                    <a:srgbClr val="FF0D0D"/>
+                  </a:solidFill>
+                  <a:effectLst>
+                    <a:glow rad="127000">
+                      <a:schemeClr val="bg1">
+                        <a:alpha val="90000"/>
+                      </a:schemeClr>
+                    </a:glow>
+                  </a:effectLst>
+                  <a:latin typeface="HGP行書体" panose="03000600000000000000" pitchFamily="66" charset="-128"/>
+                  <a:ea typeface="HGP行書体" panose="03000600000000000000" pitchFamily="66" charset="-128"/>
+                </a:rPr>
+                <a:t>煙玉</a:t>
+              </a:r>
+              <a:r>
+                <a:rPr kumimoji="1" lang="en-US" altLang="ja-JP" sz="2400" dirty="0">
+                  <a:solidFill>
+                    <a:srgbClr val="FF0D0D"/>
+                  </a:solidFill>
+                  <a:effectLst>
+                    <a:glow rad="127000">
+                      <a:schemeClr val="bg1">
+                        <a:alpha val="90000"/>
+                      </a:schemeClr>
+                    </a:glow>
+                  </a:effectLst>
+                  <a:latin typeface="HGP行書体" panose="03000600000000000000" pitchFamily="66" charset="-128"/>
+                  <a:ea typeface="HGP行書体" panose="03000600000000000000" pitchFamily="66" charset="-128"/>
+                </a:rPr>
+                <a:t>!!</a:t>
+              </a:r>
+              <a:endParaRPr kumimoji="1" lang="ja-JP" altLang="en-US" sz="2400" dirty="0">
+                <a:solidFill>
+                  <a:srgbClr val="FF0D0D"/>
+                </a:solidFill>
+                <a:effectLst>
+                  <a:glow rad="127000">
+                    <a:schemeClr val="bg1">
+                      <a:alpha val="90000"/>
+                    </a:schemeClr>
+                  </a:glow>
+                </a:effectLst>
+                <a:latin typeface="HGP行書体" panose="03000600000000000000" pitchFamily="66" charset="-128"/>
+                <a:ea typeface="HGP行書体" panose="03000600000000000000" pitchFamily="66" charset="-128"/>
+              </a:endParaRPr>
+            </a:p>
+          </p:txBody>
+        </p:sp>
+        <p:sp>
+          <p:nvSpPr>
+            <p:cNvPr id="55" name="テキスト ボックス 54">
+              <a:extLst>
+                <a:ext uri="{FF2B5EF4-FFF2-40B4-BE49-F238E27FC236}">
+                  <a16:creationId xmlns:a16="http://schemas.microsoft.com/office/drawing/2014/main" id="{C3EFC0B9-5414-923B-4256-4B2ED6EC84DB}"/>
+                </a:ext>
+              </a:extLst>
+            </p:cNvPr>
+            <p:cNvSpPr txBox="1"/>
+            <p:nvPr/>
+          </p:nvSpPr>
+          <p:spPr>
+            <a:xfrm rot="178914">
+              <a:off x="11491314" y="281823"/>
+              <a:ext cx="2266967" cy="523220"/>
+            </a:xfrm>
+            <a:prstGeom prst="rect">
+              <a:avLst/>
+            </a:prstGeom>
+            <a:noFill/>
+          </p:spPr>
+          <p:txBody>
+            <a:bodyPr wrap="none" rtlCol="0">
+              <a:spAutoFit/>
+            </a:bodyPr>
+            <a:lstStyle/>
+            <a:p>
+              <a:r>
+                <a:rPr kumimoji="1" lang="ja-JP" altLang="en-US" sz="2800" dirty="0">
+                  <a:solidFill>
+                    <a:srgbClr val="FF0D0D"/>
+                  </a:solidFill>
+                  <a:effectLst>
+                    <a:glow rad="190500">
+                      <a:schemeClr val="bg1">
+                        <a:alpha val="90000"/>
+                      </a:schemeClr>
+                    </a:glow>
+                  </a:effectLst>
+                  <a:latin typeface="HGP行書体" panose="03000600000000000000" pitchFamily="66" charset="-128"/>
+                  <a:ea typeface="HGP行書体" panose="03000600000000000000" pitchFamily="66" charset="-128"/>
+                </a:rPr>
+                <a:t>まきびし蒔いて</a:t>
+              </a:r>
+              <a:r>
+                <a:rPr kumimoji="1" lang="en-US" altLang="ja-JP" sz="2800" dirty="0">
+                  <a:solidFill>
+                    <a:srgbClr val="FF0D0D"/>
+                  </a:solidFill>
+                  <a:effectLst>
+                    <a:glow rad="190500">
+                      <a:schemeClr val="bg1">
+                        <a:alpha val="90000"/>
+                      </a:schemeClr>
+                    </a:glow>
+                  </a:effectLst>
+                  <a:latin typeface="HGP行書体" panose="03000600000000000000" pitchFamily="66" charset="-128"/>
+                  <a:ea typeface="HGP行書体" panose="03000600000000000000" pitchFamily="66" charset="-128"/>
+                </a:rPr>
+                <a:t>!!</a:t>
+              </a:r>
+              <a:endParaRPr kumimoji="1" lang="ja-JP" altLang="en-US" sz="2800" dirty="0">
+                <a:solidFill>
+                  <a:srgbClr val="FF0D0D"/>
+                </a:solidFill>
+                <a:effectLst>
+                  <a:glow rad="190500">
+                    <a:schemeClr val="bg1">
+                      <a:alpha val="90000"/>
+                    </a:schemeClr>
+                  </a:glow>
+                </a:effectLst>
+                <a:latin typeface="HGP行書体" panose="03000600000000000000" pitchFamily="66" charset="-128"/>
+                <a:ea typeface="HGP行書体" panose="03000600000000000000" pitchFamily="66" charset="-128"/>
+              </a:endParaRPr>
+            </a:p>
+          </p:txBody>
+        </p:sp>
+        <p:sp>
+          <p:nvSpPr>
+            <p:cNvPr id="58" name="テキスト ボックス 57">
+              <a:extLst>
+                <a:ext uri="{FF2B5EF4-FFF2-40B4-BE49-F238E27FC236}">
+                  <a16:creationId xmlns:a16="http://schemas.microsoft.com/office/drawing/2014/main" id="{764F97DC-C985-081E-A5A8-46CE460C42B4}"/>
+                </a:ext>
+              </a:extLst>
+            </p:cNvPr>
+            <p:cNvSpPr txBox="1"/>
+            <p:nvPr/>
+          </p:nvSpPr>
+          <p:spPr>
+            <a:xfrm rot="21427107">
+              <a:off x="10084254" y="720415"/>
+              <a:ext cx="3921266" cy="553998"/>
+            </a:xfrm>
+            <a:prstGeom prst="rect">
+              <a:avLst/>
+            </a:prstGeom>
+            <a:noFill/>
+          </p:spPr>
+          <p:txBody>
+            <a:bodyPr wrap="none" rtlCol="0">
+              <a:spAutoFit/>
+            </a:bodyPr>
+            <a:lstStyle/>
+            <a:p>
+              <a:r>
+                <a:rPr kumimoji="1" lang="ja-JP" altLang="en-US" sz="3000" dirty="0">
+                  <a:solidFill>
+                    <a:srgbClr val="FF0D0D"/>
+                  </a:solidFill>
+                  <a:effectLst>
+                    <a:glow rad="254000">
+                      <a:schemeClr val="bg1">
+                        <a:alpha val="90000"/>
+                      </a:schemeClr>
+                    </a:glow>
+                  </a:effectLst>
+                  <a:latin typeface="HGP行書体" panose="03000600000000000000" pitchFamily="66" charset="-128"/>
+                  <a:ea typeface="HGP行書体" panose="03000600000000000000" pitchFamily="66" charset="-128"/>
+                </a:rPr>
+                <a:t>風遁の術で吹き飛ばす</a:t>
+              </a:r>
+              <a:r>
+                <a:rPr kumimoji="1" lang="en-US" altLang="ja-JP" sz="3000" dirty="0">
+                  <a:solidFill>
+                    <a:srgbClr val="FF0D0D"/>
+                  </a:solidFill>
+                  <a:effectLst>
+                    <a:glow rad="254000">
+                      <a:schemeClr val="bg1">
+                        <a:alpha val="90000"/>
+                      </a:schemeClr>
+                    </a:glow>
+                  </a:effectLst>
+                  <a:latin typeface="HGP行書体" panose="03000600000000000000" pitchFamily="66" charset="-128"/>
+                  <a:ea typeface="HGP行書体" panose="03000600000000000000" pitchFamily="66" charset="-128"/>
+                </a:rPr>
+                <a:t>!!</a:t>
+              </a:r>
+              <a:endParaRPr kumimoji="1" lang="ja-JP" altLang="en-US" sz="3000" dirty="0">
+                <a:solidFill>
+                  <a:srgbClr val="FF0D0D"/>
+                </a:solidFill>
+                <a:effectLst>
+                  <a:glow rad="254000">
+                    <a:schemeClr val="bg1">
+                      <a:alpha val="90000"/>
+                    </a:schemeClr>
+                  </a:glow>
+                </a:effectLst>
+                <a:latin typeface="HGP行書体" panose="03000600000000000000" pitchFamily="66" charset="-128"/>
+                <a:ea typeface="HGP行書体" panose="03000600000000000000" pitchFamily="66" charset="-128"/>
+              </a:endParaRPr>
+            </a:p>
+          </p:txBody>
+        </p:sp>
+      </p:grpSp>
+      <p:sp>
+        <p:nvSpPr>
+          <p:cNvPr id="62" name="テキスト ボックス 61">
+            <a:extLst>
+              <a:ext uri="{FF2B5EF4-FFF2-40B4-BE49-F238E27FC236}">
+                <a16:creationId xmlns:a16="http://schemas.microsoft.com/office/drawing/2014/main" id="{C83AFEB8-A3C1-572D-00EE-ADC89EE50656}"/>
+              </a:ext>
+            </a:extLst>
+          </p:cNvPr>
+          <p:cNvSpPr txBox="1"/>
+          <p:nvPr/>
+        </p:nvSpPr>
+        <p:spPr>
+          <a:xfrm rot="441502">
+            <a:off x="8677171" y="5512148"/>
+            <a:ext cx="3499676" cy="461665"/>
+          </a:xfrm>
+          <a:prstGeom prst="rect">
+            <a:avLst/>
+          </a:prstGeom>
+          <a:noFill/>
+        </p:spPr>
+        <p:txBody>
+          <a:bodyPr wrap="none" rtlCol="0">
+            <a:spAutoFit/>
+          </a:bodyPr>
+          <a:lstStyle/>
+          <a:p>
+            <a:r>
+              <a:rPr kumimoji="1" lang="ja-JP" altLang="en-US" sz="1600" dirty="0">
                 <a:solidFill>
                   <a:srgbClr val="FF0D0D"/>
                 </a:solidFill>
@@ -5392,10 +6177,10 @@
                 <a:latin typeface="HGP行書体" panose="03000600000000000000" pitchFamily="66" charset="-128"/>
                 <a:ea typeface="HGP行書体" panose="03000600000000000000" pitchFamily="66" charset="-128"/>
               </a:rPr>
-              <a:t>攻</a:t>
-            </a:r>
-            <a:r>
-              <a:rPr lang="ja-JP" altLang="en-US" sz="2800" dirty="0">
+              <a:t>超速度で動いて</a:t>
+            </a:r>
+            <a:r>
+              <a:rPr kumimoji="1" lang="ja-JP" altLang="en-US" sz="2400" dirty="0">
                 <a:solidFill>
                   <a:srgbClr val="FF0D0D"/>
                 </a:solidFill>
@@ -5409,10 +6194,10 @@
                 <a:latin typeface="HGP行書体" panose="03000600000000000000" pitchFamily="66" charset="-128"/>
                 <a:ea typeface="HGP行書体" panose="03000600000000000000" pitchFamily="66" charset="-128"/>
               </a:rPr>
-              <a:t>と</a:t>
-            </a:r>
-            <a:r>
-              <a:rPr lang="ja-JP" altLang="en-US" sz="3600" dirty="0">
+              <a:t>大コンボ</a:t>
+            </a:r>
+            <a:r>
+              <a:rPr kumimoji="1" lang="ja-JP" altLang="en-US" sz="1600" dirty="0">
                 <a:solidFill>
                   <a:srgbClr val="FF0D0D"/>
                 </a:solidFill>
@@ -5426,9 +6211,750 @@
                 <a:latin typeface="HGP行書体" panose="03000600000000000000" pitchFamily="66" charset="-128"/>
                 <a:ea typeface="HGP行書体" panose="03000600000000000000" pitchFamily="66" charset="-128"/>
               </a:rPr>
-              <a:t>避</a:t>
-            </a:r>
-            <a:endParaRPr kumimoji="1" lang="ja-JP" altLang="en-US" sz="3200" dirty="0">
+              <a:t>のチャンス</a:t>
+            </a:r>
+            <a:r>
+              <a:rPr kumimoji="1" lang="en-US" altLang="ja-JP" sz="1600" dirty="0">
+                <a:solidFill>
+                  <a:srgbClr val="FF0D0D"/>
+                </a:solidFill>
+                <a:effectLst>
+                  <a:glow rad="381000">
+                    <a:schemeClr val="bg1">
+                      <a:alpha val="80000"/>
+                    </a:schemeClr>
+                  </a:glow>
+                </a:effectLst>
+                <a:latin typeface="HGP行書体" panose="03000600000000000000" pitchFamily="66" charset="-128"/>
+                <a:ea typeface="HGP行書体" panose="03000600000000000000" pitchFamily="66" charset="-128"/>
+              </a:rPr>
+              <a:t>!!</a:t>
+            </a:r>
+            <a:endParaRPr kumimoji="1" lang="ja-JP" altLang="en-US" sz="1600" dirty="0">
+              <a:solidFill>
+                <a:srgbClr val="FF0D0D"/>
+              </a:solidFill>
+              <a:effectLst>
+                <a:glow rad="381000">
+                  <a:schemeClr val="bg1">
+                    <a:alpha val="80000"/>
+                  </a:schemeClr>
+                </a:glow>
+              </a:effectLst>
+              <a:latin typeface="HGP行書体" panose="03000600000000000000" pitchFamily="66" charset="-128"/>
+              <a:ea typeface="HGP行書体" panose="03000600000000000000" pitchFamily="66" charset="-128"/>
+            </a:endParaRPr>
+          </a:p>
+        </p:txBody>
+      </p:sp>
+      <p:sp>
+        <p:nvSpPr>
+          <p:cNvPr id="63" name="テキスト ボックス 62">
+            <a:extLst>
+              <a:ext uri="{FF2B5EF4-FFF2-40B4-BE49-F238E27FC236}">
+                <a16:creationId xmlns:a16="http://schemas.microsoft.com/office/drawing/2014/main" id="{96CB25B3-BC4F-9317-C915-105349F42CF8}"/>
+              </a:ext>
+            </a:extLst>
+          </p:cNvPr>
+          <p:cNvSpPr txBox="1"/>
+          <p:nvPr/>
+        </p:nvSpPr>
+        <p:spPr>
+          <a:xfrm rot="21243675">
+            <a:off x="7664595" y="718271"/>
+            <a:ext cx="1460035" cy="347447"/>
+          </a:xfrm>
+          <a:prstGeom prst="rect">
+            <a:avLst/>
+          </a:prstGeom>
+          <a:noFill/>
+        </p:spPr>
+        <p:txBody>
+          <a:bodyPr wrap="square" rtlCol="0">
+            <a:spAutoFit/>
+          </a:bodyPr>
+          <a:lstStyle/>
+          <a:p>
+            <a:r>
+              <a:rPr lang="ja-JP" altLang="en-US" sz="1600" dirty="0">
+                <a:solidFill>
+                  <a:srgbClr val="FF0D0D"/>
+                </a:solidFill>
+                <a:effectLst>
+                  <a:glow rad="381000">
+                    <a:schemeClr val="bg1">
+                      <a:alpha val="80000"/>
+                    </a:schemeClr>
+                  </a:glow>
+                </a:effectLst>
+                <a:latin typeface="HGP行書体" panose="03000600000000000000" pitchFamily="66" charset="-128"/>
+                <a:ea typeface="HGP行書体" panose="03000600000000000000" pitchFamily="66" charset="-128"/>
+              </a:rPr>
+              <a:t>どんどん繋げ</a:t>
+            </a:r>
+            <a:r>
+              <a:rPr lang="en-US" altLang="ja-JP" sz="1600" dirty="0">
+                <a:solidFill>
+                  <a:srgbClr val="FF0D0D"/>
+                </a:solidFill>
+                <a:effectLst>
+                  <a:glow rad="381000">
+                    <a:schemeClr val="bg1">
+                      <a:alpha val="80000"/>
+                    </a:schemeClr>
+                  </a:glow>
+                </a:effectLst>
+                <a:latin typeface="HGP行書体" panose="03000600000000000000" pitchFamily="66" charset="-128"/>
+                <a:ea typeface="HGP行書体" panose="03000600000000000000" pitchFamily="66" charset="-128"/>
+              </a:rPr>
+              <a:t>!!</a:t>
+            </a:r>
+            <a:endParaRPr kumimoji="1" lang="ja-JP" altLang="en-US" sz="1600" dirty="0">
+              <a:solidFill>
+                <a:srgbClr val="FF0D0D"/>
+              </a:solidFill>
+              <a:effectLst>
+                <a:glow rad="381000">
+                  <a:schemeClr val="bg1">
+                    <a:alpha val="80000"/>
+                  </a:schemeClr>
+                </a:glow>
+              </a:effectLst>
+              <a:latin typeface="HGP行書体" panose="03000600000000000000" pitchFamily="66" charset="-128"/>
+              <a:ea typeface="HGP行書体" panose="03000600000000000000" pitchFamily="66" charset="-128"/>
+            </a:endParaRPr>
+          </a:p>
+        </p:txBody>
+      </p:sp>
+      <p:pic>
+        <p:nvPicPr>
+          <p:cNvPr id="1029" name="図 1028" descr="アイコン&#10;&#10;自動的に生成された説明">
+            <a:extLst>
+              <a:ext uri="{FF2B5EF4-FFF2-40B4-BE49-F238E27FC236}">
+                <a16:creationId xmlns:a16="http://schemas.microsoft.com/office/drawing/2014/main" id="{F579E232-87F9-46E5-DC3C-0333395CE6C2}"/>
+              </a:ext>
+            </a:extLst>
+          </p:cNvPr>
+          <p:cNvPicPr>
+            <a:picLocks noChangeAspect="1"/>
+          </p:cNvPicPr>
+          <p:nvPr/>
+        </p:nvPicPr>
+        <p:blipFill>
+          <a:blip r:embed="rId11">
+            <a:extLst>
+              <a:ext uri="{28A0092B-C50C-407E-A947-70E740481C1C}">
+                <a14:useLocalDpi xmlns:a14="http://schemas.microsoft.com/office/drawing/2010/main" val="0"/>
+              </a:ext>
+            </a:extLst>
+          </a:blip>
+          <a:stretch>
+            <a:fillRect/>
+          </a:stretch>
+        </p:blipFill>
+        <p:spPr>
+          <a:xfrm>
+            <a:off x="2856286" y="1814766"/>
+            <a:ext cx="1670475" cy="2860928"/>
+          </a:xfrm>
+          <a:prstGeom prst="rect">
+            <a:avLst/>
+          </a:prstGeom>
+        </p:spPr>
+      </p:pic>
+      <p:pic>
+        <p:nvPicPr>
+          <p:cNvPr id="51" name="図 50" descr="アイコン&#10;&#10;自動的に生成された説明">
+            <a:extLst>
+              <a:ext uri="{FF2B5EF4-FFF2-40B4-BE49-F238E27FC236}">
+                <a16:creationId xmlns:a16="http://schemas.microsoft.com/office/drawing/2014/main" id="{30436E19-7B02-B09B-8211-B4C3980DFBE8}"/>
+              </a:ext>
+            </a:extLst>
+          </p:cNvPr>
+          <p:cNvPicPr>
+            <a:picLocks noChangeAspect="1"/>
+          </p:cNvPicPr>
+          <p:nvPr/>
+        </p:nvPicPr>
+        <p:blipFill>
+          <a:blip r:embed="rId12">
+            <a:extLst>
+              <a:ext uri="{28A0092B-C50C-407E-A947-70E740481C1C}">
+                <a14:useLocalDpi xmlns:a14="http://schemas.microsoft.com/office/drawing/2010/main" val="0"/>
+              </a:ext>
+            </a:extLst>
+          </a:blip>
+          <a:stretch>
+            <a:fillRect/>
+          </a:stretch>
+        </p:blipFill>
+        <p:spPr>
+          <a:xfrm rot="20258116">
+            <a:off x="2600132" y="3241063"/>
+            <a:ext cx="887602" cy="642544"/>
+          </a:xfrm>
+          <a:prstGeom prst="rect">
+            <a:avLst/>
+          </a:prstGeom>
+          <a:effectLst>
+            <a:outerShdw blurRad="25400" dist="50800" dir="10140000" sx="101000" sy="101000" algn="tr" rotWithShape="0">
+              <a:schemeClr val="bg1"/>
+            </a:outerShdw>
+          </a:effectLst>
+        </p:spPr>
+      </p:pic>
+      <p:sp>
+        <p:nvSpPr>
+          <p:cNvPr id="41" name="テキスト ボックス 40">
+            <a:extLst>
+              <a:ext uri="{FF2B5EF4-FFF2-40B4-BE49-F238E27FC236}">
+                <a16:creationId xmlns:a16="http://schemas.microsoft.com/office/drawing/2014/main" id="{035DCDB7-40F2-FB84-78F1-F6261DBE7320}"/>
+              </a:ext>
+            </a:extLst>
+          </p:cNvPr>
+          <p:cNvSpPr txBox="1"/>
+          <p:nvPr/>
+        </p:nvSpPr>
+        <p:spPr>
+          <a:xfrm>
+            <a:off x="2159393" y="2809419"/>
+            <a:ext cx="2502608" cy="523220"/>
+          </a:xfrm>
+          <a:prstGeom prst="rect">
+            <a:avLst/>
+          </a:prstGeom>
+          <a:noFill/>
+        </p:spPr>
+        <p:txBody>
+          <a:bodyPr wrap="none" rtlCol="0">
+            <a:spAutoFit/>
+          </a:bodyPr>
+          <a:lstStyle/>
+          <a:p>
+            <a:r>
+              <a:rPr kumimoji="1" lang="ja-JP" altLang="en-US" sz="2800" dirty="0">
+                <a:solidFill>
+                  <a:srgbClr val="FF0D0D"/>
+                </a:solidFill>
+                <a:effectLst>
+                  <a:glow rad="127000">
+                    <a:schemeClr val="bg1"/>
+                  </a:glow>
+                </a:effectLst>
+                <a:latin typeface="HGP行書体" panose="03000600000000000000" pitchFamily="66" charset="-128"/>
+                <a:ea typeface="HGP行書体" panose="03000600000000000000" pitchFamily="66" charset="-128"/>
+              </a:rPr>
+              <a:t>高台の敵には</a:t>
+            </a:r>
+            <a:r>
+              <a:rPr kumimoji="1" lang="en-US" altLang="ja-JP" sz="2800" dirty="0">
+                <a:solidFill>
+                  <a:srgbClr val="FF0D0D"/>
+                </a:solidFill>
+                <a:effectLst>
+                  <a:glow rad="127000">
+                    <a:schemeClr val="bg1"/>
+                  </a:glow>
+                </a:effectLst>
+                <a:latin typeface="HGP行書体" panose="03000600000000000000" pitchFamily="66" charset="-128"/>
+                <a:ea typeface="HGP行書体" panose="03000600000000000000" pitchFamily="66" charset="-128"/>
+              </a:rPr>
+              <a:t>…</a:t>
+            </a:r>
+            <a:endParaRPr kumimoji="1" lang="ja-JP" altLang="en-US" sz="2800" dirty="0">
+              <a:solidFill>
+                <a:srgbClr val="FF0D0D"/>
+              </a:solidFill>
+              <a:effectLst>
+                <a:glow rad="127000">
+                  <a:schemeClr val="bg1"/>
+                </a:glow>
+              </a:effectLst>
+              <a:latin typeface="HGP行書体" panose="03000600000000000000" pitchFamily="66" charset="-128"/>
+              <a:ea typeface="HGP行書体" panose="03000600000000000000" pitchFamily="66" charset="-128"/>
+            </a:endParaRPr>
+          </a:p>
+        </p:txBody>
+      </p:sp>
+      <p:grpSp>
+        <p:nvGrpSpPr>
+          <p:cNvPr id="39" name="グループ化 38">
+            <a:extLst>
+              <a:ext uri="{FF2B5EF4-FFF2-40B4-BE49-F238E27FC236}">
+                <a16:creationId xmlns:a16="http://schemas.microsoft.com/office/drawing/2014/main" id="{B0E99668-E6A4-09B9-3B60-E097D76757D8}"/>
+              </a:ext>
+            </a:extLst>
+          </p:cNvPr>
+          <p:cNvGrpSpPr/>
+          <p:nvPr/>
+        </p:nvGrpSpPr>
+        <p:grpSpPr>
+          <a:xfrm>
+            <a:off x="1641564" y="3528674"/>
+            <a:ext cx="3857146" cy="1116978"/>
+            <a:chOff x="8121550" y="1443518"/>
+            <a:chExt cx="3857146" cy="1116978"/>
+          </a:xfrm>
+        </p:grpSpPr>
+        <p:sp>
+          <p:nvSpPr>
+            <p:cNvPr id="36" name="テキスト ボックス 35">
+              <a:extLst>
+                <a:ext uri="{FF2B5EF4-FFF2-40B4-BE49-F238E27FC236}">
+                  <a16:creationId xmlns:a16="http://schemas.microsoft.com/office/drawing/2014/main" id="{79C19522-FA28-AF33-BACC-EE6DBB00B12F}"/>
+                </a:ext>
+              </a:extLst>
+            </p:cNvPr>
+            <p:cNvSpPr txBox="1"/>
+            <p:nvPr/>
+          </p:nvSpPr>
+          <p:spPr>
+            <a:xfrm rot="21417000">
+              <a:off x="8793707" y="1684593"/>
+              <a:ext cx="2452916" cy="523220"/>
+            </a:xfrm>
+            <a:prstGeom prst="rect">
+              <a:avLst/>
+            </a:prstGeom>
+            <a:noFill/>
+          </p:spPr>
+          <p:txBody>
+            <a:bodyPr wrap="none" rtlCol="0">
+              <a:spAutoFit/>
+            </a:bodyPr>
+            <a:lstStyle/>
+            <a:p>
+              <a:r>
+                <a:rPr kumimoji="1" lang="ja-JP" altLang="en-US" sz="2800" dirty="0">
+                  <a:solidFill>
+                    <a:srgbClr val="FF0D0D"/>
+                  </a:solidFill>
+                  <a:effectLst>
+                    <a:glow rad="190500">
+                      <a:schemeClr val="bg1">
+                        <a:alpha val="90000"/>
+                      </a:schemeClr>
+                    </a:glow>
+                  </a:effectLst>
+                  <a:latin typeface="HGP行書体" panose="03000600000000000000" pitchFamily="66" charset="-128"/>
+                  <a:ea typeface="HGP行書体" panose="03000600000000000000" pitchFamily="66" charset="-128"/>
+                </a:rPr>
+                <a:t>鉤縄引き寄せ</a:t>
+              </a:r>
+              <a:r>
+                <a:rPr kumimoji="1" lang="en-US" altLang="ja-JP" sz="2800" dirty="0">
+                  <a:solidFill>
+                    <a:srgbClr val="FF0D0D"/>
+                  </a:solidFill>
+                  <a:effectLst>
+                    <a:glow rad="190500">
+                      <a:schemeClr val="bg1">
+                        <a:alpha val="90000"/>
+                      </a:schemeClr>
+                    </a:glow>
+                  </a:effectLst>
+                  <a:latin typeface="HGP行書体" panose="03000600000000000000" pitchFamily="66" charset="-128"/>
+                  <a:ea typeface="HGP行書体" panose="03000600000000000000" pitchFamily="66" charset="-128"/>
+                </a:rPr>
+                <a:t>!!</a:t>
+              </a:r>
+              <a:endParaRPr kumimoji="1" lang="ja-JP" altLang="en-US" sz="2800" dirty="0">
+                <a:solidFill>
+                  <a:srgbClr val="FF0D0D"/>
+                </a:solidFill>
+                <a:effectLst>
+                  <a:glow rad="190500">
+                    <a:schemeClr val="bg1">
+                      <a:alpha val="90000"/>
+                    </a:schemeClr>
+                  </a:glow>
+                </a:effectLst>
+                <a:latin typeface="HGP行書体" panose="03000600000000000000" pitchFamily="66" charset="-128"/>
+                <a:ea typeface="HGP行書体" panose="03000600000000000000" pitchFamily="66" charset="-128"/>
+              </a:endParaRPr>
+            </a:p>
+          </p:txBody>
+        </p:sp>
+        <p:sp>
+          <p:nvSpPr>
+            <p:cNvPr id="37" name="テキスト ボックス 36">
+              <a:extLst>
+                <a:ext uri="{FF2B5EF4-FFF2-40B4-BE49-F238E27FC236}">
+                  <a16:creationId xmlns:a16="http://schemas.microsoft.com/office/drawing/2014/main" id="{CDE8EBBD-FAED-AB96-4891-E64BD4193FFE}"/>
+                </a:ext>
+              </a:extLst>
+            </p:cNvPr>
+            <p:cNvSpPr txBox="1"/>
+            <p:nvPr/>
+          </p:nvSpPr>
+          <p:spPr>
+            <a:xfrm rot="21257157">
+              <a:off x="8121550" y="2006498"/>
+              <a:ext cx="3857146" cy="553998"/>
+            </a:xfrm>
+            <a:prstGeom prst="rect">
+              <a:avLst/>
+            </a:prstGeom>
+            <a:noFill/>
+          </p:spPr>
+          <p:txBody>
+            <a:bodyPr wrap="none" rtlCol="0">
+              <a:spAutoFit/>
+            </a:bodyPr>
+            <a:lstStyle/>
+            <a:p>
+              <a:r>
+                <a:rPr lang="ja-JP" altLang="en-US" sz="3000" dirty="0">
+                  <a:solidFill>
+                    <a:srgbClr val="FF0D0D"/>
+                  </a:solidFill>
+                  <a:effectLst>
+                    <a:glow rad="254000">
+                      <a:schemeClr val="bg1">
+                        <a:alpha val="90000"/>
+                      </a:schemeClr>
+                    </a:glow>
+                  </a:effectLst>
+                  <a:latin typeface="HGP行書体" panose="03000600000000000000" pitchFamily="66" charset="-128"/>
+                  <a:ea typeface="HGP行書体" panose="03000600000000000000" pitchFamily="66" charset="-128"/>
+                </a:rPr>
+                <a:t>火遁の術で燃やすべし</a:t>
+              </a:r>
+              <a:r>
+                <a:rPr lang="en-US" altLang="ja-JP" sz="3000" dirty="0">
+                  <a:solidFill>
+                    <a:srgbClr val="FF0D0D"/>
+                  </a:solidFill>
+                  <a:effectLst>
+                    <a:glow rad="254000">
+                      <a:schemeClr val="bg1">
+                        <a:alpha val="90000"/>
+                      </a:schemeClr>
+                    </a:glow>
+                  </a:effectLst>
+                  <a:latin typeface="HGP行書体" panose="03000600000000000000" pitchFamily="66" charset="-128"/>
+                  <a:ea typeface="HGP行書体" panose="03000600000000000000" pitchFamily="66" charset="-128"/>
+                </a:rPr>
+                <a:t>!!</a:t>
+              </a:r>
+              <a:endParaRPr kumimoji="1" lang="ja-JP" altLang="en-US" sz="3000" dirty="0">
+                <a:solidFill>
+                  <a:srgbClr val="FF0D0D"/>
+                </a:solidFill>
+                <a:effectLst>
+                  <a:glow rad="254000">
+                    <a:schemeClr val="bg1">
+                      <a:alpha val="90000"/>
+                    </a:schemeClr>
+                  </a:glow>
+                </a:effectLst>
+                <a:latin typeface="HGP行書体" panose="03000600000000000000" pitchFamily="66" charset="-128"/>
+                <a:ea typeface="HGP行書体" panose="03000600000000000000" pitchFamily="66" charset="-128"/>
+              </a:endParaRPr>
+            </a:p>
+          </p:txBody>
+        </p:sp>
+        <p:sp>
+          <p:nvSpPr>
+            <p:cNvPr id="19" name="テキスト ボックス 18">
+              <a:extLst>
+                <a:ext uri="{FF2B5EF4-FFF2-40B4-BE49-F238E27FC236}">
+                  <a16:creationId xmlns:a16="http://schemas.microsoft.com/office/drawing/2014/main" id="{62B99A02-4300-E069-A228-B75BCD9ABAFB}"/>
+                </a:ext>
+              </a:extLst>
+            </p:cNvPr>
+            <p:cNvSpPr txBox="1"/>
+            <p:nvPr/>
+          </p:nvSpPr>
+          <p:spPr>
+            <a:xfrm rot="624243">
+              <a:off x="8366954" y="1443518"/>
+              <a:ext cx="1476686" cy="369332"/>
+            </a:xfrm>
+            <a:prstGeom prst="rect">
+              <a:avLst/>
+            </a:prstGeom>
+            <a:noFill/>
+          </p:spPr>
+          <p:txBody>
+            <a:bodyPr wrap="none" rtlCol="0">
+              <a:spAutoFit/>
+            </a:bodyPr>
+            <a:lstStyle/>
+            <a:p>
+              <a:r>
+                <a:rPr kumimoji="1" lang="ja-JP" altLang="en-US" dirty="0">
+                  <a:solidFill>
+                    <a:srgbClr val="FF0D0D"/>
+                  </a:solidFill>
+                  <a:effectLst>
+                    <a:glow rad="127000">
+                      <a:schemeClr val="bg1">
+                        <a:alpha val="90000"/>
+                      </a:schemeClr>
+                    </a:glow>
+                  </a:effectLst>
+                  <a:latin typeface="HGP行書体" panose="03000600000000000000" pitchFamily="66" charset="-128"/>
+                  <a:ea typeface="HGP行書体" panose="03000600000000000000" pitchFamily="66" charset="-128"/>
+                </a:rPr>
+                <a:t>手裏剣投げ</a:t>
+              </a:r>
+              <a:r>
+                <a:rPr kumimoji="1" lang="en-US" altLang="ja-JP" dirty="0">
+                  <a:solidFill>
+                    <a:srgbClr val="FF0D0D"/>
+                  </a:solidFill>
+                  <a:effectLst>
+                    <a:glow rad="127000">
+                      <a:schemeClr val="bg1">
+                        <a:alpha val="90000"/>
+                      </a:schemeClr>
+                    </a:glow>
+                  </a:effectLst>
+                  <a:latin typeface="HGP行書体" panose="03000600000000000000" pitchFamily="66" charset="-128"/>
+                  <a:ea typeface="HGP行書体" panose="03000600000000000000" pitchFamily="66" charset="-128"/>
+                </a:rPr>
+                <a:t>!!</a:t>
+              </a:r>
+              <a:endParaRPr kumimoji="1" lang="ja-JP" altLang="en-US" dirty="0">
+                <a:solidFill>
+                  <a:srgbClr val="FF0D0D"/>
+                </a:solidFill>
+                <a:effectLst>
+                  <a:glow rad="127000">
+                    <a:schemeClr val="bg1">
+                      <a:alpha val="90000"/>
+                    </a:schemeClr>
+                  </a:glow>
+                </a:effectLst>
+                <a:latin typeface="HGP行書体" panose="03000600000000000000" pitchFamily="66" charset="-128"/>
+                <a:ea typeface="HGP行書体" panose="03000600000000000000" pitchFamily="66" charset="-128"/>
+              </a:endParaRPr>
+            </a:p>
+          </p:txBody>
+        </p:sp>
+      </p:grpSp>
+      <p:sp>
+        <p:nvSpPr>
+          <p:cNvPr id="1036" name="テキスト ボックス 1035">
+            <a:extLst>
+              <a:ext uri="{FF2B5EF4-FFF2-40B4-BE49-F238E27FC236}">
+                <a16:creationId xmlns:a16="http://schemas.microsoft.com/office/drawing/2014/main" id="{EED1982C-FF57-4A1E-F3E7-B9ECAF78C861}"/>
+              </a:ext>
+            </a:extLst>
+          </p:cNvPr>
+          <p:cNvSpPr txBox="1"/>
+          <p:nvPr/>
+        </p:nvSpPr>
+        <p:spPr>
+          <a:xfrm rot="20911180">
+            <a:off x="7743489" y="3555315"/>
+            <a:ext cx="2759089" cy="523220"/>
+          </a:xfrm>
+          <a:prstGeom prst="rect">
+            <a:avLst/>
+          </a:prstGeom>
+          <a:noFill/>
+        </p:spPr>
+        <p:txBody>
+          <a:bodyPr wrap="none" rtlCol="0">
+            <a:spAutoFit/>
+          </a:bodyPr>
+          <a:lstStyle/>
+          <a:p>
+            <a:r>
+              <a:rPr lang="ja-JP" altLang="en-US" sz="2800" dirty="0">
+                <a:solidFill>
+                  <a:srgbClr val="FF0D0D"/>
+                </a:solidFill>
+                <a:effectLst>
+                  <a:glow rad="254000">
+                    <a:schemeClr val="bg1">
+                      <a:alpha val="56000"/>
+                    </a:schemeClr>
+                  </a:glow>
+                </a:effectLst>
+                <a:latin typeface="HGP行書体" panose="03000600000000000000" pitchFamily="66" charset="-128"/>
+                <a:ea typeface="HGP行書体" panose="03000600000000000000" pitchFamily="66" charset="-128"/>
+              </a:rPr>
+              <a:t>考えて繋げるべし</a:t>
+            </a:r>
+            <a:r>
+              <a:rPr lang="en-US" altLang="ja-JP" sz="2800" dirty="0">
+                <a:solidFill>
+                  <a:srgbClr val="FF0D0D"/>
+                </a:solidFill>
+                <a:effectLst>
+                  <a:glow rad="254000">
+                    <a:schemeClr val="bg1">
+                      <a:alpha val="56000"/>
+                    </a:schemeClr>
+                  </a:glow>
+                </a:effectLst>
+                <a:latin typeface="HGP行書体" panose="03000600000000000000" pitchFamily="66" charset="-128"/>
+                <a:ea typeface="HGP行書体" panose="03000600000000000000" pitchFamily="66" charset="-128"/>
+              </a:rPr>
+              <a:t>!!</a:t>
+            </a:r>
+            <a:endParaRPr kumimoji="1" lang="ja-JP" altLang="en-US" sz="2800" dirty="0">
+              <a:solidFill>
+                <a:srgbClr val="FF0D0D"/>
+              </a:solidFill>
+              <a:effectLst>
+                <a:glow rad="254000">
+                  <a:schemeClr val="bg1">
+                    <a:alpha val="56000"/>
+                  </a:schemeClr>
+                </a:glow>
+              </a:effectLst>
+              <a:latin typeface="HGP行書体" panose="03000600000000000000" pitchFamily="66" charset="-128"/>
+              <a:ea typeface="HGP行書体" panose="03000600000000000000" pitchFamily="66" charset="-128"/>
+            </a:endParaRPr>
+          </a:p>
+        </p:txBody>
+      </p:sp>
+      <p:sp>
+        <p:nvSpPr>
+          <p:cNvPr id="1037" name="テキスト ボックス 1036">
+            <a:extLst>
+              <a:ext uri="{FF2B5EF4-FFF2-40B4-BE49-F238E27FC236}">
+                <a16:creationId xmlns:a16="http://schemas.microsoft.com/office/drawing/2014/main" id="{C54BEC1D-ED9E-E202-176E-90791AF565CD}"/>
+              </a:ext>
+            </a:extLst>
+          </p:cNvPr>
+          <p:cNvSpPr txBox="1"/>
+          <p:nvPr/>
+        </p:nvSpPr>
+        <p:spPr>
+          <a:xfrm rot="1142291">
+            <a:off x="2463708" y="2645886"/>
+            <a:ext cx="1460035" cy="347447"/>
+          </a:xfrm>
+          <a:prstGeom prst="rect">
+            <a:avLst/>
+          </a:prstGeom>
+          <a:noFill/>
+        </p:spPr>
+        <p:txBody>
+          <a:bodyPr wrap="square" rtlCol="0">
+            <a:spAutoFit/>
+          </a:bodyPr>
+          <a:lstStyle/>
+          <a:p>
+            <a:r>
+              <a:rPr lang="ja-JP" altLang="en-US" sz="1600" dirty="0">
+                <a:solidFill>
+                  <a:srgbClr val="FF0D0D"/>
+                </a:solidFill>
+                <a:effectLst>
+                  <a:glow rad="381000">
+                    <a:schemeClr val="bg1">
+                      <a:alpha val="80000"/>
+                    </a:schemeClr>
+                  </a:glow>
+                </a:effectLst>
+                <a:latin typeface="HGP行書体" panose="03000600000000000000" pitchFamily="66" charset="-128"/>
+                <a:ea typeface="HGP行書体" panose="03000600000000000000" pitchFamily="66" charset="-128"/>
+              </a:rPr>
+              <a:t>繋げるべし</a:t>
+            </a:r>
+            <a:r>
+              <a:rPr lang="en-US" altLang="ja-JP" sz="1600" dirty="0">
+                <a:solidFill>
+                  <a:srgbClr val="FF0D0D"/>
+                </a:solidFill>
+                <a:effectLst>
+                  <a:glow rad="381000">
+                    <a:schemeClr val="bg1">
+                      <a:alpha val="80000"/>
+                    </a:schemeClr>
+                  </a:glow>
+                </a:effectLst>
+                <a:latin typeface="HGP行書体" panose="03000600000000000000" pitchFamily="66" charset="-128"/>
+                <a:ea typeface="HGP行書体" panose="03000600000000000000" pitchFamily="66" charset="-128"/>
+              </a:rPr>
+              <a:t>!!</a:t>
+            </a:r>
+            <a:endParaRPr kumimoji="1" lang="ja-JP" altLang="en-US" sz="1600" dirty="0">
+              <a:solidFill>
+                <a:srgbClr val="FF0D0D"/>
+              </a:solidFill>
+              <a:effectLst>
+                <a:glow rad="381000">
+                  <a:schemeClr val="bg1">
+                    <a:alpha val="80000"/>
+                  </a:schemeClr>
+                </a:glow>
+              </a:effectLst>
+              <a:latin typeface="HGP行書体" panose="03000600000000000000" pitchFamily="66" charset="-128"/>
+              <a:ea typeface="HGP行書体" panose="03000600000000000000" pitchFamily="66" charset="-128"/>
+            </a:endParaRPr>
+          </a:p>
+        </p:txBody>
+      </p:sp>
+      <p:sp>
+        <p:nvSpPr>
+          <p:cNvPr id="1038" name="テキスト ボックス 1037">
+            <a:extLst>
+              <a:ext uri="{FF2B5EF4-FFF2-40B4-BE49-F238E27FC236}">
+                <a16:creationId xmlns:a16="http://schemas.microsoft.com/office/drawing/2014/main" id="{8BBCC799-0D8D-794E-76C7-285BE3319247}"/>
+              </a:ext>
+            </a:extLst>
+          </p:cNvPr>
+          <p:cNvSpPr txBox="1"/>
+          <p:nvPr/>
+        </p:nvSpPr>
+        <p:spPr>
+          <a:xfrm rot="20283717">
+            <a:off x="4533420" y="2487687"/>
+            <a:ext cx="1460035" cy="347447"/>
+          </a:xfrm>
+          <a:prstGeom prst="rect">
+            <a:avLst/>
+          </a:prstGeom>
+          <a:noFill/>
+        </p:spPr>
+        <p:txBody>
+          <a:bodyPr wrap="square" rtlCol="0">
+            <a:spAutoFit/>
+          </a:bodyPr>
+          <a:lstStyle/>
+          <a:p>
+            <a:r>
+              <a:rPr lang="ja-JP" altLang="en-US" sz="1600" dirty="0">
+                <a:solidFill>
+                  <a:srgbClr val="FF0D0D"/>
+                </a:solidFill>
+                <a:effectLst>
+                  <a:glow rad="381000">
+                    <a:schemeClr val="bg1">
+                      <a:alpha val="80000"/>
+                    </a:schemeClr>
+                  </a:glow>
+                </a:effectLst>
+                <a:latin typeface="HGP行書体" panose="03000600000000000000" pitchFamily="66" charset="-128"/>
+                <a:ea typeface="HGP行書体" panose="03000600000000000000" pitchFamily="66" charset="-128"/>
+              </a:rPr>
+              <a:t>繋げるべし</a:t>
+            </a:r>
+            <a:r>
+              <a:rPr lang="en-US" altLang="ja-JP" sz="1600" dirty="0">
+                <a:solidFill>
+                  <a:srgbClr val="FF0D0D"/>
+                </a:solidFill>
+                <a:effectLst>
+                  <a:glow rad="381000">
+                    <a:schemeClr val="bg1">
+                      <a:alpha val="80000"/>
+                    </a:schemeClr>
+                  </a:glow>
+                </a:effectLst>
+                <a:latin typeface="HGP行書体" panose="03000600000000000000" pitchFamily="66" charset="-128"/>
+                <a:ea typeface="HGP行書体" panose="03000600000000000000" pitchFamily="66" charset="-128"/>
+              </a:rPr>
+              <a:t>!!</a:t>
+            </a:r>
+            <a:endParaRPr kumimoji="1" lang="ja-JP" altLang="en-US" sz="1600" dirty="0">
               <a:solidFill>
                 <a:srgbClr val="FF0D0D"/>
               </a:solidFill>

--- a/98_plan/DMC.pptx
+++ b/98_plan/DMC.pptx
@@ -3646,10 +3646,10 @@
       </p:grpSpPr>
       <p:pic>
         <p:nvPicPr>
-          <p:cNvPr id="1035" name="図 1034" descr="スポーツゲーム が含まれている画像&#10;&#10;自動的に生成された説明">
-            <a:extLst>
-              <a:ext uri="{FF2B5EF4-FFF2-40B4-BE49-F238E27FC236}">
-                <a16:creationId xmlns:a16="http://schemas.microsoft.com/office/drawing/2014/main" id="{94C919BC-283E-FA8B-1E31-851088556381}"/>
+          <p:cNvPr id="4" name="図 3" descr="レゴ, おもちゃ, テーブル, コンピュータ が含まれている画像&#10;&#10;自動的に生成された説明">
+            <a:extLst>
+              <a:ext uri="{FF2B5EF4-FFF2-40B4-BE49-F238E27FC236}">
+                <a16:creationId xmlns:a16="http://schemas.microsoft.com/office/drawing/2014/main" id="{7F937B8C-DC44-4720-647C-96080298AA75}"/>
               </a:ext>
             </a:extLst>
           </p:cNvPr>
@@ -3671,95 +3671,9 @@
           </a:stretch>
         </p:blipFill>
         <p:spPr>
-          <a:xfrm rot="878471" flipH="1">
-            <a:off x="5432996" y="3647841"/>
-            <a:ext cx="1269020" cy="1269020"/>
-          </a:xfrm>
-          <a:prstGeom prst="rect">
-            <a:avLst/>
-          </a:prstGeom>
-          <a:effectLst>
-            <a:glow rad="101600">
-              <a:schemeClr val="bg1">
-                <a:alpha val="80000"/>
-              </a:schemeClr>
-            </a:glow>
-          </a:effectLst>
-        </p:spPr>
-      </p:pic>
-      <p:pic>
-        <p:nvPicPr>
-          <p:cNvPr id="33" name="図 32">
-            <a:extLst>
-              <a:ext uri="{FF2B5EF4-FFF2-40B4-BE49-F238E27FC236}">
-                <a16:creationId xmlns:a16="http://schemas.microsoft.com/office/drawing/2014/main" id="{8454615C-0831-47FD-B08C-5840D9FAACD3}"/>
-              </a:ext>
-            </a:extLst>
-          </p:cNvPr>
-          <p:cNvPicPr>
-            <a:picLocks noChangeAspect="1"/>
-          </p:cNvPicPr>
-          <p:nvPr/>
-        </p:nvPicPr>
-        <p:blipFill>
-          <a:blip r:embed="rId3">
-            <a:extLst>
-              <a:ext uri="{28A0092B-C50C-407E-A947-70E740481C1C}">
-                <a14:useLocalDpi xmlns:a14="http://schemas.microsoft.com/office/drawing/2010/main" val="0"/>
-              </a:ext>
-            </a:extLst>
-          </a:blip>
-          <a:stretch>
-            <a:fillRect/>
-          </a:stretch>
-        </p:blipFill>
-        <p:spPr>
-          <a:xfrm flipH="1">
-            <a:off x="8606665" y="2525164"/>
-            <a:ext cx="1116084" cy="1116084"/>
-          </a:xfrm>
-          <a:prstGeom prst="rect">
-            <a:avLst/>
-          </a:prstGeom>
-          <a:effectLst>
-            <a:glow rad="825500">
-              <a:schemeClr val="bg2">
-                <a:alpha val="40000"/>
-              </a:schemeClr>
-            </a:glow>
-          </a:effectLst>
-        </p:spPr>
-      </p:pic>
-      <p:pic>
-        <p:nvPicPr>
-          <p:cNvPr id="1033" name="図 1032" descr="矢印 が含まれている画像&#10;&#10;自動的に生成された説明">
-            <a:extLst>
-              <a:ext uri="{FF2B5EF4-FFF2-40B4-BE49-F238E27FC236}">
-                <a16:creationId xmlns:a16="http://schemas.microsoft.com/office/drawing/2014/main" id="{155DDDE1-D762-C282-6881-235665877A2C}"/>
-              </a:ext>
-            </a:extLst>
-          </p:cNvPr>
-          <p:cNvPicPr>
-            <a:picLocks noChangeAspect="1"/>
-          </p:cNvPicPr>
-          <p:nvPr/>
-        </p:nvPicPr>
-        <p:blipFill>
-          <a:blip r:embed="rId4">
-            <a:extLst>
-              <a:ext uri="{28A0092B-C50C-407E-A947-70E740481C1C}">
-                <a14:useLocalDpi xmlns:a14="http://schemas.microsoft.com/office/drawing/2010/main" val="0"/>
-              </a:ext>
-            </a:extLst>
-          </a:blip>
-          <a:stretch>
-            <a:fillRect/>
-          </a:stretch>
-        </p:blipFill>
-        <p:spPr>
-          <a:xfrm rot="14682065">
-            <a:off x="1393035" y="1494724"/>
-            <a:ext cx="913004" cy="913004"/>
+          <a:xfrm>
+            <a:off x="129746" y="1405387"/>
+            <a:ext cx="7092275" cy="5319207"/>
           </a:xfrm>
           <a:prstGeom prst="rect">
             <a:avLst/>
@@ -3768,10 +3682,10 @@
       </p:pic>
       <p:pic>
         <p:nvPicPr>
-          <p:cNvPr id="60" name="図 59" descr="ヘルメット, フラグ, 帽子 が含まれている画像&#10;&#10;自動的に生成された説明">
-            <a:extLst>
-              <a:ext uri="{FF2B5EF4-FFF2-40B4-BE49-F238E27FC236}">
-                <a16:creationId xmlns:a16="http://schemas.microsoft.com/office/drawing/2014/main" id="{B0E2B7C0-7A20-5ABD-93C6-4FF56989E3AC}"/>
+          <p:cNvPr id="51" name="図 50" descr="アイコン&#10;&#10;自動的に生成された説明">
+            <a:extLst>
+              <a:ext uri="{FF2B5EF4-FFF2-40B4-BE49-F238E27FC236}">
+                <a16:creationId xmlns:a16="http://schemas.microsoft.com/office/drawing/2014/main" id="{30436E19-7B02-B09B-8211-B4C3980DFBE8}"/>
               </a:ext>
             </a:extLst>
           </p:cNvPr>
@@ -3781,7 +3695,7 @@
           <p:nvPr/>
         </p:nvPicPr>
         <p:blipFill>
-          <a:blip r:embed="rId5">
+          <a:blip r:embed="rId3">
             <a:extLst>
               <a:ext uri="{28A0092B-C50C-407E-A947-70E740481C1C}">
                 <a14:useLocalDpi xmlns:a14="http://schemas.microsoft.com/office/drawing/2010/main" val="0"/>
@@ -3793,17 +3707,17 @@
           </a:stretch>
         </p:blipFill>
         <p:spPr>
-          <a:xfrm>
-            <a:off x="9537139" y="2097263"/>
-            <a:ext cx="2171867" cy="1648272"/>
+          <a:xfrm rot="10421170">
+            <a:off x="1438518" y="1509519"/>
+            <a:ext cx="887602" cy="642544"/>
           </a:xfrm>
           <a:prstGeom prst="rect">
             <a:avLst/>
           </a:prstGeom>
           <a:effectLst>
-            <a:glow rad="76200">
+            <a:glow rad="101600">
               <a:schemeClr val="bg1">
-                <a:alpha val="62000"/>
+                <a:alpha val="90000"/>
               </a:schemeClr>
             </a:glow>
           </a:effectLst>
@@ -3811,137 +3725,6 @@
       </p:pic>
       <p:pic>
         <p:nvPicPr>
-          <p:cNvPr id="18" name="図 17">
-            <a:extLst>
-              <a:ext uri="{FF2B5EF4-FFF2-40B4-BE49-F238E27FC236}">
-                <a16:creationId xmlns:a16="http://schemas.microsoft.com/office/drawing/2014/main" id="{4ABFBE0B-1FB5-4842-BEDD-3698AE84FA8E}"/>
-              </a:ext>
-            </a:extLst>
-          </p:cNvPr>
-          <p:cNvPicPr>
-            <a:picLocks noChangeAspect="1"/>
-          </p:cNvPicPr>
-          <p:nvPr/>
-        </p:nvPicPr>
-        <p:blipFill>
-          <a:blip r:embed="rId6">
-            <a:extLst>
-              <a:ext uri="{28A0092B-C50C-407E-A947-70E740481C1C}">
-                <a14:useLocalDpi xmlns:a14="http://schemas.microsoft.com/office/drawing/2010/main" val="0"/>
-              </a:ext>
-            </a:extLst>
-          </a:blip>
-          <a:stretch>
-            <a:fillRect/>
-          </a:stretch>
-        </p:blipFill>
-        <p:spPr>
-          <a:xfrm>
-            <a:off x="255836" y="3056998"/>
-            <a:ext cx="2013244" cy="1425716"/>
-          </a:xfrm>
-          <a:prstGeom prst="rect">
-            <a:avLst/>
-          </a:prstGeom>
-          <a:effectLst>
-            <a:glow rad="342900">
-              <a:schemeClr val="bg2">
-                <a:alpha val="67000"/>
-              </a:schemeClr>
-            </a:glow>
-          </a:effectLst>
-        </p:spPr>
-      </p:pic>
-      <p:pic>
-        <p:nvPicPr>
-          <p:cNvPr id="14" name="図 13">
-            <a:extLst>
-              <a:ext uri="{FF2B5EF4-FFF2-40B4-BE49-F238E27FC236}">
-                <a16:creationId xmlns:a16="http://schemas.microsoft.com/office/drawing/2014/main" id="{4C7457C3-8A97-448E-988E-564FD8D21DFD}"/>
-              </a:ext>
-            </a:extLst>
-          </p:cNvPr>
-          <p:cNvPicPr>
-            <a:picLocks noChangeAspect="1"/>
-          </p:cNvPicPr>
-          <p:nvPr/>
-        </p:nvPicPr>
-        <p:blipFill>
-          <a:blip r:embed="rId7">
-            <a:extLst>
-              <a:ext uri="{28A0092B-C50C-407E-A947-70E740481C1C}">
-                <a14:useLocalDpi xmlns:a14="http://schemas.microsoft.com/office/drawing/2010/main" val="0"/>
-              </a:ext>
-            </a:extLst>
-          </a:blip>
-          <a:stretch>
-            <a:fillRect/>
-          </a:stretch>
-        </p:blipFill>
-        <p:spPr>
-          <a:xfrm flipH="1">
-            <a:off x="4398320" y="1911861"/>
-            <a:ext cx="829597" cy="1517555"/>
-          </a:xfrm>
-          <a:prstGeom prst="rect">
-            <a:avLst/>
-          </a:prstGeom>
-          <a:ln>
-            <a:noFill/>
-          </a:ln>
-          <a:effectLst>
-            <a:glow rad="1244600">
-              <a:schemeClr val="bg1">
-                <a:lumMod val="85000"/>
-                <a:alpha val="25000"/>
-              </a:schemeClr>
-            </a:glow>
-            <a:outerShdw blurRad="190500" algn="tl" rotWithShape="0">
-              <a:srgbClr val="000000">
-                <a:alpha val="70000"/>
-              </a:srgbClr>
-            </a:outerShdw>
-          </a:effectLst>
-        </p:spPr>
-      </p:pic>
-      <p:pic>
-        <p:nvPicPr>
-          <p:cNvPr id="16" name="図 15">
-            <a:extLst>
-              <a:ext uri="{FF2B5EF4-FFF2-40B4-BE49-F238E27FC236}">
-                <a16:creationId xmlns:a16="http://schemas.microsoft.com/office/drawing/2014/main" id="{AF40A118-2640-4901-A266-C0CDA46DE1F0}"/>
-              </a:ext>
-            </a:extLst>
-          </p:cNvPr>
-          <p:cNvPicPr>
-            <a:picLocks noChangeAspect="1"/>
-          </p:cNvPicPr>
-          <p:nvPr/>
-        </p:nvPicPr>
-        <p:blipFill>
-          <a:blip r:embed="rId8">
-            <a:extLst>
-              <a:ext uri="{28A0092B-C50C-407E-A947-70E740481C1C}">
-                <a14:useLocalDpi xmlns:a14="http://schemas.microsoft.com/office/drawing/2010/main" val="0"/>
-              </a:ext>
-            </a:extLst>
-          </a:blip>
-          <a:stretch>
-            <a:fillRect/>
-          </a:stretch>
-        </p:blipFill>
-        <p:spPr>
-          <a:xfrm>
-            <a:off x="4619786" y="4907457"/>
-            <a:ext cx="2522482" cy="1905137"/>
-          </a:xfrm>
-          <a:prstGeom prst="rect">
-            <a:avLst/>
-          </a:prstGeom>
-        </p:spPr>
-      </p:pic>
-      <p:pic>
-        <p:nvPicPr>
           <p:cNvPr id="8" name="Picture 2" descr="ペルソナ5タクティカDLCクリア！明智と芳澤とスプラトゥーン | ごじゃっぺ夢烏の保管庫。">
             <a:extLst>
               <a:ext uri="{FF2B5EF4-FFF2-40B4-BE49-F238E27FC236}">
@@ -3955,7 +3738,7 @@
           <p:nvPr/>
         </p:nvPicPr>
         <p:blipFill>
-          <a:blip r:embed="rId9">
+          <a:blip r:embed="rId4">
             <a:extLst>
               <a:ext uri="{28A0092B-C50C-407E-A947-70E740481C1C}">
                 <a14:useLocalDpi xmlns:a14="http://schemas.microsoft.com/office/drawing/2010/main" val="0"/>
@@ -3968,9 +3751,9 @@
           </a:stretch>
         </p:blipFill>
         <p:spPr bwMode="auto">
-          <a:xfrm rot="319766">
-            <a:off x="151078" y="4759022"/>
-            <a:ext cx="3220773" cy="1811685"/>
+          <a:xfrm rot="446172">
+            <a:off x="8978929" y="1050106"/>
+            <a:ext cx="2683041" cy="1509211"/>
           </a:xfrm>
           <a:prstGeom prst="rect">
             <a:avLst/>
@@ -3998,6 +3781,171 @@
       </p:pic>
       <p:pic>
         <p:nvPicPr>
+          <p:cNvPr id="1035" name="図 1034" descr="スポーツゲーム が含まれている画像&#10;&#10;自動的に生成された説明">
+            <a:extLst>
+              <a:ext uri="{FF2B5EF4-FFF2-40B4-BE49-F238E27FC236}">
+                <a16:creationId xmlns:a16="http://schemas.microsoft.com/office/drawing/2014/main" id="{94C919BC-283E-FA8B-1E31-851088556381}"/>
+              </a:ext>
+            </a:extLst>
+          </p:cNvPr>
+          <p:cNvPicPr>
+            <a:picLocks noChangeAspect="1"/>
+          </p:cNvPicPr>
+          <p:nvPr/>
+        </p:nvPicPr>
+        <p:blipFill>
+          <a:blip r:embed="rId5">
+            <a:extLst>
+              <a:ext uri="{28A0092B-C50C-407E-A947-70E740481C1C}">
+                <a14:useLocalDpi xmlns:a14="http://schemas.microsoft.com/office/drawing/2010/main" val="0"/>
+              </a:ext>
+            </a:extLst>
+          </a:blip>
+          <a:stretch>
+            <a:fillRect/>
+          </a:stretch>
+        </p:blipFill>
+        <p:spPr>
+          <a:xfrm rot="878471" flipH="1">
+            <a:off x="2001718" y="885948"/>
+            <a:ext cx="1098120" cy="1098120"/>
+          </a:xfrm>
+          <a:prstGeom prst="rect">
+            <a:avLst/>
+          </a:prstGeom>
+          <a:effectLst>
+            <a:glow rad="101600">
+              <a:schemeClr val="bg1">
+                <a:alpha val="80000"/>
+              </a:schemeClr>
+            </a:glow>
+          </a:effectLst>
+        </p:spPr>
+      </p:pic>
+      <p:pic>
+        <p:nvPicPr>
+          <p:cNvPr id="1033" name="図 1032" descr="矢印 が含まれている画像&#10;&#10;自動的に生成された説明">
+            <a:extLst>
+              <a:ext uri="{FF2B5EF4-FFF2-40B4-BE49-F238E27FC236}">
+                <a16:creationId xmlns:a16="http://schemas.microsoft.com/office/drawing/2014/main" id="{155DDDE1-D762-C282-6881-235665877A2C}"/>
+              </a:ext>
+            </a:extLst>
+          </p:cNvPr>
+          <p:cNvPicPr>
+            <a:picLocks noChangeAspect="1"/>
+          </p:cNvPicPr>
+          <p:nvPr/>
+        </p:nvPicPr>
+        <p:blipFill>
+          <a:blip r:embed="rId6">
+            <a:extLst>
+              <a:ext uri="{28A0092B-C50C-407E-A947-70E740481C1C}">
+                <a14:useLocalDpi xmlns:a14="http://schemas.microsoft.com/office/drawing/2010/main" val="0"/>
+              </a:ext>
+            </a:extLst>
+          </a:blip>
+          <a:stretch>
+            <a:fillRect/>
+          </a:stretch>
+        </p:blipFill>
+        <p:spPr>
+          <a:xfrm rot="14682065">
+            <a:off x="8922505" y="608529"/>
+            <a:ext cx="913004" cy="913004"/>
+          </a:xfrm>
+          <a:prstGeom prst="rect">
+            <a:avLst/>
+          </a:prstGeom>
+          <a:effectLst>
+            <a:glow rad="139700">
+              <a:schemeClr val="bg1">
+                <a:alpha val="81000"/>
+              </a:schemeClr>
+            </a:glow>
+          </a:effectLst>
+        </p:spPr>
+      </p:pic>
+      <p:pic>
+        <p:nvPicPr>
+          <p:cNvPr id="60" name="図 59" descr="ヘルメット, フラグ, 帽子 が含まれている画像&#10;&#10;自動的に生成された説明">
+            <a:extLst>
+              <a:ext uri="{FF2B5EF4-FFF2-40B4-BE49-F238E27FC236}">
+                <a16:creationId xmlns:a16="http://schemas.microsoft.com/office/drawing/2014/main" id="{B0E2B7C0-7A20-5ABD-93C6-4FF56989E3AC}"/>
+              </a:ext>
+            </a:extLst>
+          </p:cNvPr>
+          <p:cNvPicPr>
+            <a:picLocks noChangeAspect="1"/>
+          </p:cNvPicPr>
+          <p:nvPr/>
+        </p:nvPicPr>
+        <p:blipFill>
+          <a:blip r:embed="rId7">
+            <a:extLst>
+              <a:ext uri="{28A0092B-C50C-407E-A947-70E740481C1C}">
+                <a14:useLocalDpi xmlns:a14="http://schemas.microsoft.com/office/drawing/2010/main" val="0"/>
+              </a:ext>
+            </a:extLst>
+          </a:blip>
+          <a:stretch>
+            <a:fillRect/>
+          </a:stretch>
+        </p:blipFill>
+        <p:spPr>
+          <a:xfrm>
+            <a:off x="7274521" y="838785"/>
+            <a:ext cx="2171867" cy="1648272"/>
+          </a:xfrm>
+          <a:prstGeom prst="rect">
+            <a:avLst/>
+          </a:prstGeom>
+          <a:effectLst>
+            <a:glow rad="76200">
+              <a:schemeClr val="bg1">
+                <a:alpha val="75000"/>
+              </a:schemeClr>
+            </a:glow>
+          </a:effectLst>
+        </p:spPr>
+      </p:pic>
+      <p:pic>
+        <p:nvPicPr>
+          <p:cNvPr id="16" name="図 15">
+            <a:extLst>
+              <a:ext uri="{FF2B5EF4-FFF2-40B4-BE49-F238E27FC236}">
+                <a16:creationId xmlns:a16="http://schemas.microsoft.com/office/drawing/2014/main" id="{AF40A118-2640-4901-A266-C0CDA46DE1F0}"/>
+              </a:ext>
+            </a:extLst>
+          </p:cNvPr>
+          <p:cNvPicPr>
+            <a:picLocks noChangeAspect="1"/>
+          </p:cNvPicPr>
+          <p:nvPr/>
+        </p:nvPicPr>
+        <p:blipFill>
+          <a:blip r:embed="rId8">
+            <a:extLst>
+              <a:ext uri="{28A0092B-C50C-407E-A947-70E740481C1C}">
+                <a14:useLocalDpi xmlns:a14="http://schemas.microsoft.com/office/drawing/2010/main" val="0"/>
+              </a:ext>
+            </a:extLst>
+          </a:blip>
+          <a:stretch>
+            <a:fillRect/>
+          </a:stretch>
+        </p:blipFill>
+        <p:spPr>
+          <a:xfrm rot="21259021">
+            <a:off x="9466693" y="2607484"/>
+            <a:ext cx="2522482" cy="1905137"/>
+          </a:xfrm>
+          <a:prstGeom prst="rect">
+            <a:avLst/>
+          </a:prstGeom>
+        </p:spPr>
+      </p:pic>
+      <p:pic>
+        <p:nvPicPr>
           <p:cNvPr id="1028" name="Picture 4">
             <a:extLst>
               <a:ext uri="{FF2B5EF4-FFF2-40B4-BE49-F238E27FC236}">
@@ -4011,7 +3959,7 @@
           <p:nvPr/>
         </p:nvPicPr>
         <p:blipFill>
-          <a:blip r:embed="rId10">
+          <a:blip r:embed="rId9">
             <a:extLst>
               <a:ext uri="{28A0092B-C50C-407E-A947-70E740481C1C}">
                 <a14:useLocalDpi xmlns:a14="http://schemas.microsoft.com/office/drawing/2010/main" val="0"/>
@@ -4025,8 +3973,8 @@
         </p:blipFill>
         <p:spPr bwMode="auto">
           <a:xfrm rot="442292">
-            <a:off x="8279386" y="4453405"/>
-            <a:ext cx="3681040" cy="2070585"/>
+            <a:off x="8727128" y="4804274"/>
+            <a:ext cx="3186645" cy="1792488"/>
           </a:xfrm>
           <a:prstGeom prst="rect">
             <a:avLst/>
@@ -4351,8 +4299,8 @@
         </p:nvSpPr>
         <p:spPr>
           <a:xfrm rot="21480000">
-            <a:off x="3437885" y="980254"/>
-            <a:ext cx="5118709" cy="646331"/>
+            <a:off x="2922253" y="889071"/>
+            <a:ext cx="6356227" cy="646331"/>
           </a:xfrm>
           <a:prstGeom prst="rect">
             <a:avLst/>
@@ -4380,7 +4328,7 @@
                 <a:latin typeface="HGP行書体" panose="03000600000000000000" pitchFamily="66" charset="-128"/>
                 <a:ea typeface="HGP行書体" panose="03000600000000000000" pitchFamily="66" charset="-128"/>
               </a:rPr>
-              <a:t>多彩な忍具で爽快コンボ</a:t>
+              <a:t>多彩な忍具と忍術で爽快コンボ</a:t>
             </a:r>
             <a:r>
               <a:rPr kumimoji="1" lang="en-US" altLang="ja-JP" sz="3600" dirty="0">
@@ -4430,8 +4378,8 @@
         </p:nvSpPr>
         <p:spPr>
           <a:xfrm rot="21243675">
-            <a:off x="7425030" y="1454350"/>
-            <a:ext cx="1848809" cy="338554"/>
+            <a:off x="1068236" y="2365291"/>
+            <a:ext cx="1970754" cy="338554"/>
           </a:xfrm>
           <a:prstGeom prst="rect">
             <a:avLst/>
@@ -4478,6 +4426,23 @@
               </a:rPr>
               <a:t>するべし</a:t>
             </a:r>
+            <a:r>
+              <a:rPr lang="en-US" altLang="ja-JP" sz="1600" dirty="0">
+                <a:solidFill>
+                  <a:srgbClr val="FF0D0D"/>
+                </a:solidFill>
+                <a:effectLst>
+                  <a:glow rad="381000">
+                    <a:schemeClr val="bg1">
+                      <a:alpha val="80000"/>
+                    </a:schemeClr>
+                  </a:glow>
+                </a:effectLst>
+                <a:latin typeface="HGP行書体" panose="03000600000000000000" pitchFamily="66" charset="-128"/>
+                <a:ea typeface="HGP行書体" panose="03000600000000000000" pitchFamily="66" charset="-128"/>
+              </a:rPr>
+              <a:t>!!</a:t>
+            </a:r>
             <a:endParaRPr kumimoji="1" lang="ja-JP" altLang="en-US" sz="1600" dirty="0">
               <a:solidFill>
                 <a:srgbClr val="FF0D0D"/>
@@ -4509,7 +4474,7 @@
         </p:nvSpPr>
         <p:spPr>
           <a:xfrm rot="21380619">
-            <a:off x="8163779" y="6099698"/>
+            <a:off x="8481719" y="6076900"/>
             <a:ext cx="3446777" cy="584775"/>
           </a:xfrm>
           <a:prstGeom prst="rect">
@@ -4622,7 +4587,7 @@
         </p:nvSpPr>
         <p:spPr>
           <a:xfrm rot="421644">
-            <a:off x="4324653" y="4820904"/>
+            <a:off x="7204835" y="3289955"/>
             <a:ext cx="3983783" cy="1077218"/>
           </a:xfrm>
           <a:prstGeom prst="rect">
@@ -4759,10 +4724,10 @@
       </p:sp>
       <p:sp>
         <p:nvSpPr>
-          <p:cNvPr id="29" name="テキスト ボックス 28">
-            <a:extLst>
-              <a:ext uri="{FF2B5EF4-FFF2-40B4-BE49-F238E27FC236}">
-                <a16:creationId xmlns:a16="http://schemas.microsoft.com/office/drawing/2014/main" id="{5265A67F-81E6-2802-1316-95FF40CF15B7}"/>
+          <p:cNvPr id="30" name="テキスト ボックス 29">
+            <a:extLst>
+              <a:ext uri="{FF2B5EF4-FFF2-40B4-BE49-F238E27FC236}">
+                <a16:creationId xmlns:a16="http://schemas.microsoft.com/office/drawing/2014/main" id="{26A41DBB-0FCD-7B01-2003-15E6CB020A58}"/>
               </a:ext>
             </a:extLst>
           </p:cNvPr>
@@ -4770,56 +4735,8 @@
           <p:nvPr/>
         </p:nvSpPr>
         <p:spPr>
-          <a:xfrm rot="255006">
-            <a:off x="3388501" y="817303"/>
-            <a:ext cx="2103461" cy="369332"/>
-          </a:xfrm>
-          <a:prstGeom prst="rect">
-            <a:avLst/>
-          </a:prstGeom>
-          <a:noFill/>
-        </p:spPr>
-        <p:txBody>
-          <a:bodyPr wrap="none" rtlCol="0">
-            <a:spAutoFit/>
-          </a:bodyPr>
-          <a:lstStyle/>
-          <a:p>
-            <a:r>
-              <a:rPr kumimoji="1" lang="ja-JP" altLang="en-US" dirty="0">
-                <a:solidFill>
-                  <a:srgbClr val="FF0D0D"/>
-                </a:solidFill>
-                <a:effectLst>
-                  <a:glow rad="381000">
-                    <a:schemeClr val="bg1">
-                      <a:alpha val="80000"/>
-                    </a:schemeClr>
-                  </a:glow>
-                </a:effectLst>
-                <a:latin typeface="HGP行書体" panose="03000600000000000000" pitchFamily="66" charset="-128"/>
-                <a:ea typeface="HGP行書体" panose="03000600000000000000" pitchFamily="66" charset="-128"/>
-              </a:rPr>
-              <a:t>アドレナリン全開！！</a:t>
-            </a:r>
-          </a:p>
-        </p:txBody>
-      </p:sp>
-      <p:sp>
-        <p:nvSpPr>
-          <p:cNvPr id="30" name="テキスト ボックス 29">
-            <a:extLst>
-              <a:ext uri="{FF2B5EF4-FFF2-40B4-BE49-F238E27FC236}">
-                <a16:creationId xmlns:a16="http://schemas.microsoft.com/office/drawing/2014/main" id="{26A41DBB-0FCD-7B01-2003-15E6CB020A58}"/>
-              </a:ext>
-            </a:extLst>
-          </p:cNvPr>
-          <p:cNvSpPr txBox="1"/>
-          <p:nvPr/>
-        </p:nvSpPr>
-        <p:spPr>
           <a:xfrm rot="20958421">
-            <a:off x="40147" y="5340029"/>
+            <a:off x="7678009" y="1622256"/>
             <a:ext cx="4479111" cy="1200329"/>
           </a:xfrm>
           <a:prstGeom prst="rect">
@@ -4951,287 +4868,12 @@
           </a:p>
         </p:txBody>
       </p:sp>
-      <p:grpSp>
-        <p:nvGrpSpPr>
-          <p:cNvPr id="38" name="グループ化 37">
-            <a:extLst>
-              <a:ext uri="{FF2B5EF4-FFF2-40B4-BE49-F238E27FC236}">
-                <a16:creationId xmlns:a16="http://schemas.microsoft.com/office/drawing/2014/main" id="{E7F0EA83-8F15-0C7F-E18C-2437122C6845}"/>
-              </a:ext>
-            </a:extLst>
-          </p:cNvPr>
-          <p:cNvGrpSpPr/>
-          <p:nvPr/>
-        </p:nvGrpSpPr>
-        <p:grpSpPr>
-          <a:xfrm>
-            <a:off x="-49240" y="1784940"/>
-            <a:ext cx="2722559" cy="1138725"/>
-            <a:chOff x="10647606" y="10423"/>
-            <a:chExt cx="2722559" cy="1138725"/>
-          </a:xfrm>
-        </p:grpSpPr>
-        <p:sp>
-          <p:nvSpPr>
-            <p:cNvPr id="5" name="テキスト ボックス 4">
-              <a:extLst>
-                <a:ext uri="{FF2B5EF4-FFF2-40B4-BE49-F238E27FC236}">
-                  <a16:creationId xmlns:a16="http://schemas.microsoft.com/office/drawing/2014/main" id="{9F7FC36F-48E7-4C68-9E41-E6421F9C7EED}"/>
-                </a:ext>
-              </a:extLst>
-            </p:cNvPr>
-            <p:cNvSpPr txBox="1"/>
-            <p:nvPr/>
-          </p:nvSpPr>
-          <p:spPr>
-            <a:xfrm rot="21355279">
-              <a:off x="11064699" y="10423"/>
-              <a:ext cx="1308371" cy="369332"/>
-            </a:xfrm>
-            <a:prstGeom prst="rect">
-              <a:avLst/>
-            </a:prstGeom>
-            <a:noFill/>
-          </p:spPr>
-          <p:txBody>
-            <a:bodyPr wrap="none" rtlCol="0">
-              <a:spAutoFit/>
-            </a:bodyPr>
-            <a:lstStyle/>
-            <a:p>
-              <a:r>
-                <a:rPr kumimoji="1" lang="ja-JP" altLang="en-US" dirty="0">
-                  <a:solidFill>
-                    <a:srgbClr val="FF0D0D"/>
-                  </a:solidFill>
-                  <a:effectLst>
-                    <a:glow rad="127000">
-                      <a:schemeClr val="bg1">
-                        <a:alpha val="90000"/>
-                      </a:schemeClr>
-                    </a:glow>
-                  </a:effectLst>
-                  <a:latin typeface="HGP行書体" panose="03000600000000000000" pitchFamily="66" charset="-128"/>
-                  <a:ea typeface="HGP行書体" panose="03000600000000000000" pitchFamily="66" charset="-128"/>
-                </a:rPr>
-                <a:t>クナイ投げ</a:t>
-              </a:r>
-              <a:r>
-                <a:rPr kumimoji="1" lang="en-US" altLang="ja-JP" dirty="0">
-                  <a:solidFill>
-                    <a:srgbClr val="FF0D0D"/>
-                  </a:solidFill>
-                  <a:effectLst>
-                    <a:glow rad="127000">
-                      <a:schemeClr val="bg1">
-                        <a:alpha val="90000"/>
-                      </a:schemeClr>
-                    </a:glow>
-                  </a:effectLst>
-                  <a:latin typeface="HGP行書体" panose="03000600000000000000" pitchFamily="66" charset="-128"/>
-                  <a:ea typeface="HGP行書体" panose="03000600000000000000" pitchFamily="66" charset="-128"/>
-                </a:rPr>
-                <a:t>!!</a:t>
-              </a:r>
-              <a:endParaRPr kumimoji="1" lang="ja-JP" altLang="en-US" dirty="0">
-                <a:solidFill>
-                  <a:srgbClr val="FF0D0D"/>
-                </a:solidFill>
-                <a:effectLst>
-                  <a:glow rad="127000">
-                    <a:schemeClr val="bg1">
-                      <a:alpha val="90000"/>
-                    </a:schemeClr>
-                  </a:glow>
-                </a:effectLst>
-                <a:latin typeface="HGP行書体" panose="03000600000000000000" pitchFamily="66" charset="-128"/>
-                <a:ea typeface="HGP行書体" panose="03000600000000000000" pitchFamily="66" charset="-128"/>
-              </a:endParaRPr>
-            </a:p>
-          </p:txBody>
-        </p:sp>
-        <p:sp>
-          <p:nvSpPr>
-            <p:cNvPr id="15" name="テキスト ボックス 14">
-              <a:extLst>
-                <a:ext uri="{FF2B5EF4-FFF2-40B4-BE49-F238E27FC236}">
-                  <a16:creationId xmlns:a16="http://schemas.microsoft.com/office/drawing/2014/main" id="{91AE3370-908D-BD55-0760-CC23D0321F2A}"/>
-                </a:ext>
-              </a:extLst>
-            </p:cNvPr>
-            <p:cNvSpPr txBox="1"/>
-            <p:nvPr/>
-          </p:nvSpPr>
-          <p:spPr>
-            <a:xfrm rot="274479">
-              <a:off x="11443034" y="240708"/>
-              <a:ext cx="1927131" cy="523220"/>
-            </a:xfrm>
-            <a:prstGeom prst="rect">
-              <a:avLst/>
-            </a:prstGeom>
-            <a:noFill/>
-          </p:spPr>
-          <p:txBody>
-            <a:bodyPr wrap="none" rtlCol="0">
-              <a:spAutoFit/>
-            </a:bodyPr>
-            <a:lstStyle/>
-            <a:p>
-              <a:r>
-                <a:rPr kumimoji="1" lang="ja-JP" altLang="en-US" sz="2800" dirty="0">
-                  <a:solidFill>
-                    <a:srgbClr val="FF0D0D"/>
-                  </a:solidFill>
-                  <a:effectLst>
-                    <a:glow rad="254000">
-                      <a:schemeClr val="bg1">
-                        <a:alpha val="90000"/>
-                      </a:schemeClr>
-                    </a:glow>
-                  </a:effectLst>
-                  <a:latin typeface="HGP行書体" panose="03000600000000000000" pitchFamily="66" charset="-128"/>
-                  <a:ea typeface="HGP行書体" panose="03000600000000000000" pitchFamily="66" charset="-128"/>
-                </a:rPr>
-                <a:t>忍者キック</a:t>
-              </a:r>
-              <a:r>
-                <a:rPr kumimoji="1" lang="en-US" altLang="ja-JP" sz="2800" dirty="0">
-                  <a:solidFill>
-                    <a:srgbClr val="FF0D0D"/>
-                  </a:solidFill>
-                  <a:effectLst>
-                    <a:glow rad="254000">
-                      <a:schemeClr val="bg1">
-                        <a:alpha val="90000"/>
-                      </a:schemeClr>
-                    </a:glow>
-                  </a:effectLst>
-                  <a:latin typeface="HGP行書体" panose="03000600000000000000" pitchFamily="66" charset="-128"/>
-                  <a:ea typeface="HGP行書体" panose="03000600000000000000" pitchFamily="66" charset="-128"/>
-                </a:rPr>
-                <a:t>!!</a:t>
-              </a:r>
-              <a:endParaRPr kumimoji="1" lang="ja-JP" altLang="en-US" sz="2800" dirty="0">
-                <a:solidFill>
-                  <a:srgbClr val="FF0D0D"/>
-                </a:solidFill>
-                <a:effectLst>
-                  <a:glow rad="254000">
-                    <a:schemeClr val="bg1">
-                      <a:alpha val="90000"/>
-                    </a:schemeClr>
-                  </a:glow>
-                </a:effectLst>
-                <a:latin typeface="HGP行書体" panose="03000600000000000000" pitchFamily="66" charset="-128"/>
-                <a:ea typeface="HGP行書体" panose="03000600000000000000" pitchFamily="66" charset="-128"/>
-              </a:endParaRPr>
-            </a:p>
-          </p:txBody>
-        </p:sp>
-        <p:sp>
-          <p:nvSpPr>
-            <p:cNvPr id="17" name="テキスト ボックス 16">
-              <a:extLst>
-                <a:ext uri="{FF2B5EF4-FFF2-40B4-BE49-F238E27FC236}">
-                  <a16:creationId xmlns:a16="http://schemas.microsoft.com/office/drawing/2014/main" id="{340B4153-BDCA-79D7-DAA9-D3B80987AA43}"/>
-                </a:ext>
-              </a:extLst>
-            </p:cNvPr>
-            <p:cNvSpPr txBox="1"/>
-            <p:nvPr/>
-          </p:nvSpPr>
-          <p:spPr>
-            <a:xfrm rot="21427107">
-              <a:off x="10647606" y="595150"/>
-              <a:ext cx="2408032" cy="553998"/>
-            </a:xfrm>
-            <a:prstGeom prst="rect">
-              <a:avLst/>
-            </a:prstGeom>
-            <a:noFill/>
-          </p:spPr>
-          <p:txBody>
-            <a:bodyPr wrap="none" rtlCol="0">
-              <a:spAutoFit/>
-            </a:bodyPr>
-            <a:lstStyle/>
-            <a:p>
-              <a:r>
-                <a:rPr lang="ja-JP" altLang="en-US" sz="3000" dirty="0">
-                  <a:solidFill>
-                    <a:srgbClr val="FF0D0D"/>
-                  </a:solidFill>
-                  <a:effectLst>
-                    <a:glow rad="254000">
-                      <a:schemeClr val="bg1">
-                        <a:alpha val="90000"/>
-                      </a:schemeClr>
-                    </a:glow>
-                  </a:effectLst>
-                  <a:latin typeface="HGP行書体" panose="03000600000000000000" pitchFamily="66" charset="-128"/>
-                  <a:ea typeface="HGP行書体" panose="03000600000000000000" pitchFamily="66" charset="-128"/>
-                </a:rPr>
-                <a:t>忍刀</a:t>
-              </a:r>
-              <a:r>
-                <a:rPr kumimoji="1" lang="ja-JP" altLang="en-US" sz="3000" dirty="0">
-                  <a:solidFill>
-                    <a:srgbClr val="FF0D0D"/>
-                  </a:solidFill>
-                  <a:effectLst>
-                    <a:glow rad="254000">
-                      <a:schemeClr val="bg1">
-                        <a:alpha val="90000"/>
-                      </a:schemeClr>
-                    </a:glow>
-                  </a:effectLst>
-                  <a:latin typeface="HGP行書体" panose="03000600000000000000" pitchFamily="66" charset="-128"/>
-                  <a:ea typeface="HGP行書体" panose="03000600000000000000" pitchFamily="66" charset="-128"/>
-                </a:rPr>
-                <a:t>でとどめ</a:t>
-              </a:r>
-              <a:r>
-                <a:rPr kumimoji="1" lang="en-US" altLang="ja-JP" sz="3000" dirty="0">
-                  <a:solidFill>
-                    <a:srgbClr val="FF0D0D"/>
-                  </a:solidFill>
-                  <a:effectLst>
-                    <a:glow rad="254000">
-                      <a:schemeClr val="bg1">
-                        <a:alpha val="90000"/>
-                      </a:schemeClr>
-                    </a:glow>
-                  </a:effectLst>
-                  <a:latin typeface="HGP行書体" panose="03000600000000000000" pitchFamily="66" charset="-128"/>
-                  <a:ea typeface="HGP行書体" panose="03000600000000000000" pitchFamily="66" charset="-128"/>
-                </a:rPr>
-                <a:t>!!</a:t>
-              </a:r>
-              <a:endParaRPr kumimoji="1" lang="ja-JP" altLang="en-US" sz="3000" dirty="0">
-                <a:solidFill>
-                  <a:srgbClr val="FF0D0D"/>
-                </a:solidFill>
-                <a:effectLst>
-                  <a:glow rad="254000">
-                    <a:schemeClr val="bg1">
-                      <a:alpha val="90000"/>
-                    </a:schemeClr>
-                  </a:glow>
-                </a:effectLst>
-                <a:latin typeface="HGP行書体" panose="03000600000000000000" pitchFamily="66" charset="-128"/>
-                <a:ea typeface="HGP行書体" panose="03000600000000000000" pitchFamily="66" charset="-128"/>
-              </a:endParaRPr>
-            </a:p>
-          </p:txBody>
-        </p:sp>
-      </p:grpSp>
-      <p:sp>
-        <p:nvSpPr>
-          <p:cNvPr id="42" name="テキスト ボックス 41">
-            <a:extLst>
-              <a:ext uri="{FF2B5EF4-FFF2-40B4-BE49-F238E27FC236}">
-                <a16:creationId xmlns:a16="http://schemas.microsoft.com/office/drawing/2014/main" id="{0DB36F1D-7BDC-B53A-B2F8-985A5B82B4D0}"/>
+      <p:sp>
+        <p:nvSpPr>
+          <p:cNvPr id="62" name="テキスト ボックス 61">
+            <a:extLst>
+              <a:ext uri="{FF2B5EF4-FFF2-40B4-BE49-F238E27FC236}">
+                <a16:creationId xmlns:a16="http://schemas.microsoft.com/office/drawing/2014/main" id="{C83AFEB8-A3C1-572D-00EE-ADC89EE50656}"/>
               </a:ext>
             </a:extLst>
           </p:cNvPr>
@@ -5239,916 +4881,8 @@
           <p:nvPr/>
         </p:nvSpPr>
         <p:spPr>
-          <a:xfrm>
-            <a:off x="-70471" y="1337190"/>
-            <a:ext cx="2557110" cy="523220"/>
-          </a:xfrm>
-          <a:prstGeom prst="rect">
-            <a:avLst/>
-          </a:prstGeom>
-          <a:noFill/>
-        </p:spPr>
-        <p:txBody>
-          <a:bodyPr wrap="none" rtlCol="0">
-            <a:spAutoFit/>
-          </a:bodyPr>
-          <a:lstStyle/>
-          <a:p>
-            <a:r>
-              <a:rPr lang="ja-JP" altLang="en-US" sz="2800" dirty="0">
-                <a:solidFill>
-                  <a:srgbClr val="FF0D0D"/>
-                </a:solidFill>
-                <a:effectLst>
-                  <a:glow rad="127000">
-                    <a:schemeClr val="bg1"/>
-                  </a:glow>
-                </a:effectLst>
-                <a:latin typeface="HGP行書体" panose="03000600000000000000" pitchFamily="66" charset="-128"/>
-                <a:ea typeface="HGP行書体" panose="03000600000000000000" pitchFamily="66" charset="-128"/>
-              </a:rPr>
-              <a:t>中距離</a:t>
-            </a:r>
-            <a:r>
-              <a:rPr kumimoji="1" lang="ja-JP" altLang="en-US" sz="2800" dirty="0">
-                <a:solidFill>
-                  <a:srgbClr val="FF0D0D"/>
-                </a:solidFill>
-                <a:effectLst>
-                  <a:glow rad="127000">
-                    <a:schemeClr val="bg1"/>
-                  </a:glow>
-                </a:effectLst>
-                <a:latin typeface="HGP行書体" panose="03000600000000000000" pitchFamily="66" charset="-128"/>
-                <a:ea typeface="HGP行書体" panose="03000600000000000000" pitchFamily="66" charset="-128"/>
-              </a:rPr>
-              <a:t>の敵に</a:t>
-            </a:r>
-            <a:r>
-              <a:rPr kumimoji="1" lang="en-US" altLang="ja-JP" sz="2800" dirty="0">
-                <a:solidFill>
-                  <a:srgbClr val="FF0D0D"/>
-                </a:solidFill>
-                <a:effectLst>
-                  <a:glow rad="127000">
-                    <a:schemeClr val="bg1"/>
-                  </a:glow>
-                </a:effectLst>
-                <a:latin typeface="HGP行書体" panose="03000600000000000000" pitchFamily="66" charset="-128"/>
-                <a:ea typeface="HGP行書体" panose="03000600000000000000" pitchFamily="66" charset="-128"/>
-              </a:rPr>
-              <a:t>…</a:t>
-            </a:r>
-            <a:endParaRPr kumimoji="1" lang="ja-JP" altLang="en-US" sz="2800" dirty="0">
-              <a:solidFill>
-                <a:srgbClr val="FF0D0D"/>
-              </a:solidFill>
-              <a:effectLst>
-                <a:glow rad="127000">
-                  <a:schemeClr val="bg1"/>
-                </a:glow>
-              </a:effectLst>
-              <a:latin typeface="HGP行書体" panose="03000600000000000000" pitchFamily="66" charset="-128"/>
-              <a:ea typeface="HGP行書体" panose="03000600000000000000" pitchFamily="66" charset="-128"/>
-            </a:endParaRPr>
-          </a:p>
-        </p:txBody>
-      </p:sp>
-      <p:sp>
-        <p:nvSpPr>
-          <p:cNvPr id="43" name="テキスト ボックス 42">
-            <a:extLst>
-              <a:ext uri="{FF2B5EF4-FFF2-40B4-BE49-F238E27FC236}">
-                <a16:creationId xmlns:a16="http://schemas.microsoft.com/office/drawing/2014/main" id="{4EDBAA23-B094-B781-425E-2F5BC74E10F1}"/>
-              </a:ext>
-            </a:extLst>
-          </p:cNvPr>
-          <p:cNvSpPr txBox="1"/>
-          <p:nvPr/>
-        </p:nvSpPr>
-        <p:spPr>
-          <a:xfrm>
-            <a:off x="5434337" y="1833541"/>
-            <a:ext cx="2364750" cy="523220"/>
-          </a:xfrm>
-          <a:prstGeom prst="rect">
-            <a:avLst/>
-          </a:prstGeom>
-          <a:noFill/>
-        </p:spPr>
-        <p:txBody>
-          <a:bodyPr wrap="none" rtlCol="0">
-            <a:spAutoFit/>
-          </a:bodyPr>
-          <a:lstStyle/>
-          <a:p>
-            <a:r>
-              <a:rPr lang="ja-JP" altLang="en-US" sz="2800" dirty="0">
-                <a:solidFill>
-                  <a:srgbClr val="FF0D0D"/>
-                </a:solidFill>
-                <a:effectLst>
-                  <a:glow rad="127000">
-                    <a:schemeClr val="bg1"/>
-                  </a:glow>
-                </a:effectLst>
-                <a:latin typeface="HGP行書体" panose="03000600000000000000" pitchFamily="66" charset="-128"/>
-                <a:ea typeface="HGP行書体" panose="03000600000000000000" pitchFamily="66" charset="-128"/>
-              </a:rPr>
-              <a:t>攻撃されても</a:t>
-            </a:r>
-            <a:r>
-              <a:rPr kumimoji="1" lang="en-US" altLang="ja-JP" sz="2800" dirty="0">
-                <a:solidFill>
-                  <a:srgbClr val="FF0D0D"/>
-                </a:solidFill>
-                <a:effectLst>
-                  <a:glow rad="127000">
-                    <a:schemeClr val="bg1"/>
-                  </a:glow>
-                </a:effectLst>
-                <a:latin typeface="HGP行書体" panose="03000600000000000000" pitchFamily="66" charset="-128"/>
-                <a:ea typeface="HGP行書体" panose="03000600000000000000" pitchFamily="66" charset="-128"/>
-              </a:rPr>
-              <a:t>…</a:t>
-            </a:r>
-            <a:endParaRPr kumimoji="1" lang="ja-JP" altLang="en-US" sz="2800" dirty="0">
-              <a:solidFill>
-                <a:srgbClr val="FF0D0D"/>
-              </a:solidFill>
-              <a:effectLst>
-                <a:glow rad="127000">
-                  <a:schemeClr val="bg1"/>
-                </a:glow>
-              </a:effectLst>
-              <a:latin typeface="HGP行書体" panose="03000600000000000000" pitchFamily="66" charset="-128"/>
-              <a:ea typeface="HGP行書体" panose="03000600000000000000" pitchFamily="66" charset="-128"/>
-            </a:endParaRPr>
-          </a:p>
-        </p:txBody>
-      </p:sp>
-      <p:grpSp>
-        <p:nvGrpSpPr>
-          <p:cNvPr id="44" name="グループ化 43">
-            <a:extLst>
-              <a:ext uri="{FF2B5EF4-FFF2-40B4-BE49-F238E27FC236}">
-                <a16:creationId xmlns:a16="http://schemas.microsoft.com/office/drawing/2014/main" id="{65702D33-5D67-42A7-9C5F-D246C78E6816}"/>
-              </a:ext>
-            </a:extLst>
-          </p:cNvPr>
-          <p:cNvGrpSpPr/>
-          <p:nvPr/>
-        </p:nvGrpSpPr>
-        <p:grpSpPr>
-          <a:xfrm>
-            <a:off x="5100977" y="2260254"/>
-            <a:ext cx="3865486" cy="1667446"/>
-            <a:chOff x="10006920" y="10423"/>
-            <a:chExt cx="3865486" cy="1667446"/>
-          </a:xfrm>
-        </p:grpSpPr>
-        <p:sp>
-          <p:nvSpPr>
-            <p:cNvPr id="45" name="テキスト ボックス 44">
-              <a:extLst>
-                <a:ext uri="{FF2B5EF4-FFF2-40B4-BE49-F238E27FC236}">
-                  <a16:creationId xmlns:a16="http://schemas.microsoft.com/office/drawing/2014/main" id="{9D2582FF-5803-F5E9-F503-FE3E42D6CD03}"/>
-                </a:ext>
-              </a:extLst>
-            </p:cNvPr>
-            <p:cNvSpPr txBox="1"/>
-            <p:nvPr/>
-          </p:nvSpPr>
-          <p:spPr>
-            <a:xfrm rot="21355279">
-              <a:off x="10716850" y="10423"/>
-              <a:ext cx="2004075" cy="369332"/>
-            </a:xfrm>
-            <a:prstGeom prst="rect">
-              <a:avLst/>
-            </a:prstGeom>
-            <a:noFill/>
-          </p:spPr>
-          <p:txBody>
-            <a:bodyPr wrap="none" rtlCol="0">
-              <a:spAutoFit/>
-            </a:bodyPr>
-            <a:lstStyle/>
-            <a:p>
-              <a:r>
-                <a:rPr kumimoji="1" lang="ja-JP" altLang="en-US" dirty="0">
-                  <a:solidFill>
-                    <a:srgbClr val="FF0D0D"/>
-                  </a:solidFill>
-                  <a:effectLst>
-                    <a:glow rad="127000">
-                      <a:schemeClr val="bg1">
-                        <a:alpha val="90000"/>
-                      </a:schemeClr>
-                    </a:glow>
-                  </a:effectLst>
-                  <a:latin typeface="HGP行書体" panose="03000600000000000000" pitchFamily="66" charset="-128"/>
-                  <a:ea typeface="HGP行書体" panose="03000600000000000000" pitchFamily="66" charset="-128"/>
-                </a:rPr>
-                <a:t>煙玉で視界を遮る</a:t>
-              </a:r>
-              <a:r>
-                <a:rPr kumimoji="1" lang="en-US" altLang="ja-JP" dirty="0">
-                  <a:solidFill>
-                    <a:srgbClr val="FF0D0D"/>
-                  </a:solidFill>
-                  <a:effectLst>
-                    <a:glow rad="127000">
-                      <a:schemeClr val="bg1">
-                        <a:alpha val="90000"/>
-                      </a:schemeClr>
-                    </a:glow>
-                  </a:effectLst>
-                  <a:latin typeface="HGP行書体" panose="03000600000000000000" pitchFamily="66" charset="-128"/>
-                  <a:ea typeface="HGP行書体" panose="03000600000000000000" pitchFamily="66" charset="-128"/>
-                </a:rPr>
-                <a:t>!!</a:t>
-              </a:r>
-              <a:endParaRPr kumimoji="1" lang="ja-JP" altLang="en-US" dirty="0">
-                <a:solidFill>
-                  <a:srgbClr val="FF0D0D"/>
-                </a:solidFill>
-                <a:effectLst>
-                  <a:glow rad="127000">
-                    <a:schemeClr val="bg1">
-                      <a:alpha val="90000"/>
-                    </a:schemeClr>
-                  </a:glow>
-                </a:effectLst>
-                <a:latin typeface="HGP行書体" panose="03000600000000000000" pitchFamily="66" charset="-128"/>
-                <a:ea typeface="HGP行書体" panose="03000600000000000000" pitchFamily="66" charset="-128"/>
-              </a:endParaRPr>
-            </a:p>
-          </p:txBody>
-        </p:sp>
-        <p:sp>
-          <p:nvSpPr>
-            <p:cNvPr id="46" name="テキスト ボックス 45">
-              <a:extLst>
-                <a:ext uri="{FF2B5EF4-FFF2-40B4-BE49-F238E27FC236}">
-                  <a16:creationId xmlns:a16="http://schemas.microsoft.com/office/drawing/2014/main" id="{9731AFD0-E7DB-0104-F0E9-1A712E8DE435}"/>
-                </a:ext>
-              </a:extLst>
-            </p:cNvPr>
-            <p:cNvSpPr txBox="1"/>
-            <p:nvPr/>
-          </p:nvSpPr>
-          <p:spPr>
-            <a:xfrm rot="378995">
-              <a:off x="11850876" y="290128"/>
-              <a:ext cx="1858201" cy="400110"/>
-            </a:xfrm>
-            <a:prstGeom prst="rect">
-              <a:avLst/>
-            </a:prstGeom>
-            <a:noFill/>
-          </p:spPr>
-          <p:txBody>
-            <a:bodyPr wrap="none" rtlCol="0">
-              <a:spAutoFit/>
-            </a:bodyPr>
-            <a:lstStyle/>
-            <a:p>
-              <a:r>
-                <a:rPr kumimoji="1" lang="ja-JP" altLang="en-US" sz="2000" dirty="0">
-                  <a:solidFill>
-                    <a:srgbClr val="FF0D0D"/>
-                  </a:solidFill>
-                  <a:effectLst>
-                    <a:glow rad="190500">
-                      <a:schemeClr val="bg1">
-                        <a:alpha val="90000"/>
-                      </a:schemeClr>
-                    </a:glow>
-                  </a:effectLst>
-                  <a:latin typeface="HGP行書体" panose="03000600000000000000" pitchFamily="66" charset="-128"/>
-                  <a:ea typeface="HGP行書体" panose="03000600000000000000" pitchFamily="66" charset="-128"/>
-                </a:rPr>
-                <a:t>その隙に壁走り</a:t>
-              </a:r>
-              <a:r>
-                <a:rPr kumimoji="1" lang="en-US" altLang="ja-JP" sz="2000" dirty="0">
-                  <a:solidFill>
-                    <a:srgbClr val="FF0D0D"/>
-                  </a:solidFill>
-                  <a:effectLst>
-                    <a:glow rad="190500">
-                      <a:schemeClr val="bg1">
-                        <a:alpha val="90000"/>
-                      </a:schemeClr>
-                    </a:glow>
-                  </a:effectLst>
-                  <a:latin typeface="HGP行書体" panose="03000600000000000000" pitchFamily="66" charset="-128"/>
-                  <a:ea typeface="HGP行書体" panose="03000600000000000000" pitchFamily="66" charset="-128"/>
-                </a:rPr>
-                <a:t>!!</a:t>
-              </a:r>
-              <a:endParaRPr kumimoji="1" lang="ja-JP" altLang="en-US" sz="2000" dirty="0">
-                <a:solidFill>
-                  <a:srgbClr val="FF0D0D"/>
-                </a:solidFill>
-                <a:effectLst>
-                  <a:glow rad="190500">
-                    <a:schemeClr val="bg1">
-                      <a:alpha val="90000"/>
-                    </a:schemeClr>
-                  </a:glow>
-                </a:effectLst>
-                <a:latin typeface="HGP行書体" panose="03000600000000000000" pitchFamily="66" charset="-128"/>
-                <a:ea typeface="HGP行書体" panose="03000600000000000000" pitchFamily="66" charset="-128"/>
-              </a:endParaRPr>
-            </a:p>
-          </p:txBody>
-        </p:sp>
-        <p:sp>
-          <p:nvSpPr>
-            <p:cNvPr id="47" name="テキスト ボックス 46">
-              <a:extLst>
-                <a:ext uri="{FF2B5EF4-FFF2-40B4-BE49-F238E27FC236}">
-                  <a16:creationId xmlns:a16="http://schemas.microsoft.com/office/drawing/2014/main" id="{D36AB033-5178-5E0B-80AE-804DCC9BEA9A}"/>
-                </a:ext>
-              </a:extLst>
-            </p:cNvPr>
-            <p:cNvSpPr txBox="1"/>
-            <p:nvPr/>
-          </p:nvSpPr>
-          <p:spPr>
-            <a:xfrm rot="21244796">
-              <a:off x="10152216" y="562343"/>
-              <a:ext cx="2257349" cy="461665"/>
-            </a:xfrm>
-            <a:prstGeom prst="rect">
-              <a:avLst/>
-            </a:prstGeom>
-            <a:noFill/>
-          </p:spPr>
-          <p:txBody>
-            <a:bodyPr wrap="none" rtlCol="0">
-              <a:spAutoFit/>
-            </a:bodyPr>
-            <a:lstStyle/>
-            <a:p>
-              <a:r>
-                <a:rPr kumimoji="1" lang="ja-JP" altLang="en-US" sz="2400" dirty="0">
-                  <a:solidFill>
-                    <a:srgbClr val="FF0D0D"/>
-                  </a:solidFill>
-                  <a:effectLst>
-                    <a:glow rad="190500">
-                      <a:schemeClr val="bg1">
-                        <a:alpha val="90000"/>
-                      </a:schemeClr>
-                    </a:glow>
-                  </a:effectLst>
-                  <a:latin typeface="HGP行書体" panose="03000600000000000000" pitchFamily="66" charset="-128"/>
-                  <a:ea typeface="HGP行書体" panose="03000600000000000000" pitchFamily="66" charset="-128"/>
-                </a:rPr>
-                <a:t>天井に張り付き</a:t>
-              </a:r>
-              <a:r>
-                <a:rPr kumimoji="1" lang="en-US" altLang="ja-JP" sz="2400" dirty="0">
-                  <a:solidFill>
-                    <a:srgbClr val="FF0D0D"/>
-                  </a:solidFill>
-                  <a:effectLst>
-                    <a:glow rad="190500">
-                      <a:schemeClr val="bg1">
-                        <a:alpha val="90000"/>
-                      </a:schemeClr>
-                    </a:glow>
-                  </a:effectLst>
-                  <a:latin typeface="HGP行書体" panose="03000600000000000000" pitchFamily="66" charset="-128"/>
-                  <a:ea typeface="HGP行書体" panose="03000600000000000000" pitchFamily="66" charset="-128"/>
-                </a:rPr>
-                <a:t>!!</a:t>
-              </a:r>
-              <a:endParaRPr kumimoji="1" lang="ja-JP" altLang="en-US" sz="2400" dirty="0">
-                <a:solidFill>
-                  <a:srgbClr val="FF0D0D"/>
-                </a:solidFill>
-                <a:effectLst>
-                  <a:glow rad="190500">
-                    <a:schemeClr val="bg1">
-                      <a:alpha val="90000"/>
-                    </a:schemeClr>
-                  </a:glow>
-                </a:effectLst>
-                <a:latin typeface="HGP行書体" panose="03000600000000000000" pitchFamily="66" charset="-128"/>
-                <a:ea typeface="HGP行書体" panose="03000600000000000000" pitchFamily="66" charset="-128"/>
-              </a:endParaRPr>
-            </a:p>
-          </p:txBody>
-        </p:sp>
-        <p:sp>
-          <p:nvSpPr>
-            <p:cNvPr id="48" name="テキスト ボックス 47">
-              <a:extLst>
-                <a:ext uri="{FF2B5EF4-FFF2-40B4-BE49-F238E27FC236}">
-                  <a16:creationId xmlns:a16="http://schemas.microsoft.com/office/drawing/2014/main" id="{43AFF3B9-27AC-D016-BAB3-EF14B836D95D}"/>
-                </a:ext>
-              </a:extLst>
-            </p:cNvPr>
-            <p:cNvSpPr txBox="1"/>
-            <p:nvPr/>
-          </p:nvSpPr>
-          <p:spPr>
-            <a:xfrm rot="194019">
-              <a:off x="11435520" y="818786"/>
-              <a:ext cx="2436886" cy="523220"/>
-            </a:xfrm>
-            <a:prstGeom prst="rect">
-              <a:avLst/>
-            </a:prstGeom>
-            <a:noFill/>
-          </p:spPr>
-          <p:txBody>
-            <a:bodyPr wrap="none" rtlCol="0">
-              <a:spAutoFit/>
-            </a:bodyPr>
-            <a:lstStyle/>
-            <a:p>
-              <a:r>
-                <a:rPr kumimoji="1" lang="ja-JP" altLang="en-US" sz="2800" dirty="0">
-                  <a:solidFill>
-                    <a:srgbClr val="FF0D0D"/>
-                  </a:solidFill>
-                  <a:effectLst>
-                    <a:glow rad="254000">
-                      <a:schemeClr val="bg1">
-                        <a:alpha val="90000"/>
-                      </a:schemeClr>
-                    </a:glow>
-                  </a:effectLst>
-                  <a:latin typeface="HGP行書体" panose="03000600000000000000" pitchFamily="66" charset="-128"/>
-                  <a:ea typeface="HGP行書体" panose="03000600000000000000" pitchFamily="66" charset="-128"/>
-                </a:rPr>
-                <a:t>クナイを投げて</a:t>
-              </a:r>
-              <a:r>
-                <a:rPr kumimoji="1" lang="en-US" altLang="ja-JP" sz="2800" dirty="0">
-                  <a:solidFill>
-                    <a:srgbClr val="FF0D0D"/>
-                  </a:solidFill>
-                  <a:effectLst>
-                    <a:glow rad="254000">
-                      <a:schemeClr val="bg1">
-                        <a:alpha val="90000"/>
-                      </a:schemeClr>
-                    </a:glow>
-                  </a:effectLst>
-                  <a:latin typeface="HGP行書体" panose="03000600000000000000" pitchFamily="66" charset="-128"/>
-                  <a:ea typeface="HGP行書体" panose="03000600000000000000" pitchFamily="66" charset="-128"/>
-                </a:rPr>
-                <a:t>!!</a:t>
-              </a:r>
-              <a:endParaRPr kumimoji="1" lang="ja-JP" altLang="en-US" sz="2800" dirty="0">
-                <a:solidFill>
-                  <a:srgbClr val="FF0D0D"/>
-                </a:solidFill>
-                <a:effectLst>
-                  <a:glow rad="254000">
-                    <a:schemeClr val="bg1">
-                      <a:alpha val="90000"/>
-                    </a:schemeClr>
-                  </a:glow>
-                </a:effectLst>
-                <a:latin typeface="HGP行書体" panose="03000600000000000000" pitchFamily="66" charset="-128"/>
-                <a:ea typeface="HGP行書体" panose="03000600000000000000" pitchFamily="66" charset="-128"/>
-              </a:endParaRPr>
-            </a:p>
-          </p:txBody>
-        </p:sp>
-        <p:sp>
-          <p:nvSpPr>
-            <p:cNvPr id="49" name="テキスト ボックス 48">
-              <a:extLst>
-                <a:ext uri="{FF2B5EF4-FFF2-40B4-BE49-F238E27FC236}">
-                  <a16:creationId xmlns:a16="http://schemas.microsoft.com/office/drawing/2014/main" id="{DBF35DEC-3DF7-D695-1369-82880A743E7C}"/>
-                </a:ext>
-              </a:extLst>
-            </p:cNvPr>
-            <p:cNvSpPr txBox="1"/>
-            <p:nvPr/>
-          </p:nvSpPr>
-          <p:spPr>
-            <a:xfrm rot="21427107">
-              <a:off x="10006920" y="1123871"/>
-              <a:ext cx="2299027" cy="553998"/>
-            </a:xfrm>
-            <a:prstGeom prst="rect">
-              <a:avLst/>
-            </a:prstGeom>
-            <a:noFill/>
-          </p:spPr>
-          <p:txBody>
-            <a:bodyPr wrap="none" rtlCol="0">
-              <a:spAutoFit/>
-            </a:bodyPr>
-            <a:lstStyle/>
-            <a:p>
-              <a:r>
-                <a:rPr lang="ja-JP" altLang="en-US" sz="3000" dirty="0">
-                  <a:solidFill>
-                    <a:srgbClr val="FF0D0D"/>
-                  </a:solidFill>
-                  <a:effectLst>
-                    <a:glow rad="254000">
-                      <a:schemeClr val="bg1">
-                        <a:alpha val="90000"/>
-                      </a:schemeClr>
-                    </a:glow>
-                  </a:effectLst>
-                  <a:latin typeface="HGP行書体" panose="03000600000000000000" pitchFamily="66" charset="-128"/>
-                  <a:ea typeface="HGP行書体" panose="03000600000000000000" pitchFamily="66" charset="-128"/>
-                </a:rPr>
-                <a:t>鎖鎌で急襲</a:t>
-              </a:r>
-              <a:r>
-                <a:rPr kumimoji="1" lang="en-US" altLang="ja-JP" sz="3000" dirty="0">
-                  <a:solidFill>
-                    <a:srgbClr val="FF0D0D"/>
-                  </a:solidFill>
-                  <a:effectLst>
-                    <a:glow rad="254000">
-                      <a:schemeClr val="bg1">
-                        <a:alpha val="90000"/>
-                      </a:schemeClr>
-                    </a:glow>
-                  </a:effectLst>
-                  <a:latin typeface="HGP行書体" panose="03000600000000000000" pitchFamily="66" charset="-128"/>
-                  <a:ea typeface="HGP行書体" panose="03000600000000000000" pitchFamily="66" charset="-128"/>
-                </a:rPr>
-                <a:t>!!</a:t>
-              </a:r>
-              <a:endParaRPr kumimoji="1" lang="ja-JP" altLang="en-US" sz="3000" dirty="0">
-                <a:solidFill>
-                  <a:srgbClr val="FF0D0D"/>
-                </a:solidFill>
-                <a:effectLst>
-                  <a:glow rad="254000">
-                    <a:schemeClr val="bg1">
-                      <a:alpha val="90000"/>
-                    </a:schemeClr>
-                  </a:glow>
-                </a:effectLst>
-                <a:latin typeface="HGP行書体" panose="03000600000000000000" pitchFamily="66" charset="-128"/>
-                <a:ea typeface="HGP行書体" panose="03000600000000000000" pitchFamily="66" charset="-128"/>
-              </a:endParaRPr>
-            </a:p>
-          </p:txBody>
-        </p:sp>
-      </p:grpSp>
-      <p:sp>
-        <p:nvSpPr>
-          <p:cNvPr id="52" name="テキスト ボックス 51">
-            <a:extLst>
-              <a:ext uri="{FF2B5EF4-FFF2-40B4-BE49-F238E27FC236}">
-                <a16:creationId xmlns:a16="http://schemas.microsoft.com/office/drawing/2014/main" id="{4C0BB3A9-C8A9-21D4-AB85-90DB63EB3C27}"/>
-              </a:ext>
-            </a:extLst>
-          </p:cNvPr>
-          <p:cNvSpPr txBox="1"/>
-          <p:nvPr/>
-        </p:nvSpPr>
-        <p:spPr>
-          <a:xfrm rot="213198">
-            <a:off x="9152535" y="665044"/>
-            <a:ext cx="2462534" cy="523220"/>
-          </a:xfrm>
-          <a:prstGeom prst="rect">
-            <a:avLst/>
-          </a:prstGeom>
-          <a:noFill/>
-        </p:spPr>
-        <p:txBody>
-          <a:bodyPr wrap="none" rtlCol="0">
-            <a:spAutoFit/>
-          </a:bodyPr>
-          <a:lstStyle/>
-          <a:p>
-            <a:r>
-              <a:rPr lang="ja-JP" altLang="en-US" sz="2800" dirty="0">
-                <a:solidFill>
-                  <a:srgbClr val="FF0D0D"/>
-                </a:solidFill>
-                <a:effectLst>
-                  <a:glow rad="127000">
-                    <a:schemeClr val="bg1"/>
-                  </a:glow>
-                </a:effectLst>
-                <a:latin typeface="HGP行書体" panose="03000600000000000000" pitchFamily="66" charset="-128"/>
-                <a:ea typeface="HGP行書体" panose="03000600000000000000" pitchFamily="66" charset="-128"/>
-              </a:rPr>
-              <a:t>多人数にも</a:t>
-            </a:r>
-            <a:r>
-              <a:rPr kumimoji="1" lang="en-US" altLang="ja-JP" sz="2800" dirty="0">
-                <a:solidFill>
-                  <a:srgbClr val="FF0D0D"/>
-                </a:solidFill>
-                <a:effectLst>
-                  <a:glow rad="127000">
-                    <a:schemeClr val="bg1"/>
-                  </a:glow>
-                </a:effectLst>
-                <a:latin typeface="HGP行書体" panose="03000600000000000000" pitchFamily="66" charset="-128"/>
-                <a:ea typeface="HGP行書体" panose="03000600000000000000" pitchFamily="66" charset="-128"/>
-              </a:rPr>
-              <a:t>…!?</a:t>
-            </a:r>
-            <a:endParaRPr kumimoji="1" lang="ja-JP" altLang="en-US" sz="2800" dirty="0">
-              <a:solidFill>
-                <a:srgbClr val="FF0D0D"/>
-              </a:solidFill>
-              <a:effectLst>
-                <a:glow rad="127000">
-                  <a:schemeClr val="bg1"/>
-                </a:glow>
-              </a:effectLst>
-              <a:latin typeface="HGP行書体" panose="03000600000000000000" pitchFamily="66" charset="-128"/>
-              <a:ea typeface="HGP行書体" panose="03000600000000000000" pitchFamily="66" charset="-128"/>
-            </a:endParaRPr>
-          </a:p>
-        </p:txBody>
-      </p:sp>
-      <p:grpSp>
-        <p:nvGrpSpPr>
-          <p:cNvPr id="53" name="グループ化 52">
-            <a:extLst>
-              <a:ext uri="{FF2B5EF4-FFF2-40B4-BE49-F238E27FC236}">
-                <a16:creationId xmlns:a16="http://schemas.microsoft.com/office/drawing/2014/main" id="{385FE635-192B-6914-42E5-1495FDBA1335}"/>
-              </a:ext>
-            </a:extLst>
-          </p:cNvPr>
-          <p:cNvGrpSpPr/>
-          <p:nvPr/>
-        </p:nvGrpSpPr>
-        <p:grpSpPr>
-          <a:xfrm>
-            <a:off x="7926534" y="1110299"/>
-            <a:ext cx="3921266" cy="1321822"/>
-            <a:chOff x="10084254" y="-47409"/>
-            <a:chExt cx="3921266" cy="1321822"/>
-          </a:xfrm>
-        </p:grpSpPr>
-        <p:sp>
-          <p:nvSpPr>
-            <p:cNvPr id="54" name="テキスト ボックス 53">
-              <a:extLst>
-                <a:ext uri="{FF2B5EF4-FFF2-40B4-BE49-F238E27FC236}">
-                  <a16:creationId xmlns:a16="http://schemas.microsoft.com/office/drawing/2014/main" id="{BCF1C7CB-820B-8E2F-FE5E-9CE5081A594A}"/>
-                </a:ext>
-              </a:extLst>
-            </p:cNvPr>
-            <p:cNvSpPr txBox="1"/>
-            <p:nvPr/>
-          </p:nvSpPr>
-          <p:spPr>
-            <a:xfrm rot="21355279">
-              <a:off x="11185746" y="-47409"/>
-              <a:ext cx="1018227" cy="461665"/>
-            </a:xfrm>
-            <a:prstGeom prst="rect">
-              <a:avLst/>
-            </a:prstGeom>
-            <a:noFill/>
-          </p:spPr>
-          <p:txBody>
-            <a:bodyPr wrap="none" rtlCol="0">
-              <a:spAutoFit/>
-            </a:bodyPr>
-            <a:lstStyle/>
-            <a:p>
-              <a:r>
-                <a:rPr lang="ja-JP" altLang="en-US" sz="2400" dirty="0">
-                  <a:solidFill>
-                    <a:srgbClr val="FF0D0D"/>
-                  </a:solidFill>
-                  <a:effectLst>
-                    <a:glow rad="127000">
-                      <a:schemeClr val="bg1">
-                        <a:alpha val="90000"/>
-                      </a:schemeClr>
-                    </a:glow>
-                  </a:effectLst>
-                  <a:latin typeface="HGP行書体" panose="03000600000000000000" pitchFamily="66" charset="-128"/>
-                  <a:ea typeface="HGP行書体" panose="03000600000000000000" pitchFamily="66" charset="-128"/>
-                </a:rPr>
-                <a:t>煙玉</a:t>
-              </a:r>
-              <a:r>
-                <a:rPr kumimoji="1" lang="en-US" altLang="ja-JP" sz="2400" dirty="0">
-                  <a:solidFill>
-                    <a:srgbClr val="FF0D0D"/>
-                  </a:solidFill>
-                  <a:effectLst>
-                    <a:glow rad="127000">
-                      <a:schemeClr val="bg1">
-                        <a:alpha val="90000"/>
-                      </a:schemeClr>
-                    </a:glow>
-                  </a:effectLst>
-                  <a:latin typeface="HGP行書体" panose="03000600000000000000" pitchFamily="66" charset="-128"/>
-                  <a:ea typeface="HGP行書体" panose="03000600000000000000" pitchFamily="66" charset="-128"/>
-                </a:rPr>
-                <a:t>!!</a:t>
-              </a:r>
-              <a:endParaRPr kumimoji="1" lang="ja-JP" altLang="en-US" sz="2400" dirty="0">
-                <a:solidFill>
-                  <a:srgbClr val="FF0D0D"/>
-                </a:solidFill>
-                <a:effectLst>
-                  <a:glow rad="127000">
-                    <a:schemeClr val="bg1">
-                      <a:alpha val="90000"/>
-                    </a:schemeClr>
-                  </a:glow>
-                </a:effectLst>
-                <a:latin typeface="HGP行書体" panose="03000600000000000000" pitchFamily="66" charset="-128"/>
-                <a:ea typeface="HGP行書体" panose="03000600000000000000" pitchFamily="66" charset="-128"/>
-              </a:endParaRPr>
-            </a:p>
-          </p:txBody>
-        </p:sp>
-        <p:sp>
-          <p:nvSpPr>
-            <p:cNvPr id="55" name="テキスト ボックス 54">
-              <a:extLst>
-                <a:ext uri="{FF2B5EF4-FFF2-40B4-BE49-F238E27FC236}">
-                  <a16:creationId xmlns:a16="http://schemas.microsoft.com/office/drawing/2014/main" id="{C3EFC0B9-5414-923B-4256-4B2ED6EC84DB}"/>
-                </a:ext>
-              </a:extLst>
-            </p:cNvPr>
-            <p:cNvSpPr txBox="1"/>
-            <p:nvPr/>
-          </p:nvSpPr>
-          <p:spPr>
-            <a:xfrm rot="178914">
-              <a:off x="11491314" y="281823"/>
-              <a:ext cx="2266967" cy="523220"/>
-            </a:xfrm>
-            <a:prstGeom prst="rect">
-              <a:avLst/>
-            </a:prstGeom>
-            <a:noFill/>
-          </p:spPr>
-          <p:txBody>
-            <a:bodyPr wrap="none" rtlCol="0">
-              <a:spAutoFit/>
-            </a:bodyPr>
-            <a:lstStyle/>
-            <a:p>
-              <a:r>
-                <a:rPr kumimoji="1" lang="ja-JP" altLang="en-US" sz="2800" dirty="0">
-                  <a:solidFill>
-                    <a:srgbClr val="FF0D0D"/>
-                  </a:solidFill>
-                  <a:effectLst>
-                    <a:glow rad="190500">
-                      <a:schemeClr val="bg1">
-                        <a:alpha val="90000"/>
-                      </a:schemeClr>
-                    </a:glow>
-                  </a:effectLst>
-                  <a:latin typeface="HGP行書体" panose="03000600000000000000" pitchFamily="66" charset="-128"/>
-                  <a:ea typeface="HGP行書体" panose="03000600000000000000" pitchFamily="66" charset="-128"/>
-                </a:rPr>
-                <a:t>まきびし蒔いて</a:t>
-              </a:r>
-              <a:r>
-                <a:rPr kumimoji="1" lang="en-US" altLang="ja-JP" sz="2800" dirty="0">
-                  <a:solidFill>
-                    <a:srgbClr val="FF0D0D"/>
-                  </a:solidFill>
-                  <a:effectLst>
-                    <a:glow rad="190500">
-                      <a:schemeClr val="bg1">
-                        <a:alpha val="90000"/>
-                      </a:schemeClr>
-                    </a:glow>
-                  </a:effectLst>
-                  <a:latin typeface="HGP行書体" panose="03000600000000000000" pitchFamily="66" charset="-128"/>
-                  <a:ea typeface="HGP行書体" panose="03000600000000000000" pitchFamily="66" charset="-128"/>
-                </a:rPr>
-                <a:t>!!</a:t>
-              </a:r>
-              <a:endParaRPr kumimoji="1" lang="ja-JP" altLang="en-US" sz="2800" dirty="0">
-                <a:solidFill>
-                  <a:srgbClr val="FF0D0D"/>
-                </a:solidFill>
-                <a:effectLst>
-                  <a:glow rad="190500">
-                    <a:schemeClr val="bg1">
-                      <a:alpha val="90000"/>
-                    </a:schemeClr>
-                  </a:glow>
-                </a:effectLst>
-                <a:latin typeface="HGP行書体" panose="03000600000000000000" pitchFamily="66" charset="-128"/>
-                <a:ea typeface="HGP行書体" panose="03000600000000000000" pitchFamily="66" charset="-128"/>
-              </a:endParaRPr>
-            </a:p>
-          </p:txBody>
-        </p:sp>
-        <p:sp>
-          <p:nvSpPr>
-            <p:cNvPr id="58" name="テキスト ボックス 57">
-              <a:extLst>
-                <a:ext uri="{FF2B5EF4-FFF2-40B4-BE49-F238E27FC236}">
-                  <a16:creationId xmlns:a16="http://schemas.microsoft.com/office/drawing/2014/main" id="{764F97DC-C985-081E-A5A8-46CE460C42B4}"/>
-                </a:ext>
-              </a:extLst>
-            </p:cNvPr>
-            <p:cNvSpPr txBox="1"/>
-            <p:nvPr/>
-          </p:nvSpPr>
-          <p:spPr>
-            <a:xfrm rot="21427107">
-              <a:off x="10084254" y="720415"/>
-              <a:ext cx="3921266" cy="553998"/>
-            </a:xfrm>
-            <a:prstGeom prst="rect">
-              <a:avLst/>
-            </a:prstGeom>
-            <a:noFill/>
-          </p:spPr>
-          <p:txBody>
-            <a:bodyPr wrap="none" rtlCol="0">
-              <a:spAutoFit/>
-            </a:bodyPr>
-            <a:lstStyle/>
-            <a:p>
-              <a:r>
-                <a:rPr kumimoji="1" lang="ja-JP" altLang="en-US" sz="3000" dirty="0">
-                  <a:solidFill>
-                    <a:srgbClr val="FF0D0D"/>
-                  </a:solidFill>
-                  <a:effectLst>
-                    <a:glow rad="254000">
-                      <a:schemeClr val="bg1">
-                        <a:alpha val="90000"/>
-                      </a:schemeClr>
-                    </a:glow>
-                  </a:effectLst>
-                  <a:latin typeface="HGP行書体" panose="03000600000000000000" pitchFamily="66" charset="-128"/>
-                  <a:ea typeface="HGP行書体" panose="03000600000000000000" pitchFamily="66" charset="-128"/>
-                </a:rPr>
-                <a:t>風遁の術で吹き飛ばす</a:t>
-              </a:r>
-              <a:r>
-                <a:rPr kumimoji="1" lang="en-US" altLang="ja-JP" sz="3000" dirty="0">
-                  <a:solidFill>
-                    <a:srgbClr val="FF0D0D"/>
-                  </a:solidFill>
-                  <a:effectLst>
-                    <a:glow rad="254000">
-                      <a:schemeClr val="bg1">
-                        <a:alpha val="90000"/>
-                      </a:schemeClr>
-                    </a:glow>
-                  </a:effectLst>
-                  <a:latin typeface="HGP行書体" panose="03000600000000000000" pitchFamily="66" charset="-128"/>
-                  <a:ea typeface="HGP行書体" panose="03000600000000000000" pitchFamily="66" charset="-128"/>
-                </a:rPr>
-                <a:t>!!</a:t>
-              </a:r>
-              <a:endParaRPr kumimoji="1" lang="ja-JP" altLang="en-US" sz="3000" dirty="0">
-                <a:solidFill>
-                  <a:srgbClr val="FF0D0D"/>
-                </a:solidFill>
-                <a:effectLst>
-                  <a:glow rad="254000">
-                    <a:schemeClr val="bg1">
-                      <a:alpha val="90000"/>
-                    </a:schemeClr>
-                  </a:glow>
-                </a:effectLst>
-                <a:latin typeface="HGP行書体" panose="03000600000000000000" pitchFamily="66" charset="-128"/>
-                <a:ea typeface="HGP行書体" panose="03000600000000000000" pitchFamily="66" charset="-128"/>
-              </a:endParaRPr>
-            </a:p>
-          </p:txBody>
-        </p:sp>
-      </p:grpSp>
-      <p:sp>
-        <p:nvSpPr>
-          <p:cNvPr id="62" name="テキスト ボックス 61">
-            <a:extLst>
-              <a:ext uri="{FF2B5EF4-FFF2-40B4-BE49-F238E27FC236}">
-                <a16:creationId xmlns:a16="http://schemas.microsoft.com/office/drawing/2014/main" id="{C83AFEB8-A3C1-572D-00EE-ADC89EE50656}"/>
-              </a:ext>
-            </a:extLst>
-          </p:cNvPr>
-          <p:cNvSpPr txBox="1"/>
-          <p:nvPr/>
-        </p:nvSpPr>
-        <p:spPr>
           <a:xfrm rot="441502">
-            <a:off x="8677171" y="5512148"/>
+            <a:off x="7289675" y="5497499"/>
             <a:ext cx="3499676" cy="461665"/>
           </a:xfrm>
           <a:prstGeom prst="rect">
@@ -6249,10 +4983,10 @@
       </p:sp>
       <p:sp>
         <p:nvSpPr>
-          <p:cNvPr id="63" name="テキスト ボックス 62">
-            <a:extLst>
-              <a:ext uri="{FF2B5EF4-FFF2-40B4-BE49-F238E27FC236}">
-                <a16:creationId xmlns:a16="http://schemas.microsoft.com/office/drawing/2014/main" id="{96CB25B3-BC4F-9317-C915-105349F42CF8}"/>
+          <p:cNvPr id="6" name="テキスト ボックス 5">
+            <a:extLst>
+              <a:ext uri="{FF2B5EF4-FFF2-40B4-BE49-F238E27FC236}">
+                <a16:creationId xmlns:a16="http://schemas.microsoft.com/office/drawing/2014/main" id="{5B0C33DF-FCDF-4808-9181-6D306BC2345D}"/>
               </a:ext>
             </a:extLst>
           </p:cNvPr>
@@ -6260,9 +4994,9 @@
           <p:nvPr/>
         </p:nvSpPr>
         <p:spPr>
-          <a:xfrm rot="21243675">
-            <a:off x="7664595" y="718271"/>
-            <a:ext cx="1460035" cy="347447"/>
+          <a:xfrm rot="21427107">
+            <a:off x="3464510" y="5991468"/>
+            <a:ext cx="1992853" cy="553998"/>
           </a:xfrm>
           <a:prstGeom prst="rect">
             <a:avLst/>
@@ -6270,37 +5004,37 @@
           <a:noFill/>
         </p:spPr>
         <p:txBody>
-          <a:bodyPr wrap="square" rtlCol="0">
+          <a:bodyPr wrap="none" rtlCol="0">
             <a:spAutoFit/>
           </a:bodyPr>
           <a:lstStyle/>
           <a:p>
             <a:r>
-              <a:rPr lang="ja-JP" altLang="en-US" sz="1600" dirty="0">
+              <a:rPr lang="ja-JP" altLang="en-US" sz="3000" dirty="0">
                 <a:solidFill>
                   <a:srgbClr val="FF0D0D"/>
                 </a:solidFill>
                 <a:effectLst>
-                  <a:glow rad="381000">
+                  <a:glow rad="254000">
                     <a:schemeClr val="bg1">
-                      <a:alpha val="80000"/>
+                      <a:alpha val="90000"/>
                     </a:schemeClr>
                   </a:glow>
                 </a:effectLst>
                 <a:latin typeface="HGP行書体" panose="03000600000000000000" pitchFamily="66" charset="-128"/>
                 <a:ea typeface="HGP行書体" panose="03000600000000000000" pitchFamily="66" charset="-128"/>
               </a:rPr>
-              <a:t>どんどん繋げ</a:t>
-            </a:r>
-            <a:r>
-              <a:rPr lang="en-US" altLang="ja-JP" sz="1600" dirty="0">
+              <a:t>任務開始</a:t>
+            </a:r>
+            <a:r>
+              <a:rPr kumimoji="1" lang="en-US" altLang="ja-JP" sz="3000" dirty="0">
                 <a:solidFill>
                   <a:srgbClr val="FF0D0D"/>
                 </a:solidFill>
                 <a:effectLst>
-                  <a:glow rad="381000">
+                  <a:glow rad="254000">
                     <a:schemeClr val="bg1">
-                      <a:alpha val="80000"/>
+                      <a:alpha val="90000"/>
                     </a:schemeClr>
                   </a:glow>
                 </a:effectLst>
@@ -6309,14 +5043,14 @@
               </a:rPr>
               <a:t>!!</a:t>
             </a:r>
-            <a:endParaRPr kumimoji="1" lang="ja-JP" altLang="en-US" sz="1600" dirty="0">
+            <a:endParaRPr kumimoji="1" lang="ja-JP" altLang="en-US" sz="3000" dirty="0">
               <a:solidFill>
                 <a:srgbClr val="FF0D0D"/>
               </a:solidFill>
               <a:effectLst>
-                <a:glow rad="381000">
+                <a:glow rad="254000">
                   <a:schemeClr val="bg1">
-                    <a:alpha val="80000"/>
+                    <a:alpha val="90000"/>
                   </a:schemeClr>
                 </a:glow>
               </a:effectLst>
@@ -6326,89 +5060,12 @@
           </a:p>
         </p:txBody>
       </p:sp>
-      <p:pic>
-        <p:nvPicPr>
-          <p:cNvPr id="1029" name="図 1028" descr="アイコン&#10;&#10;自動的に生成された説明">
-            <a:extLst>
-              <a:ext uri="{FF2B5EF4-FFF2-40B4-BE49-F238E27FC236}">
-                <a16:creationId xmlns:a16="http://schemas.microsoft.com/office/drawing/2014/main" id="{F579E232-87F9-46E5-DC3C-0333395CE6C2}"/>
-              </a:ext>
-            </a:extLst>
-          </p:cNvPr>
-          <p:cNvPicPr>
-            <a:picLocks noChangeAspect="1"/>
-          </p:cNvPicPr>
-          <p:nvPr/>
-        </p:nvPicPr>
-        <p:blipFill>
-          <a:blip r:embed="rId11">
-            <a:extLst>
-              <a:ext uri="{28A0092B-C50C-407E-A947-70E740481C1C}">
-                <a14:useLocalDpi xmlns:a14="http://schemas.microsoft.com/office/drawing/2010/main" val="0"/>
-              </a:ext>
-            </a:extLst>
-          </a:blip>
-          <a:stretch>
-            <a:fillRect/>
-          </a:stretch>
-        </p:blipFill>
-        <p:spPr>
-          <a:xfrm>
-            <a:off x="2856286" y="1814766"/>
-            <a:ext cx="1670475" cy="2860928"/>
-          </a:xfrm>
-          <a:prstGeom prst="rect">
-            <a:avLst/>
-          </a:prstGeom>
-        </p:spPr>
-      </p:pic>
-      <p:pic>
-        <p:nvPicPr>
-          <p:cNvPr id="51" name="図 50" descr="アイコン&#10;&#10;自動的に生成された説明">
-            <a:extLst>
-              <a:ext uri="{FF2B5EF4-FFF2-40B4-BE49-F238E27FC236}">
-                <a16:creationId xmlns:a16="http://schemas.microsoft.com/office/drawing/2014/main" id="{30436E19-7B02-B09B-8211-B4C3980DFBE8}"/>
-              </a:ext>
-            </a:extLst>
-          </p:cNvPr>
-          <p:cNvPicPr>
-            <a:picLocks noChangeAspect="1"/>
-          </p:cNvPicPr>
-          <p:nvPr/>
-        </p:nvPicPr>
-        <p:blipFill>
-          <a:blip r:embed="rId12">
-            <a:extLst>
-              <a:ext uri="{28A0092B-C50C-407E-A947-70E740481C1C}">
-                <a14:useLocalDpi xmlns:a14="http://schemas.microsoft.com/office/drawing/2010/main" val="0"/>
-              </a:ext>
-            </a:extLst>
-          </a:blip>
-          <a:stretch>
-            <a:fillRect/>
-          </a:stretch>
-        </p:blipFill>
-        <p:spPr>
-          <a:xfrm rot="20258116">
-            <a:off x="2600132" y="3241063"/>
-            <a:ext cx="887602" cy="642544"/>
-          </a:xfrm>
-          <a:prstGeom prst="rect">
-            <a:avLst/>
-          </a:prstGeom>
-          <a:effectLst>
-            <a:outerShdw blurRad="25400" dist="50800" dir="10140000" sx="101000" sy="101000" algn="tr" rotWithShape="0">
-              <a:schemeClr val="bg1"/>
-            </a:outerShdw>
-          </a:effectLst>
-        </p:spPr>
-      </p:pic>
-      <p:sp>
-        <p:nvSpPr>
-          <p:cNvPr id="41" name="テキスト ボックス 40">
-            <a:extLst>
-              <a:ext uri="{FF2B5EF4-FFF2-40B4-BE49-F238E27FC236}">
-                <a16:creationId xmlns:a16="http://schemas.microsoft.com/office/drawing/2014/main" id="{035DCDB7-40F2-FB84-78F1-F6261DBE7320}"/>
+      <p:sp>
+        <p:nvSpPr>
+          <p:cNvPr id="7" name="テキスト ボックス 6">
+            <a:extLst>
+              <a:ext uri="{FF2B5EF4-FFF2-40B4-BE49-F238E27FC236}">
+                <a16:creationId xmlns:a16="http://schemas.microsoft.com/office/drawing/2014/main" id="{FCC6EED5-329A-262F-2A23-5311B2D3D24C}"/>
               </a:ext>
             </a:extLst>
           </p:cNvPr>
@@ -6416,9 +5073,9 @@
           <p:nvPr/>
         </p:nvSpPr>
         <p:spPr>
-          <a:xfrm>
-            <a:off x="2159393" y="2809419"/>
-            <a:ext cx="2502608" cy="523220"/>
+          <a:xfrm rot="435275">
+            <a:off x="4309889" y="2121196"/>
+            <a:ext cx="1992853" cy="553998"/>
           </a:xfrm>
           <a:prstGeom prst="rect">
             <a:avLst/>
@@ -6432,42 +5089,65 @@
           <a:lstStyle/>
           <a:p>
             <a:r>
-              <a:rPr kumimoji="1" lang="ja-JP" altLang="en-US" sz="2800" dirty="0">
+              <a:rPr lang="ja-JP" altLang="en-US" sz="3000" dirty="0">
                 <a:solidFill>
                   <a:srgbClr val="FF0D0D"/>
                 </a:solidFill>
                 <a:effectLst>
-                  <a:glow rad="127000">
-                    <a:schemeClr val="bg1"/>
+                  <a:glow rad="254000">
+                    <a:schemeClr val="bg1">
+                      <a:alpha val="90000"/>
+                    </a:schemeClr>
                   </a:glow>
                 </a:effectLst>
                 <a:latin typeface="HGP行書体" panose="03000600000000000000" pitchFamily="66" charset="-128"/>
                 <a:ea typeface="HGP行書体" panose="03000600000000000000" pitchFamily="66" charset="-128"/>
               </a:rPr>
-              <a:t>高台の敵には</a:t>
-            </a:r>
-            <a:r>
-              <a:rPr kumimoji="1" lang="en-US" altLang="ja-JP" sz="2800" dirty="0">
+              <a:t>忍刀</a:t>
+            </a:r>
+            <a:r>
+              <a:rPr kumimoji="1" lang="ja-JP" altLang="en-US" sz="3000" dirty="0">
                 <a:solidFill>
                   <a:srgbClr val="FF0D0D"/>
                 </a:solidFill>
                 <a:effectLst>
-                  <a:glow rad="127000">
-                    <a:schemeClr val="bg1"/>
+                  <a:glow rad="254000">
+                    <a:schemeClr val="bg1">
+                      <a:alpha val="90000"/>
+                    </a:schemeClr>
                   </a:glow>
                 </a:effectLst>
                 <a:latin typeface="HGP行書体" panose="03000600000000000000" pitchFamily="66" charset="-128"/>
                 <a:ea typeface="HGP行書体" panose="03000600000000000000" pitchFamily="66" charset="-128"/>
               </a:rPr>
-              <a:t>…</a:t>
-            </a:r>
-            <a:endParaRPr kumimoji="1" lang="ja-JP" altLang="en-US" sz="2800" dirty="0">
+              <a:t>炸裂</a:t>
+            </a:r>
+            <a:r>
+              <a:rPr kumimoji="1" lang="en-US" altLang="ja-JP" sz="3000" dirty="0">
+                <a:solidFill>
+                  <a:srgbClr val="FF0D0D"/>
+                </a:solidFill>
+                <a:effectLst>
+                  <a:glow rad="254000">
+                    <a:schemeClr val="bg1">
+                      <a:alpha val="90000"/>
+                    </a:schemeClr>
+                  </a:glow>
+                </a:effectLst>
+                <a:latin typeface="HGP行書体" panose="03000600000000000000" pitchFamily="66" charset="-128"/>
+                <a:ea typeface="HGP行書体" panose="03000600000000000000" pitchFamily="66" charset="-128"/>
+              </a:rPr>
+              <a:t>!!</a:t>
+            </a:r>
+            <a:endParaRPr kumimoji="1" lang="ja-JP" altLang="en-US" sz="3000" dirty="0">
               <a:solidFill>
                 <a:srgbClr val="FF0D0D"/>
               </a:solidFill>
               <a:effectLst>
-                <a:glow rad="127000">
-                  <a:schemeClr val="bg1"/>
+                <a:glow rad="254000">
+                  <a:schemeClr val="bg1">
+                    <a:alpha val="90000"/>
+                  </a:schemeClr>
                 </a:glow>
               </a:effectLst>
               <a:latin typeface="HGP行書体" panose="03000600000000000000" pitchFamily="66" charset="-128"/>
@@ -6476,89 +5156,36 @@
           </a:p>
         </p:txBody>
       </p:sp>
-      <p:grpSp>
-        <p:nvGrpSpPr>
-          <p:cNvPr id="39" name="グループ化 38">
-            <a:extLst>
-              <a:ext uri="{FF2B5EF4-FFF2-40B4-BE49-F238E27FC236}">
-                <a16:creationId xmlns:a16="http://schemas.microsoft.com/office/drawing/2014/main" id="{B0E99668-E6A4-09B9-3B60-E097D76757D8}"/>
-              </a:ext>
-            </a:extLst>
-          </p:cNvPr>
-          <p:cNvGrpSpPr/>
+      <p:sp>
+        <p:nvSpPr>
+          <p:cNvPr id="9" name="テキスト ボックス 8">
+            <a:extLst>
+              <a:ext uri="{FF2B5EF4-FFF2-40B4-BE49-F238E27FC236}">
+                <a16:creationId xmlns:a16="http://schemas.microsoft.com/office/drawing/2014/main" id="{B83A95B5-D24B-9FA0-0ABE-07A480FCA257}"/>
+              </a:ext>
+            </a:extLst>
+          </p:cNvPr>
+          <p:cNvSpPr txBox="1"/>
           <p:nvPr/>
-        </p:nvGrpSpPr>
-        <p:grpSpPr>
-          <a:xfrm>
-            <a:off x="1641564" y="3528674"/>
-            <a:ext cx="3857146" cy="1116978"/>
-            <a:chOff x="8121550" y="1443518"/>
-            <a:chExt cx="3857146" cy="1116978"/>
+        </p:nvSpPr>
+        <p:spPr>
+          <a:xfrm rot="21244796">
+            <a:off x="377669" y="2988934"/>
+            <a:ext cx="1949573" cy="461665"/>
           </a:xfrm>
-        </p:grpSpPr>
-        <p:sp>
-          <p:nvSpPr>
-            <p:cNvPr id="36" name="テキスト ボックス 35">
-              <a:extLst>
-                <a:ext uri="{FF2B5EF4-FFF2-40B4-BE49-F238E27FC236}">
-                  <a16:creationId xmlns:a16="http://schemas.microsoft.com/office/drawing/2014/main" id="{79C19522-FA28-AF33-BACC-EE6DBB00B12F}"/>
-                </a:ext>
-              </a:extLst>
-            </p:cNvPr>
-            <p:cNvSpPr txBox="1"/>
-            <p:nvPr/>
-          </p:nvSpPr>
-          <p:spPr>
-            <a:xfrm rot="21417000">
-              <a:off x="8793707" y="1684593"/>
-              <a:ext cx="2452916" cy="523220"/>
-            </a:xfrm>
-            <a:prstGeom prst="rect">
-              <a:avLst/>
-            </a:prstGeom>
-            <a:noFill/>
-          </p:spPr>
-          <p:txBody>
-            <a:bodyPr wrap="none" rtlCol="0">
-              <a:spAutoFit/>
-            </a:bodyPr>
-            <a:lstStyle/>
-            <a:p>
-              <a:r>
-                <a:rPr kumimoji="1" lang="ja-JP" altLang="en-US" sz="2800" dirty="0">
-                  <a:solidFill>
-                    <a:srgbClr val="FF0D0D"/>
-                  </a:solidFill>
-                  <a:effectLst>
-                    <a:glow rad="190500">
-                      <a:schemeClr val="bg1">
-                        <a:alpha val="90000"/>
-                      </a:schemeClr>
-                    </a:glow>
-                  </a:effectLst>
-                  <a:latin typeface="HGP行書体" panose="03000600000000000000" pitchFamily="66" charset="-128"/>
-                  <a:ea typeface="HGP行書体" panose="03000600000000000000" pitchFamily="66" charset="-128"/>
-                </a:rPr>
-                <a:t>鉤縄引き寄せ</a:t>
-              </a:r>
-              <a:r>
-                <a:rPr kumimoji="1" lang="en-US" altLang="ja-JP" sz="2800" dirty="0">
-                  <a:solidFill>
-                    <a:srgbClr val="FF0D0D"/>
-                  </a:solidFill>
-                  <a:effectLst>
-                    <a:glow rad="190500">
-                      <a:schemeClr val="bg1">
-                        <a:alpha val="90000"/>
-                      </a:schemeClr>
-                    </a:glow>
-                  </a:effectLst>
-                  <a:latin typeface="HGP行書体" panose="03000600000000000000" pitchFamily="66" charset="-128"/>
-                  <a:ea typeface="HGP行書体" panose="03000600000000000000" pitchFamily="66" charset="-128"/>
-                </a:rPr>
-                <a:t>!!</a:t>
-              </a:r>
-              <a:endParaRPr kumimoji="1" lang="ja-JP" altLang="en-US" sz="2800" dirty="0">
+          <a:prstGeom prst="rect">
+            <a:avLst/>
+          </a:prstGeom>
+          <a:noFill/>
+        </p:spPr>
+        <p:txBody>
+          <a:bodyPr wrap="none" rtlCol="0">
+            <a:spAutoFit/>
+          </a:bodyPr>
+          <a:lstStyle/>
+          <a:p>
+            <a:r>
+              <a:rPr lang="ja-JP" altLang="en-US" sz="2400" dirty="0">
                 <a:solidFill>
                   <a:srgbClr val="FF0D0D"/>
                 </a:solidFill>
@@ -6571,78 +5198,16 @@
                 </a:effectLst>
                 <a:latin typeface="HGP行書体" panose="03000600000000000000" pitchFamily="66" charset="-128"/>
                 <a:ea typeface="HGP行書体" panose="03000600000000000000" pitchFamily="66" charset="-128"/>
-              </a:endParaRPr>
-            </a:p>
-          </p:txBody>
-        </p:sp>
-        <p:sp>
-          <p:nvSpPr>
-            <p:cNvPr id="37" name="テキスト ボックス 36">
-              <a:extLst>
-                <a:ext uri="{FF2B5EF4-FFF2-40B4-BE49-F238E27FC236}">
-                  <a16:creationId xmlns:a16="http://schemas.microsoft.com/office/drawing/2014/main" id="{CDE8EBBD-FAED-AB96-4891-E64BD4193FFE}"/>
-                </a:ext>
-              </a:extLst>
-            </p:cNvPr>
-            <p:cNvSpPr txBox="1"/>
-            <p:nvPr/>
-          </p:nvSpPr>
-          <p:spPr>
-            <a:xfrm rot="21257157">
-              <a:off x="8121550" y="2006498"/>
-              <a:ext cx="3857146" cy="553998"/>
-            </a:xfrm>
-            <a:prstGeom prst="rect">
-              <a:avLst/>
-            </a:prstGeom>
-            <a:noFill/>
-          </p:spPr>
-          <p:txBody>
-            <a:bodyPr wrap="none" rtlCol="0">
-              <a:spAutoFit/>
-            </a:bodyPr>
-            <a:lstStyle/>
-            <a:p>
-              <a:r>
-                <a:rPr lang="ja-JP" altLang="en-US" sz="3000" dirty="0">
-                  <a:solidFill>
-                    <a:srgbClr val="FF0D0D"/>
-                  </a:solidFill>
-                  <a:effectLst>
-                    <a:glow rad="254000">
-                      <a:schemeClr val="bg1">
-                        <a:alpha val="90000"/>
-                      </a:schemeClr>
-                    </a:glow>
-                  </a:effectLst>
-                  <a:latin typeface="HGP行書体" panose="03000600000000000000" pitchFamily="66" charset="-128"/>
-                  <a:ea typeface="HGP行書体" panose="03000600000000000000" pitchFamily="66" charset="-128"/>
-                </a:rPr>
-                <a:t>火遁の術で燃やすべし</a:t>
-              </a:r>
-              <a:r>
-                <a:rPr lang="en-US" altLang="ja-JP" sz="3000" dirty="0">
-                  <a:solidFill>
-                    <a:srgbClr val="FF0D0D"/>
-                  </a:solidFill>
-                  <a:effectLst>
-                    <a:glow rad="254000">
-                      <a:schemeClr val="bg1">
-                        <a:alpha val="90000"/>
-                      </a:schemeClr>
-                    </a:glow>
-                  </a:effectLst>
-                  <a:latin typeface="HGP行書体" panose="03000600000000000000" pitchFamily="66" charset="-128"/>
-                  <a:ea typeface="HGP行書体" panose="03000600000000000000" pitchFamily="66" charset="-128"/>
-                </a:rPr>
-                <a:t>!!</a:t>
-              </a:r>
-              <a:endParaRPr kumimoji="1" lang="ja-JP" altLang="en-US" sz="3000" dirty="0">
+              </a:rPr>
+              <a:t>壁</a:t>
+            </a:r>
+            <a:r>
+              <a:rPr kumimoji="1" lang="ja-JP" altLang="en-US" sz="2400" dirty="0">
                 <a:solidFill>
                   <a:srgbClr val="FF0D0D"/>
                 </a:solidFill>
                 <a:effectLst>
-                  <a:glow rad="254000">
+                  <a:glow rad="190500">
                     <a:schemeClr val="bg1">
                       <a:alpha val="90000"/>
                     </a:schemeClr>
@@ -6650,73 +5215,169 @@
                 </a:effectLst>
                 <a:latin typeface="HGP行書体" panose="03000600000000000000" pitchFamily="66" charset="-128"/>
                 <a:ea typeface="HGP行書体" panose="03000600000000000000" pitchFamily="66" charset="-128"/>
-              </a:endParaRPr>
-            </a:p>
-          </p:txBody>
-        </p:sp>
-        <p:sp>
-          <p:nvSpPr>
-            <p:cNvPr id="19" name="テキスト ボックス 18">
-              <a:extLst>
-                <a:ext uri="{FF2B5EF4-FFF2-40B4-BE49-F238E27FC236}">
-                  <a16:creationId xmlns:a16="http://schemas.microsoft.com/office/drawing/2014/main" id="{62B99A02-4300-E069-A228-B75BCD9ABAFB}"/>
-                </a:ext>
-              </a:extLst>
-            </p:cNvPr>
-            <p:cNvSpPr txBox="1"/>
-            <p:nvPr/>
-          </p:nvSpPr>
-          <p:spPr>
-            <a:xfrm rot="624243">
-              <a:off x="8366954" y="1443518"/>
-              <a:ext cx="1476686" cy="369332"/>
-            </a:xfrm>
-            <a:prstGeom prst="rect">
-              <a:avLst/>
-            </a:prstGeom>
-            <a:noFill/>
-          </p:spPr>
-          <p:txBody>
-            <a:bodyPr wrap="none" rtlCol="0">
-              <a:spAutoFit/>
-            </a:bodyPr>
-            <a:lstStyle/>
-            <a:p>
-              <a:r>
-                <a:rPr kumimoji="1" lang="ja-JP" altLang="en-US" dirty="0">
-                  <a:solidFill>
-                    <a:srgbClr val="FF0D0D"/>
-                  </a:solidFill>
-                  <a:effectLst>
-                    <a:glow rad="127000">
-                      <a:schemeClr val="bg1">
-                        <a:alpha val="90000"/>
-                      </a:schemeClr>
-                    </a:glow>
-                  </a:effectLst>
-                  <a:latin typeface="HGP行書体" panose="03000600000000000000" pitchFamily="66" charset="-128"/>
-                  <a:ea typeface="HGP行書体" panose="03000600000000000000" pitchFamily="66" charset="-128"/>
-                </a:rPr>
-                <a:t>手裏剣投げ</a:t>
-              </a:r>
-              <a:r>
-                <a:rPr kumimoji="1" lang="en-US" altLang="ja-JP" dirty="0">
-                  <a:solidFill>
-                    <a:srgbClr val="FF0D0D"/>
-                  </a:solidFill>
-                  <a:effectLst>
-                    <a:glow rad="127000">
-                      <a:schemeClr val="bg1">
-                        <a:alpha val="90000"/>
-                      </a:schemeClr>
-                    </a:glow>
-                  </a:effectLst>
-                  <a:latin typeface="HGP行書体" panose="03000600000000000000" pitchFamily="66" charset="-128"/>
-                  <a:ea typeface="HGP行書体" panose="03000600000000000000" pitchFamily="66" charset="-128"/>
-                </a:rPr>
-                <a:t>!!</a:t>
-              </a:r>
-              <a:endParaRPr kumimoji="1" lang="ja-JP" altLang="en-US" dirty="0">
+              </a:rPr>
+              <a:t>に張り付き</a:t>
+            </a:r>
+            <a:r>
+              <a:rPr kumimoji="1" lang="en-US" altLang="ja-JP" sz="2400" dirty="0">
+                <a:solidFill>
+                  <a:srgbClr val="FF0D0D"/>
+                </a:solidFill>
+                <a:effectLst>
+                  <a:glow rad="190500">
+                    <a:schemeClr val="bg1">
+                      <a:alpha val="90000"/>
+                    </a:schemeClr>
+                  </a:glow>
+                </a:effectLst>
+                <a:latin typeface="HGP行書体" panose="03000600000000000000" pitchFamily="66" charset="-128"/>
+                <a:ea typeface="HGP行書体" panose="03000600000000000000" pitchFamily="66" charset="-128"/>
+              </a:rPr>
+              <a:t>!!</a:t>
+            </a:r>
+            <a:endParaRPr kumimoji="1" lang="ja-JP" altLang="en-US" sz="2400" dirty="0">
+              <a:solidFill>
+                <a:srgbClr val="FF0D0D"/>
+              </a:solidFill>
+              <a:effectLst>
+                <a:glow rad="190500">
+                  <a:schemeClr val="bg1">
+                    <a:alpha val="90000"/>
+                  </a:schemeClr>
+                </a:glow>
+              </a:effectLst>
+              <a:latin typeface="HGP行書体" panose="03000600000000000000" pitchFamily="66" charset="-128"/>
+              <a:ea typeface="HGP行書体" panose="03000600000000000000" pitchFamily="66" charset="-128"/>
+            </a:endParaRPr>
+          </a:p>
+        </p:txBody>
+      </p:sp>
+      <p:sp>
+        <p:nvSpPr>
+          <p:cNvPr id="10" name="テキスト ボックス 9">
+            <a:extLst>
+              <a:ext uri="{FF2B5EF4-FFF2-40B4-BE49-F238E27FC236}">
+                <a16:creationId xmlns:a16="http://schemas.microsoft.com/office/drawing/2014/main" id="{7A4277C4-7ECF-6873-8378-10970B2A8C53}"/>
+              </a:ext>
+            </a:extLst>
+          </p:cNvPr>
+          <p:cNvSpPr txBox="1"/>
+          <p:nvPr/>
+        </p:nvSpPr>
+        <p:spPr>
+          <a:xfrm rot="1214877">
+            <a:off x="2718091" y="3064264"/>
+            <a:ext cx="1949573" cy="461665"/>
+          </a:xfrm>
+          <a:prstGeom prst="rect">
+            <a:avLst/>
+          </a:prstGeom>
+          <a:noFill/>
+        </p:spPr>
+        <p:txBody>
+          <a:bodyPr wrap="none" rtlCol="0">
+            <a:spAutoFit/>
+          </a:bodyPr>
+          <a:lstStyle/>
+          <a:p>
+            <a:r>
+              <a:rPr lang="ja-JP" altLang="en-US" sz="2400" dirty="0">
+                <a:solidFill>
+                  <a:srgbClr val="FF0D0D"/>
+                </a:solidFill>
+                <a:effectLst>
+                  <a:glow rad="190500">
+                    <a:schemeClr val="bg1">
+                      <a:alpha val="90000"/>
+                    </a:schemeClr>
+                  </a:glow>
+                </a:effectLst>
+                <a:latin typeface="HGP行書体" panose="03000600000000000000" pitchFamily="66" charset="-128"/>
+                <a:ea typeface="HGP行書体" panose="03000600000000000000" pitchFamily="66" charset="-128"/>
+              </a:rPr>
+              <a:t>壁</a:t>
+            </a:r>
+            <a:r>
+              <a:rPr kumimoji="1" lang="ja-JP" altLang="en-US" sz="2400" dirty="0">
+                <a:solidFill>
+                  <a:srgbClr val="FF0D0D"/>
+                </a:solidFill>
+                <a:effectLst>
+                  <a:glow rad="190500">
+                    <a:schemeClr val="bg1">
+                      <a:alpha val="90000"/>
+                    </a:schemeClr>
+                  </a:glow>
+                </a:effectLst>
+                <a:latin typeface="HGP行書体" panose="03000600000000000000" pitchFamily="66" charset="-128"/>
+                <a:ea typeface="HGP行書体" panose="03000600000000000000" pitchFamily="66" charset="-128"/>
+              </a:rPr>
+              <a:t>に張り付き</a:t>
+            </a:r>
+            <a:r>
+              <a:rPr kumimoji="1" lang="en-US" altLang="ja-JP" sz="2400" dirty="0">
+                <a:solidFill>
+                  <a:srgbClr val="FF0D0D"/>
+                </a:solidFill>
+                <a:effectLst>
+                  <a:glow rad="190500">
+                    <a:schemeClr val="bg1">
+                      <a:alpha val="90000"/>
+                    </a:schemeClr>
+                  </a:glow>
+                </a:effectLst>
+                <a:latin typeface="HGP行書体" panose="03000600000000000000" pitchFamily="66" charset="-128"/>
+                <a:ea typeface="HGP行書体" panose="03000600000000000000" pitchFamily="66" charset="-128"/>
+              </a:rPr>
+              <a:t>!!</a:t>
+            </a:r>
+            <a:endParaRPr kumimoji="1" lang="ja-JP" altLang="en-US" sz="2400" dirty="0">
+              <a:solidFill>
+                <a:srgbClr val="FF0D0D"/>
+              </a:solidFill>
+              <a:effectLst>
+                <a:glow rad="190500">
+                  <a:schemeClr val="bg1">
+                    <a:alpha val="90000"/>
+                  </a:schemeClr>
+                </a:glow>
+              </a:effectLst>
+              <a:latin typeface="HGP行書体" panose="03000600000000000000" pitchFamily="66" charset="-128"/>
+              <a:ea typeface="HGP行書体" panose="03000600000000000000" pitchFamily="66" charset="-128"/>
+            </a:endParaRPr>
+          </a:p>
+        </p:txBody>
+      </p:sp>
+      <p:sp>
+        <p:nvSpPr>
+          <p:cNvPr id="20" name="テキスト ボックス 19">
+            <a:extLst>
+              <a:ext uri="{FF2B5EF4-FFF2-40B4-BE49-F238E27FC236}">
+                <a16:creationId xmlns:a16="http://schemas.microsoft.com/office/drawing/2014/main" id="{8DB0096D-445D-6D83-73EC-EA44CA49C418}"/>
+              </a:ext>
+            </a:extLst>
+          </p:cNvPr>
+          <p:cNvSpPr txBox="1"/>
+          <p:nvPr/>
+        </p:nvSpPr>
+        <p:spPr>
+          <a:xfrm rot="21259365">
+            <a:off x="1770120" y="4652931"/>
+            <a:ext cx="1906291" cy="461665"/>
+          </a:xfrm>
+          <a:prstGeom prst="rect">
+            <a:avLst/>
+          </a:prstGeom>
+          <a:noFill/>
+        </p:spPr>
+        <p:txBody>
+          <a:bodyPr wrap="none" rtlCol="0">
+            <a:spAutoFit/>
+          </a:bodyPr>
+          <a:lstStyle/>
+          <a:p>
+            <a:r>
+              <a:rPr kumimoji="1" lang="ja-JP" altLang="en-US" sz="2400" dirty="0">
                 <a:solidFill>
                   <a:srgbClr val="FF0D0D"/>
                 </a:solidFill>
@@ -6729,65 +5390,18 @@
                 </a:effectLst>
                 <a:latin typeface="HGP行書体" panose="03000600000000000000" pitchFamily="66" charset="-128"/>
                 <a:ea typeface="HGP行書体" panose="03000600000000000000" pitchFamily="66" charset="-128"/>
-              </a:endParaRPr>
-            </a:p>
-          </p:txBody>
-        </p:sp>
-      </p:grpSp>
-      <p:sp>
-        <p:nvSpPr>
-          <p:cNvPr id="1036" name="テキスト ボックス 1035">
-            <a:extLst>
-              <a:ext uri="{FF2B5EF4-FFF2-40B4-BE49-F238E27FC236}">
-                <a16:creationId xmlns:a16="http://schemas.microsoft.com/office/drawing/2014/main" id="{EED1982C-FF57-4A1E-F3E7-B9ECAF78C861}"/>
-              </a:ext>
-            </a:extLst>
-          </p:cNvPr>
-          <p:cNvSpPr txBox="1"/>
-          <p:nvPr/>
-        </p:nvSpPr>
-        <p:spPr>
-          <a:xfrm rot="20911180">
-            <a:off x="7743489" y="3555315"/>
-            <a:ext cx="2759089" cy="523220"/>
-          </a:xfrm>
-          <a:prstGeom prst="rect">
-            <a:avLst/>
-          </a:prstGeom>
-          <a:noFill/>
-        </p:spPr>
-        <p:txBody>
-          <a:bodyPr wrap="none" rtlCol="0">
-            <a:spAutoFit/>
-          </a:bodyPr>
-          <a:lstStyle/>
-          <a:p>
-            <a:r>
-              <a:rPr lang="ja-JP" altLang="en-US" sz="2800" dirty="0">
+              </a:rPr>
+              <a:t>手裏剣投げ</a:t>
+            </a:r>
+            <a:r>
+              <a:rPr kumimoji="1" lang="en-US" altLang="ja-JP" sz="2400" dirty="0">
                 <a:solidFill>
                   <a:srgbClr val="FF0D0D"/>
                 </a:solidFill>
                 <a:effectLst>
-                  <a:glow rad="254000">
+                  <a:glow rad="127000">
                     <a:schemeClr val="bg1">
-                      <a:alpha val="56000"/>
-                    </a:schemeClr>
-                  </a:glow>
-                </a:effectLst>
-                <a:latin typeface="HGP行書体" panose="03000600000000000000" pitchFamily="66" charset="-128"/>
-                <a:ea typeface="HGP行書体" panose="03000600000000000000" pitchFamily="66" charset="-128"/>
-              </a:rPr>
-              <a:t>考えて繋げるべし</a:t>
-            </a:r>
-            <a:r>
-              <a:rPr lang="en-US" altLang="ja-JP" sz="2800" dirty="0">
-                <a:solidFill>
-                  <a:srgbClr val="FF0D0D"/>
-                </a:solidFill>
-                <a:effectLst>
-                  <a:glow rad="254000">
-                    <a:schemeClr val="bg1">
-                      <a:alpha val="56000"/>
+                      <a:alpha val="90000"/>
                     </a:schemeClr>
                   </a:glow>
                 </a:effectLst>
@@ -6796,14 +5410,14 @@
               </a:rPr>
               <a:t>!!</a:t>
             </a:r>
-            <a:endParaRPr kumimoji="1" lang="ja-JP" altLang="en-US" sz="2800" dirty="0">
+            <a:endParaRPr kumimoji="1" lang="ja-JP" altLang="en-US" sz="2400" dirty="0">
               <a:solidFill>
                 <a:srgbClr val="FF0D0D"/>
               </a:solidFill>
               <a:effectLst>
-                <a:glow rad="254000">
+                <a:glow rad="127000">
                   <a:schemeClr val="bg1">
-                    <a:alpha val="56000"/>
+                    <a:alpha val="90000"/>
                   </a:schemeClr>
                 </a:glow>
               </a:effectLst>
@@ -6815,10 +5429,10 @@
       </p:sp>
       <p:sp>
         <p:nvSpPr>
-          <p:cNvPr id="1037" name="テキスト ボックス 1036">
-            <a:extLst>
-              <a:ext uri="{FF2B5EF4-FFF2-40B4-BE49-F238E27FC236}">
-                <a16:creationId xmlns:a16="http://schemas.microsoft.com/office/drawing/2014/main" id="{C54BEC1D-ED9E-E202-176E-90791AF565CD}"/>
+          <p:cNvPr id="21" name="テキスト ボックス 20">
+            <a:extLst>
+              <a:ext uri="{FF2B5EF4-FFF2-40B4-BE49-F238E27FC236}">
+                <a16:creationId xmlns:a16="http://schemas.microsoft.com/office/drawing/2014/main" id="{2E516FB7-DD2C-398F-C2BA-D45499BE0054}"/>
               </a:ext>
             </a:extLst>
           </p:cNvPr>
@@ -6826,9 +5440,9 @@
           <p:nvPr/>
         </p:nvSpPr>
         <p:spPr>
-          <a:xfrm rot="1142291">
-            <a:off x="2463708" y="2645886"/>
-            <a:ext cx="1460035" cy="347447"/>
+          <a:xfrm rot="312234">
+            <a:off x="4478406" y="3771293"/>
+            <a:ext cx="1681871" cy="461665"/>
           </a:xfrm>
           <a:prstGeom prst="rect">
             <a:avLst/>
@@ -6836,37 +5450,37 @@
           <a:noFill/>
         </p:spPr>
         <p:txBody>
-          <a:bodyPr wrap="square" rtlCol="0">
+          <a:bodyPr wrap="none" rtlCol="0">
             <a:spAutoFit/>
           </a:bodyPr>
           <a:lstStyle/>
           <a:p>
             <a:r>
-              <a:rPr lang="ja-JP" altLang="en-US" sz="1600" dirty="0">
+              <a:rPr kumimoji="1" lang="ja-JP" altLang="en-US" sz="2400" dirty="0">
                 <a:solidFill>
                   <a:srgbClr val="FF0D0D"/>
                 </a:solidFill>
                 <a:effectLst>
-                  <a:glow rad="381000">
+                  <a:glow rad="127000">
                     <a:schemeClr val="bg1">
-                      <a:alpha val="80000"/>
+                      <a:alpha val="90000"/>
                     </a:schemeClr>
                   </a:glow>
                 </a:effectLst>
                 <a:latin typeface="HGP行書体" panose="03000600000000000000" pitchFamily="66" charset="-128"/>
                 <a:ea typeface="HGP行書体" panose="03000600000000000000" pitchFamily="66" charset="-128"/>
               </a:rPr>
-              <a:t>繋げるべし</a:t>
-            </a:r>
-            <a:r>
-              <a:rPr lang="en-US" altLang="ja-JP" sz="1600" dirty="0">
+              <a:t>クナイ投げ</a:t>
+            </a:r>
+            <a:r>
+              <a:rPr kumimoji="1" lang="en-US" altLang="ja-JP" sz="2400" dirty="0">
                 <a:solidFill>
                   <a:srgbClr val="FF0D0D"/>
                 </a:solidFill>
                 <a:effectLst>
-                  <a:glow rad="381000">
+                  <a:glow rad="127000">
                     <a:schemeClr val="bg1">
-                      <a:alpha val="80000"/>
+                      <a:alpha val="90000"/>
                     </a:schemeClr>
                   </a:glow>
                 </a:effectLst>
@@ -6875,14 +5489,14 @@
               </a:rPr>
               <a:t>!!</a:t>
             </a:r>
-            <a:endParaRPr kumimoji="1" lang="ja-JP" altLang="en-US" sz="1600" dirty="0">
+            <a:endParaRPr kumimoji="1" lang="ja-JP" altLang="en-US" sz="2400" dirty="0">
               <a:solidFill>
                 <a:srgbClr val="FF0D0D"/>
               </a:solidFill>
               <a:effectLst>
-                <a:glow rad="381000">
+                <a:glow rad="127000">
                   <a:schemeClr val="bg1">
-                    <a:alpha val="80000"/>
+                    <a:alpha val="90000"/>
                   </a:schemeClr>
                 </a:glow>
               </a:effectLst>
@@ -6894,10 +5508,10 @@
       </p:sp>
       <p:sp>
         <p:nvSpPr>
-          <p:cNvPr id="1038" name="テキスト ボックス 1037">
-            <a:extLst>
-              <a:ext uri="{FF2B5EF4-FFF2-40B4-BE49-F238E27FC236}">
-                <a16:creationId xmlns:a16="http://schemas.microsoft.com/office/drawing/2014/main" id="{8BBCC799-0D8D-794E-76C7-285BE3319247}"/>
+          <p:cNvPr id="24" name="テキスト ボックス 23">
+            <a:extLst>
+              <a:ext uri="{FF2B5EF4-FFF2-40B4-BE49-F238E27FC236}">
+                <a16:creationId xmlns:a16="http://schemas.microsoft.com/office/drawing/2014/main" id="{5A8F7A85-A2A1-EB5A-DD9C-6405DA6ABF6C}"/>
               </a:ext>
             </a:extLst>
           </p:cNvPr>
@@ -6905,9 +5519,9 @@
           <p:nvPr/>
         </p:nvSpPr>
         <p:spPr>
-          <a:xfrm rot="20283717">
-            <a:off x="4533420" y="2487687"/>
-            <a:ext cx="1460035" cy="347447"/>
+          <a:xfrm rot="1064928">
+            <a:off x="2043912" y="3275850"/>
+            <a:ext cx="543739" cy="523220"/>
           </a:xfrm>
           <a:prstGeom prst="rect">
             <a:avLst/>
@@ -6915,38 +5529,303 @@
           <a:noFill/>
         </p:spPr>
         <p:txBody>
-          <a:bodyPr wrap="square" rtlCol="0">
+          <a:bodyPr wrap="none" rtlCol="0">
             <a:spAutoFit/>
           </a:bodyPr>
           <a:lstStyle/>
           <a:p>
             <a:r>
-              <a:rPr lang="ja-JP" altLang="en-US" sz="1600" dirty="0">
+              <a:rPr lang="ja-JP" altLang="en-US" sz="2800" dirty="0">
                 <a:solidFill>
                   <a:srgbClr val="FF0D0D"/>
                 </a:solidFill>
                 <a:effectLst>
-                  <a:glow rad="381000">
-                    <a:schemeClr val="bg1">
-                      <a:alpha val="80000"/>
-                    </a:schemeClr>
+                  <a:glow rad="127000">
+                    <a:srgbClr val="FFFF00"/>
                   </a:glow>
                 </a:effectLst>
                 <a:latin typeface="HGP行書体" panose="03000600000000000000" pitchFamily="66" charset="-128"/>
                 <a:ea typeface="HGP行書体" panose="03000600000000000000" pitchFamily="66" charset="-128"/>
               </a:rPr>
-              <a:t>繋げるべし</a:t>
-            </a:r>
-            <a:r>
-              <a:rPr lang="en-US" altLang="ja-JP" sz="1600" dirty="0">
+              <a:t>壱</a:t>
+            </a:r>
+            <a:endParaRPr kumimoji="1" lang="ja-JP" altLang="en-US" sz="2800" dirty="0">
+              <a:solidFill>
+                <a:srgbClr val="FF0D0D"/>
+              </a:solidFill>
+              <a:effectLst>
+                <a:glow rad="127000">
+                  <a:srgbClr val="FFFF00"/>
+                </a:glow>
+              </a:effectLst>
+              <a:latin typeface="HGP行書体" panose="03000600000000000000" pitchFamily="66" charset="-128"/>
+              <a:ea typeface="HGP行書体" panose="03000600000000000000" pitchFamily="66" charset="-128"/>
+            </a:endParaRPr>
+          </a:p>
+        </p:txBody>
+      </p:sp>
+      <p:sp>
+        <p:nvSpPr>
+          <p:cNvPr id="25" name="テキスト ボックス 24">
+            <a:extLst>
+              <a:ext uri="{FF2B5EF4-FFF2-40B4-BE49-F238E27FC236}">
+                <a16:creationId xmlns:a16="http://schemas.microsoft.com/office/drawing/2014/main" id="{35B08708-BE7A-34DA-33F1-01C5A24A157D}"/>
+              </a:ext>
+            </a:extLst>
+          </p:cNvPr>
+          <p:cNvSpPr txBox="1"/>
+          <p:nvPr/>
+        </p:nvSpPr>
+        <p:spPr>
+          <a:xfrm rot="20787868">
+            <a:off x="3538853" y="4360543"/>
+            <a:ext cx="543739" cy="523220"/>
+          </a:xfrm>
+          <a:prstGeom prst="rect">
+            <a:avLst/>
+          </a:prstGeom>
+          <a:noFill/>
+        </p:spPr>
+        <p:txBody>
+          <a:bodyPr wrap="none" rtlCol="0">
+            <a:spAutoFit/>
+          </a:bodyPr>
+          <a:lstStyle/>
+          <a:p>
+            <a:r>
+              <a:rPr kumimoji="1" lang="ja-JP" altLang="en-US" sz="2800" dirty="0">
                 <a:solidFill>
                   <a:srgbClr val="FF0D0D"/>
                 </a:solidFill>
                 <a:effectLst>
-                  <a:glow rad="381000">
-                    <a:schemeClr val="bg1">
-                      <a:alpha val="80000"/>
-                    </a:schemeClr>
+                  <a:glow rad="127000">
+                    <a:srgbClr val="FFFF00"/>
+                  </a:glow>
+                </a:effectLst>
+                <a:latin typeface="HGP行書体" panose="03000600000000000000" pitchFamily="66" charset="-128"/>
+                <a:ea typeface="HGP行書体" panose="03000600000000000000" pitchFamily="66" charset="-128"/>
+              </a:rPr>
+              <a:t>弐</a:t>
+            </a:r>
+          </a:p>
+        </p:txBody>
+      </p:sp>
+      <p:sp>
+        <p:nvSpPr>
+          <p:cNvPr id="26" name="テキスト ボックス 25">
+            <a:extLst>
+              <a:ext uri="{FF2B5EF4-FFF2-40B4-BE49-F238E27FC236}">
+                <a16:creationId xmlns:a16="http://schemas.microsoft.com/office/drawing/2014/main" id="{D798AEAC-0CFD-943E-2085-D4FE19852509}"/>
+              </a:ext>
+            </a:extLst>
+          </p:cNvPr>
+          <p:cNvSpPr txBox="1"/>
+          <p:nvPr/>
+        </p:nvSpPr>
+        <p:spPr>
+          <a:xfrm rot="1253449">
+            <a:off x="3706031" y="2867463"/>
+            <a:ext cx="543739" cy="523220"/>
+          </a:xfrm>
+          <a:prstGeom prst="rect">
+            <a:avLst/>
+          </a:prstGeom>
+          <a:noFill/>
+        </p:spPr>
+        <p:txBody>
+          <a:bodyPr wrap="none" rtlCol="0">
+            <a:spAutoFit/>
+          </a:bodyPr>
+          <a:lstStyle/>
+          <a:p>
+            <a:r>
+              <a:rPr kumimoji="1" lang="ja-JP" altLang="en-US" sz="2800" dirty="0">
+                <a:solidFill>
+                  <a:srgbClr val="FF0D0D"/>
+                </a:solidFill>
+                <a:effectLst>
+                  <a:glow rad="127000">
+                    <a:srgbClr val="FFFF00"/>
+                  </a:glow>
+                </a:effectLst>
+                <a:latin typeface="HGP行書体" panose="03000600000000000000" pitchFamily="66" charset="-128"/>
+                <a:ea typeface="HGP行書体" panose="03000600000000000000" pitchFamily="66" charset="-128"/>
+              </a:rPr>
+              <a:t>参</a:t>
+            </a:r>
+          </a:p>
+        </p:txBody>
+      </p:sp>
+      <p:sp>
+        <p:nvSpPr>
+          <p:cNvPr id="28" name="テキスト ボックス 27">
+            <a:extLst>
+              <a:ext uri="{FF2B5EF4-FFF2-40B4-BE49-F238E27FC236}">
+                <a16:creationId xmlns:a16="http://schemas.microsoft.com/office/drawing/2014/main" id="{62965931-E7A2-B067-2062-955051E52CDB}"/>
+              </a:ext>
+            </a:extLst>
+          </p:cNvPr>
+          <p:cNvSpPr txBox="1"/>
+          <p:nvPr/>
+        </p:nvSpPr>
+        <p:spPr>
+          <a:xfrm rot="20439024">
+            <a:off x="5292135" y="4100821"/>
+            <a:ext cx="543739" cy="523220"/>
+          </a:xfrm>
+          <a:prstGeom prst="rect">
+            <a:avLst/>
+          </a:prstGeom>
+          <a:noFill/>
+        </p:spPr>
+        <p:txBody>
+          <a:bodyPr wrap="none" rtlCol="0">
+            <a:spAutoFit/>
+          </a:bodyPr>
+          <a:lstStyle/>
+          <a:p>
+            <a:r>
+              <a:rPr lang="ja-JP" altLang="en-US" sz="2800" dirty="0">
+                <a:solidFill>
+                  <a:srgbClr val="FF0D0D"/>
+                </a:solidFill>
+                <a:effectLst>
+                  <a:glow rad="127000">
+                    <a:srgbClr val="FFFF00"/>
+                  </a:glow>
+                </a:effectLst>
+                <a:latin typeface="HGP行書体" panose="03000600000000000000" pitchFamily="66" charset="-128"/>
+                <a:ea typeface="HGP行書体" panose="03000600000000000000" pitchFamily="66" charset="-128"/>
+              </a:rPr>
+              <a:t>肆</a:t>
+            </a:r>
+            <a:endParaRPr kumimoji="1" lang="ja-JP" altLang="en-US" sz="2800" dirty="0">
+              <a:solidFill>
+                <a:srgbClr val="FF0D0D"/>
+              </a:solidFill>
+              <a:effectLst>
+                <a:glow rad="127000">
+                  <a:srgbClr val="FFFF00"/>
+                </a:glow>
+              </a:effectLst>
+              <a:latin typeface="HGP行書体" panose="03000600000000000000" pitchFamily="66" charset="-128"/>
+              <a:ea typeface="HGP行書体" panose="03000600000000000000" pitchFamily="66" charset="-128"/>
+            </a:endParaRPr>
+          </a:p>
+        </p:txBody>
+      </p:sp>
+      <p:sp>
+        <p:nvSpPr>
+          <p:cNvPr id="31" name="テキスト ボックス 30">
+            <a:extLst>
+              <a:ext uri="{FF2B5EF4-FFF2-40B4-BE49-F238E27FC236}">
+                <a16:creationId xmlns:a16="http://schemas.microsoft.com/office/drawing/2014/main" id="{7F262BD2-4164-D930-ADFC-FCADAAB99CE8}"/>
+              </a:ext>
+            </a:extLst>
+          </p:cNvPr>
+          <p:cNvSpPr txBox="1"/>
+          <p:nvPr/>
+        </p:nvSpPr>
+        <p:spPr>
+          <a:xfrm rot="350169">
+            <a:off x="4940638" y="2388009"/>
+            <a:ext cx="543739" cy="523220"/>
+          </a:xfrm>
+          <a:prstGeom prst="rect">
+            <a:avLst/>
+          </a:prstGeom>
+          <a:noFill/>
+        </p:spPr>
+        <p:txBody>
+          <a:bodyPr wrap="none" rtlCol="0">
+            <a:spAutoFit/>
+          </a:bodyPr>
+          <a:lstStyle/>
+          <a:p>
+            <a:r>
+              <a:rPr kumimoji="1" lang="ja-JP" altLang="en-US" sz="2800" dirty="0">
+                <a:solidFill>
+                  <a:srgbClr val="FF0D0D"/>
+                </a:solidFill>
+                <a:effectLst>
+                  <a:glow rad="127000">
+                    <a:srgbClr val="FFFF00"/>
+                  </a:glow>
+                </a:effectLst>
+                <a:latin typeface="HGP行書体" panose="03000600000000000000" pitchFamily="66" charset="-128"/>
+                <a:ea typeface="HGP行書体" panose="03000600000000000000" pitchFamily="66" charset="-128"/>
+              </a:rPr>
+              <a:t>伍</a:t>
+            </a:r>
+          </a:p>
+        </p:txBody>
+      </p:sp>
+      <p:sp>
+        <p:nvSpPr>
+          <p:cNvPr id="32" name="テキスト ボックス 31">
+            <a:extLst>
+              <a:ext uri="{FF2B5EF4-FFF2-40B4-BE49-F238E27FC236}">
+                <a16:creationId xmlns:a16="http://schemas.microsoft.com/office/drawing/2014/main" id="{45A24815-E21F-A7D8-D68D-EAAC2356A488}"/>
+              </a:ext>
+            </a:extLst>
+          </p:cNvPr>
+          <p:cNvSpPr txBox="1"/>
+          <p:nvPr/>
+        </p:nvSpPr>
+        <p:spPr>
+          <a:xfrm rot="635074">
+            <a:off x="4986754" y="1665059"/>
+            <a:ext cx="2475358" cy="769441"/>
+          </a:xfrm>
+          <a:prstGeom prst="rect">
+            <a:avLst/>
+          </a:prstGeom>
+          <a:noFill/>
+        </p:spPr>
+        <p:txBody>
+          <a:bodyPr wrap="none" rtlCol="0">
+            <a:spAutoFit/>
+          </a:bodyPr>
+          <a:lstStyle/>
+          <a:p>
+            <a:r>
+              <a:rPr kumimoji="1" lang="ja-JP" altLang="en-US" sz="4400" dirty="0">
+                <a:solidFill>
+                  <a:srgbClr val="FF0D0D"/>
+                </a:solidFill>
+                <a:effectLst>
+                  <a:glow rad="127000">
+                    <a:srgbClr val="FFFF00"/>
+                  </a:glow>
+                </a:effectLst>
+                <a:latin typeface="HGP行書体" panose="03000600000000000000" pitchFamily="66" charset="-128"/>
+                <a:ea typeface="HGP行書体" panose="03000600000000000000" pitchFamily="66" charset="-128"/>
+              </a:rPr>
+              <a:t>伍</a:t>
+            </a:r>
+            <a:r>
+              <a:rPr lang="ja-JP" altLang="en-US" sz="4400" dirty="0">
+                <a:solidFill>
+                  <a:srgbClr val="FF0D0D"/>
+                </a:solidFill>
+                <a:effectLst>
+                  <a:glow rad="127000">
+                    <a:srgbClr val="FFFF00"/>
+                  </a:glow>
+                </a:effectLst>
+                <a:latin typeface="HGP行書体" panose="03000600000000000000" pitchFamily="66" charset="-128"/>
+                <a:ea typeface="HGP行書体" panose="03000600000000000000" pitchFamily="66" charset="-128"/>
+              </a:rPr>
+              <a:t>コンボ</a:t>
+            </a:r>
+            <a:r>
+              <a:rPr lang="en-US" altLang="ja-JP" sz="4400" dirty="0">
+                <a:solidFill>
+                  <a:srgbClr val="FF0D0D"/>
+                </a:solidFill>
+                <a:effectLst>
+                  <a:glow rad="127000">
+                    <a:srgbClr val="FFFF00"/>
                   </a:glow>
                 </a:effectLst>
                 <a:latin typeface="HGP行書体" panose="03000600000000000000" pitchFamily="66" charset="-128"/>
@@ -6954,15 +5833,13 @@
               </a:rPr>
               <a:t>!!</a:t>
             </a:r>
-            <a:endParaRPr kumimoji="1" lang="ja-JP" altLang="en-US" sz="1600" dirty="0">
+            <a:endParaRPr kumimoji="1" lang="en-US" altLang="ja-JP" sz="4400" dirty="0">
               <a:solidFill>
                 <a:srgbClr val="FF0D0D"/>
               </a:solidFill>
               <a:effectLst>
-                <a:glow rad="381000">
-                  <a:schemeClr val="bg1">
-                    <a:alpha val="80000"/>
-                  </a:schemeClr>
+                <a:glow rad="127000">
+                  <a:srgbClr val="FFFF00"/>
                 </a:glow>
               </a:effectLst>
               <a:latin typeface="HGP行書体" panose="03000600000000000000" pitchFamily="66" charset="-128"/>
